--- a/design/Bigsize.pptx
+++ b/design/Bigsize.pptx
@@ -7,6 +7,11 @@
   <p:sldIdLst>
     <p:sldId id="257" r:id="rId2"/>
     <p:sldId id="259" r:id="rId3"/>
+    <p:sldId id="260" r:id="rId4"/>
+    <p:sldId id="261" r:id="rId5"/>
+    <p:sldId id="263" r:id="rId6"/>
+    <p:sldId id="262" r:id="rId7"/>
+    <p:sldId id="264" r:id="rId8"/>
   </p:sldIdLst>
   <p:sldSz cx="12195175" cy="15748000"/>
   <p:notesSz cx="6858000" cy="9144000"/>
@@ -105,6 +110,22 @@
       </a:defRPr>
     </a:lvl9pPr>
   </p:defaultTextStyle>
+  <p:extLst>
+    <p:ext uri="{EFAFB233-063F-42B5-8137-9DF3F51BA10A}">
+      <p15:sldGuideLst xmlns:p15="http://schemas.microsoft.com/office/powerpoint/2012/main">
+        <p15:guide id="1" orient="horz" pos="4960">
+          <p15:clr>
+            <a:srgbClr val="A4A3A4"/>
+          </p15:clr>
+        </p15:guide>
+        <p15:guide id="2" pos="3841">
+          <p15:clr>
+            <a:srgbClr val="A4A3A4"/>
+          </p15:clr>
+        </p15:guide>
+      </p15:sldGuideLst>
+    </p:ext>
+  </p:extLst>
 </p:presentation>
 </file>
 
@@ -289,7 +310,7 @@
           <a:p>
             <a:fld id="{BB73866F-F6FF-4E0C-A1E0-5E7F31502E82}" type="datetimeFigureOut">
               <a:rPr lang="zh-TW" altLang="en-US" smtClean="0"/>
-              <a:t>2016/6/4</a:t>
+              <a:t>2016/6/6</a:t>
             </a:fld>
             <a:endParaRPr lang="zh-TW" altLang="en-US"/>
           </a:p>
@@ -459,7 +480,7 @@
           <a:p>
             <a:fld id="{BB73866F-F6FF-4E0C-A1E0-5E7F31502E82}" type="datetimeFigureOut">
               <a:rPr lang="zh-TW" altLang="en-US" smtClean="0"/>
-              <a:t>2016/6/4</a:t>
+              <a:t>2016/6/6</a:t>
             </a:fld>
             <a:endParaRPr lang="zh-TW" altLang="en-US"/>
           </a:p>
@@ -639,7 +660,7 @@
           <a:p>
             <a:fld id="{BB73866F-F6FF-4E0C-A1E0-5E7F31502E82}" type="datetimeFigureOut">
               <a:rPr lang="zh-TW" altLang="en-US" smtClean="0"/>
-              <a:t>2016/6/4</a:t>
+              <a:t>2016/6/6</a:t>
             </a:fld>
             <a:endParaRPr lang="zh-TW" altLang="en-US"/>
           </a:p>
@@ -809,7 +830,7 @@
           <a:p>
             <a:fld id="{BB73866F-F6FF-4E0C-A1E0-5E7F31502E82}" type="datetimeFigureOut">
               <a:rPr lang="zh-TW" altLang="en-US" smtClean="0"/>
-              <a:t>2016/6/4</a:t>
+              <a:t>2016/6/6</a:t>
             </a:fld>
             <a:endParaRPr lang="zh-TW" altLang="en-US"/>
           </a:p>
@@ -1055,7 +1076,7 @@
           <a:p>
             <a:fld id="{BB73866F-F6FF-4E0C-A1E0-5E7F31502E82}" type="datetimeFigureOut">
               <a:rPr lang="zh-TW" altLang="en-US" smtClean="0"/>
-              <a:t>2016/6/4</a:t>
+              <a:t>2016/6/6</a:t>
             </a:fld>
             <a:endParaRPr lang="zh-TW" altLang="en-US"/>
           </a:p>
@@ -1343,7 +1364,7 @@
           <a:p>
             <a:fld id="{BB73866F-F6FF-4E0C-A1E0-5E7F31502E82}" type="datetimeFigureOut">
               <a:rPr lang="zh-TW" altLang="en-US" smtClean="0"/>
-              <a:t>2016/6/4</a:t>
+              <a:t>2016/6/6</a:t>
             </a:fld>
             <a:endParaRPr lang="zh-TW" altLang="en-US"/>
           </a:p>
@@ -1770,7 +1791,7 @@
           <a:p>
             <a:fld id="{BB73866F-F6FF-4E0C-A1E0-5E7F31502E82}" type="datetimeFigureOut">
               <a:rPr lang="zh-TW" altLang="en-US" smtClean="0"/>
-              <a:t>2016/6/4</a:t>
+              <a:t>2016/6/6</a:t>
             </a:fld>
             <a:endParaRPr lang="zh-TW" altLang="en-US"/>
           </a:p>
@@ -1888,7 +1909,7 @@
           <a:p>
             <a:fld id="{BB73866F-F6FF-4E0C-A1E0-5E7F31502E82}" type="datetimeFigureOut">
               <a:rPr lang="zh-TW" altLang="en-US" smtClean="0"/>
-              <a:t>2016/6/4</a:t>
+              <a:t>2016/6/6</a:t>
             </a:fld>
             <a:endParaRPr lang="zh-TW" altLang="en-US"/>
           </a:p>
@@ -1983,7 +2004,7 @@
           <a:p>
             <a:fld id="{BB73866F-F6FF-4E0C-A1E0-5E7F31502E82}" type="datetimeFigureOut">
               <a:rPr lang="zh-TW" altLang="en-US" smtClean="0"/>
-              <a:t>2016/6/4</a:t>
+              <a:t>2016/6/6</a:t>
             </a:fld>
             <a:endParaRPr lang="zh-TW" altLang="en-US"/>
           </a:p>
@@ -2260,7 +2281,7 @@
           <a:p>
             <a:fld id="{BB73866F-F6FF-4E0C-A1E0-5E7F31502E82}" type="datetimeFigureOut">
               <a:rPr lang="zh-TW" altLang="en-US" smtClean="0"/>
-              <a:t>2016/6/4</a:t>
+              <a:t>2016/6/6</a:t>
             </a:fld>
             <a:endParaRPr lang="zh-TW" altLang="en-US"/>
           </a:p>
@@ -2513,7 +2534,7 @@
           <a:p>
             <a:fld id="{BB73866F-F6FF-4E0C-A1E0-5E7F31502E82}" type="datetimeFigureOut">
               <a:rPr lang="zh-TW" altLang="en-US" smtClean="0"/>
-              <a:t>2016/6/4</a:t>
+              <a:t>2016/6/6</a:t>
             </a:fld>
             <a:endParaRPr lang="zh-TW" altLang="en-US"/>
           </a:p>
@@ -2726,7 +2747,7 @@
           <a:p>
             <a:fld id="{BB73866F-F6FF-4E0C-A1E0-5E7F31502E82}" type="datetimeFigureOut">
               <a:rPr lang="zh-TW" altLang="en-US" smtClean="0"/>
-              <a:t>2016/6/4</a:t>
+              <a:t>2016/6/6</a:t>
             </a:fld>
             <a:endParaRPr lang="zh-TW" altLang="en-US"/>
           </a:p>
@@ -3109,7 +3130,7 @@
         </p:nvGrpSpPr>
         <p:grpSpPr>
           <a:xfrm>
-            <a:off x="456540" y="0"/>
+            <a:off x="456540" y="-16664"/>
             <a:ext cx="11237913" cy="15764664"/>
             <a:chOff x="349571" y="-9480"/>
             <a:chExt cx="11237913" cy="15764664"/>
@@ -3739,8 +3760,8 @@
         </p:nvGrpSpPr>
         <p:grpSpPr>
           <a:xfrm>
-            <a:off x="0" y="1321272"/>
-            <a:ext cx="12195175" cy="5688632"/>
+            <a:off x="0" y="0"/>
+            <a:ext cx="12195175" cy="5569744"/>
             <a:chOff x="0" y="1321272"/>
             <a:chExt cx="12195175" cy="4464496"/>
           </a:xfrm>
@@ -4001,7 +4022,7 @@
         </p:nvGrpSpPr>
         <p:grpSpPr>
           <a:xfrm>
-            <a:off x="4299905" y="0"/>
+            <a:off x="43781" y="-16664"/>
             <a:ext cx="3529092" cy="1321272"/>
             <a:chOff x="0" y="1321272"/>
             <a:chExt cx="12195175" cy="4464496"/>
@@ -4132,7 +4153,7 @@
         </p:nvSpPr>
         <p:spPr>
           <a:xfrm>
-            <a:off x="456540" y="6001792"/>
+            <a:off x="424279" y="14798452"/>
             <a:ext cx="1574274" cy="598066"/>
           </a:xfrm>
           <a:prstGeom prst="rect">
@@ -4173,7 +4194,7 @@
         </p:nvSpPr>
         <p:spPr>
           <a:xfrm>
-            <a:off x="10098088" y="326980"/>
+            <a:off x="7198997" y="4293445"/>
             <a:ext cx="1572155" cy="669329"/>
           </a:xfrm>
           <a:prstGeom prst="rect">
@@ -4255,7 +4276,11 @@
           <a:lstStyle/>
           <a:p>
             <a:pPr algn="ctr"/>
-            <a:endParaRPr lang="zh-TW" altLang="en-US"/>
+            <a:endParaRPr lang="zh-TW" altLang="en-US">
+              <a:solidFill>
+                <a:schemeClr val="tx1"/>
+              </a:solidFill>
+            </a:endParaRPr>
           </a:p>
         </p:txBody>
       </p:sp>
@@ -4267,7 +4292,7 @@
         </p:nvSpPr>
         <p:spPr>
           <a:xfrm>
-            <a:off x="3333541" y="5999636"/>
+            <a:off x="3301280" y="14796296"/>
             <a:ext cx="1574274" cy="598066"/>
           </a:xfrm>
           <a:prstGeom prst="rect">
@@ -4308,7 +4333,7 @@
         </p:nvSpPr>
         <p:spPr>
           <a:xfrm>
-            <a:off x="7221087" y="5999636"/>
+            <a:off x="7188826" y="14796296"/>
             <a:ext cx="1574274" cy="598066"/>
           </a:xfrm>
           <a:prstGeom prst="rect">
@@ -4349,7 +4374,7 @@
         </p:nvSpPr>
         <p:spPr>
           <a:xfrm>
-            <a:off x="10120179" y="5957853"/>
+            <a:off x="10087918" y="14754513"/>
             <a:ext cx="1574274" cy="598066"/>
           </a:xfrm>
           <a:prstGeom prst="rect">
@@ -4390,7 +4415,7 @@
         </p:nvCxnSpPr>
         <p:spPr>
           <a:xfrm>
-            <a:off x="0" y="5569744"/>
+            <a:off x="-7177" y="14426728"/>
             <a:ext cx="12195175" cy="0"/>
           </a:xfrm>
           <a:prstGeom prst="line">
@@ -4425,7 +4450,7 @@
         </p:nvSpPr>
         <p:spPr>
           <a:xfrm>
-            <a:off x="3333541" y="3265488"/>
+            <a:off x="1051972" y="2962089"/>
             <a:ext cx="5461820" cy="598066"/>
           </a:xfrm>
           <a:prstGeom prst="rect">
@@ -4477,6 +4502,190 @@
                 </a:solidFill>
               </a:rPr>
               <a:t>放在這裡</a:t>
+            </a:r>
+            <a:endParaRPr lang="zh-TW" altLang="en-US" dirty="0">
+              <a:solidFill>
+                <a:schemeClr val="tx1"/>
+              </a:solidFill>
+            </a:endParaRPr>
+          </a:p>
+        </p:txBody>
+      </p:sp>
+      <p:sp>
+        <p:nvSpPr>
+          <p:cNvPr id="2" name="文字方塊 1"/>
+          <p:cNvSpPr txBox="1"/>
+          <p:nvPr/>
+        </p:nvSpPr>
+        <p:spPr>
+          <a:xfrm>
+            <a:off x="14594531" y="2617416"/>
+            <a:ext cx="2592288" cy="1523494"/>
+          </a:xfrm>
+          <a:prstGeom prst="rect">
+            <a:avLst/>
+          </a:prstGeom>
+          <a:noFill/>
+        </p:spPr>
+        <p:txBody>
+          <a:bodyPr wrap="square" rtlCol="0">
+            <a:spAutoFit/>
+          </a:bodyPr>
+          <a:lstStyle/>
+          <a:p>
+            <a:r>
+              <a:rPr lang="zh-TW" altLang="en-US" dirty="0" smtClean="0"/>
+              <a:t>把按鈕拉到</a:t>
+            </a:r>
+            <a:r>
+              <a:rPr lang="en-US" altLang="zh-TW" dirty="0" smtClean="0"/>
+              <a:t>footer</a:t>
+            </a:r>
+            <a:r>
+              <a:rPr lang="zh-TW" altLang="en-US" dirty="0" smtClean="0"/>
+              <a:t>   </a:t>
+            </a:r>
+            <a:r>
+              <a:rPr lang="en-US" altLang="zh-TW" dirty="0" smtClean="0"/>
+              <a:t>+</a:t>
+            </a:r>
+            <a:r>
+              <a:rPr lang="zh-TW" altLang="en-US" dirty="0" smtClean="0"/>
+              <a:t>熱門議題</a:t>
+            </a:r>
+            <a:endParaRPr lang="zh-TW" altLang="en-US" dirty="0"/>
+          </a:p>
+        </p:txBody>
+      </p:sp>
+      <p:sp>
+        <p:nvSpPr>
+          <p:cNvPr id="41" name="矩形 40"/>
+          <p:cNvSpPr/>
+          <p:nvPr/>
+        </p:nvSpPr>
+        <p:spPr>
+          <a:xfrm>
+            <a:off x="9244445" y="4293445"/>
+            <a:ext cx="1572155" cy="669329"/>
+          </a:xfrm>
+          <a:prstGeom prst="rect">
+            <a:avLst/>
+          </a:prstGeom>
+          <a:noFill/>
+        </p:spPr>
+        <p:style>
+          <a:lnRef idx="2">
+            <a:schemeClr val="accent1">
+              <a:shade val="50000"/>
+            </a:schemeClr>
+          </a:lnRef>
+          <a:fillRef idx="1">
+            <a:schemeClr val="accent1"/>
+          </a:fillRef>
+          <a:effectRef idx="0">
+            <a:schemeClr val="accent1"/>
+          </a:effectRef>
+          <a:fontRef idx="minor">
+            <a:schemeClr val="lt1"/>
+          </a:fontRef>
+        </p:style>
+        <p:txBody>
+          <a:bodyPr rtlCol="0" anchor="ctr"/>
+          <a:lstStyle/>
+          <a:p>
+            <a:pPr algn="ctr"/>
+            <a:r>
+              <a:rPr lang="zh-TW" altLang="en-US" dirty="0" smtClean="0">
+                <a:solidFill>
+                  <a:schemeClr val="tx1"/>
+                </a:solidFill>
+              </a:rPr>
+              <a:t>議題</a:t>
+            </a:r>
+            <a:endParaRPr lang="zh-TW" altLang="en-US" dirty="0">
+              <a:solidFill>
+                <a:schemeClr val="tx1"/>
+              </a:solidFill>
+            </a:endParaRPr>
+          </a:p>
+        </p:txBody>
+      </p:sp>
+      <p:pic>
+        <p:nvPicPr>
+          <p:cNvPr id="18" name="圖片 17"/>
+          <p:cNvPicPr>
+            <a:picLocks noChangeAspect="1"/>
+          </p:cNvPicPr>
+          <p:nvPr/>
+        </p:nvPicPr>
+        <p:blipFill>
+          <a:blip r:embed="rId2"/>
+          <a:stretch>
+            <a:fillRect/>
+          </a:stretch>
+        </p:blipFill>
+        <p:spPr>
+          <a:xfrm>
+            <a:off x="424280" y="6001792"/>
+            <a:ext cx="11237912" cy="5505165"/>
+          </a:xfrm>
+          <a:prstGeom prst="rect">
+            <a:avLst/>
+          </a:prstGeom>
+        </p:spPr>
+      </p:pic>
+      <p:sp>
+        <p:nvSpPr>
+          <p:cNvPr id="43" name="矩形 42"/>
+          <p:cNvSpPr/>
+          <p:nvPr/>
+        </p:nvSpPr>
+        <p:spPr>
+          <a:xfrm>
+            <a:off x="10105186" y="344939"/>
+            <a:ext cx="1574274" cy="598066"/>
+          </a:xfrm>
+          <a:prstGeom prst="rect">
+            <a:avLst/>
+          </a:prstGeom>
+          <a:noFill/>
+        </p:spPr>
+        <p:style>
+          <a:lnRef idx="2">
+            <a:schemeClr val="accent1">
+              <a:shade val="50000"/>
+            </a:schemeClr>
+          </a:lnRef>
+          <a:fillRef idx="1">
+            <a:schemeClr val="accent1"/>
+          </a:fillRef>
+          <a:effectRef idx="0">
+            <a:schemeClr val="accent1"/>
+          </a:effectRef>
+          <a:fontRef idx="minor">
+            <a:schemeClr val="lt1"/>
+          </a:fontRef>
+        </p:style>
+        <p:txBody>
+          <a:bodyPr rtlCol="0" anchor="ctr"/>
+          <a:lstStyle/>
+          <a:p>
+            <a:pPr algn="ctr"/>
+            <a:r>
+              <a:rPr lang="zh-TW" altLang="en-US" dirty="0" smtClean="0">
+                <a:solidFill>
+                  <a:schemeClr val="tx1"/>
+                </a:solidFill>
+              </a:rPr>
+              <a:t>搜</a:t>
+            </a:r>
+            <a:r>
+              <a:rPr lang="zh-TW" altLang="en-US" dirty="0">
+                <a:solidFill>
+                  <a:schemeClr val="tx1"/>
+                </a:solidFill>
+              </a:rPr>
+              <a:t>尋</a:t>
             </a:r>
             <a:endParaRPr lang="zh-TW" altLang="en-US" dirty="0">
               <a:solidFill>
@@ -5338,7 +5547,7 @@
         </p:nvGrpSpPr>
         <p:grpSpPr>
           <a:xfrm>
-            <a:off x="4306623" y="-3745"/>
+            <a:off x="471380" y="-2736"/>
             <a:ext cx="3529092" cy="1321272"/>
             <a:chOff x="0" y="1321272"/>
             <a:chExt cx="12195175" cy="4464496"/>
@@ -6427,6 +6636,7103 @@
     <p:extLst>
       <p:ext uri="{BB962C8B-B14F-4D97-AF65-F5344CB8AC3E}">
         <p14:creationId xmlns:p14="http://schemas.microsoft.com/office/powerpoint/2010/main" val="505005003"/>
+      </p:ext>
+    </p:extLst>
+  </p:cSld>
+  <p:clrMapOvr>
+    <a:masterClrMapping/>
+  </p:clrMapOvr>
+</p:sld>
+</file>
+
+<file path=ppt/slides/slide3.xml><?xml version="1.0" encoding="utf-8"?>
+<p:sld xmlns:a="http://schemas.openxmlformats.org/drawingml/2006/main" xmlns:r="http://schemas.openxmlformats.org/officeDocument/2006/relationships" xmlns:p="http://schemas.openxmlformats.org/presentationml/2006/main">
+  <p:cSld>
+    <p:spTree>
+      <p:nvGrpSpPr>
+        <p:cNvPr id="1" name=""/>
+        <p:cNvGrpSpPr/>
+        <p:nvPr/>
+      </p:nvGrpSpPr>
+      <p:grpSpPr>
+        <a:xfrm>
+          <a:off x="0" y="0"/>
+          <a:ext cx="0" cy="0"/>
+          <a:chOff x="0" y="0"/>
+          <a:chExt cx="0" cy="0"/>
+        </a:xfrm>
+      </p:grpSpPr>
+      <p:grpSp>
+        <p:nvGrpSpPr>
+          <p:cNvPr id="17" name="群組 16"/>
+          <p:cNvGrpSpPr/>
+          <p:nvPr/>
+        </p:nvGrpSpPr>
+        <p:grpSpPr>
+          <a:xfrm>
+            <a:off x="456540" y="0"/>
+            <a:ext cx="11237913" cy="15764664"/>
+            <a:chOff x="349571" y="-9480"/>
+            <a:chExt cx="11237913" cy="15764664"/>
+          </a:xfrm>
+          <a:solidFill>
+            <a:schemeClr val="bg2"/>
+          </a:solidFill>
+        </p:grpSpPr>
+        <p:sp>
+          <p:nvSpPr>
+            <p:cNvPr id="18" name="矩形 17"/>
+            <p:cNvSpPr/>
+            <p:nvPr/>
+          </p:nvSpPr>
+          <p:spPr>
+            <a:xfrm>
+              <a:off x="349571" y="0"/>
+              <a:ext cx="630000" cy="15748000"/>
+            </a:xfrm>
+            <a:prstGeom prst="rect">
+              <a:avLst/>
+            </a:prstGeom>
+            <a:grpFill/>
+            <a:ln>
+              <a:noFill/>
+            </a:ln>
+          </p:spPr>
+          <p:style>
+            <a:lnRef idx="2">
+              <a:schemeClr val="accent1">
+                <a:shade val="50000"/>
+              </a:schemeClr>
+            </a:lnRef>
+            <a:fillRef idx="1">
+              <a:schemeClr val="accent1"/>
+            </a:fillRef>
+            <a:effectRef idx="0">
+              <a:schemeClr val="accent1"/>
+            </a:effectRef>
+            <a:fontRef idx="minor">
+              <a:schemeClr val="lt1"/>
+            </a:fontRef>
+          </p:style>
+          <p:txBody>
+            <a:bodyPr rtlCol="0" anchor="ctr"/>
+            <a:lstStyle/>
+            <a:p>
+              <a:pPr algn="ctr"/>
+              <a:endParaRPr lang="zh-TW" altLang="en-US">
+                <a:solidFill>
+                  <a:schemeClr val="tx2">
+                    <a:lumMod val="20000"/>
+                    <a:lumOff val="80000"/>
+                  </a:schemeClr>
+                </a:solidFill>
+              </a:endParaRPr>
+            </a:p>
+          </p:txBody>
+        </p:sp>
+        <p:sp>
+          <p:nvSpPr>
+            <p:cNvPr id="19" name="矩形 18"/>
+            <p:cNvSpPr/>
+            <p:nvPr/>
+          </p:nvSpPr>
+          <p:spPr>
+            <a:xfrm>
+              <a:off x="1293844" y="0"/>
+              <a:ext cx="630000" cy="15748000"/>
+            </a:xfrm>
+            <a:prstGeom prst="rect">
+              <a:avLst/>
+            </a:prstGeom>
+            <a:grpFill/>
+            <a:ln>
+              <a:noFill/>
+            </a:ln>
+          </p:spPr>
+          <p:style>
+            <a:lnRef idx="2">
+              <a:schemeClr val="accent1">
+                <a:shade val="50000"/>
+              </a:schemeClr>
+            </a:lnRef>
+            <a:fillRef idx="1">
+              <a:schemeClr val="accent1"/>
+            </a:fillRef>
+            <a:effectRef idx="0">
+              <a:schemeClr val="accent1"/>
+            </a:effectRef>
+            <a:fontRef idx="minor">
+              <a:schemeClr val="lt1"/>
+            </a:fontRef>
+          </p:style>
+          <p:txBody>
+            <a:bodyPr rtlCol="0" anchor="ctr"/>
+            <a:lstStyle/>
+            <a:p>
+              <a:pPr algn="ctr"/>
+              <a:endParaRPr lang="zh-TW" altLang="en-US">
+                <a:solidFill>
+                  <a:schemeClr val="tx2">
+                    <a:lumMod val="20000"/>
+                    <a:lumOff val="80000"/>
+                  </a:schemeClr>
+                </a:solidFill>
+              </a:endParaRPr>
+            </a:p>
+          </p:txBody>
+        </p:sp>
+        <p:sp>
+          <p:nvSpPr>
+            <p:cNvPr id="20" name="矩形 19"/>
+            <p:cNvSpPr/>
+            <p:nvPr/>
+          </p:nvSpPr>
+          <p:spPr>
+            <a:xfrm>
+              <a:off x="2260208" y="-9480"/>
+              <a:ext cx="630000" cy="15748000"/>
+            </a:xfrm>
+            <a:prstGeom prst="rect">
+              <a:avLst/>
+            </a:prstGeom>
+            <a:grpFill/>
+            <a:ln>
+              <a:noFill/>
+            </a:ln>
+          </p:spPr>
+          <p:style>
+            <a:lnRef idx="2">
+              <a:schemeClr val="accent1">
+                <a:shade val="50000"/>
+              </a:schemeClr>
+            </a:lnRef>
+            <a:fillRef idx="1">
+              <a:schemeClr val="accent1"/>
+            </a:fillRef>
+            <a:effectRef idx="0">
+              <a:schemeClr val="accent1"/>
+            </a:effectRef>
+            <a:fontRef idx="minor">
+              <a:schemeClr val="lt1"/>
+            </a:fontRef>
+          </p:style>
+          <p:txBody>
+            <a:bodyPr rtlCol="0" anchor="ctr"/>
+            <a:lstStyle/>
+            <a:p>
+              <a:pPr algn="ctr"/>
+              <a:endParaRPr lang="zh-TW" altLang="en-US">
+                <a:solidFill>
+                  <a:schemeClr val="tx2">
+                    <a:lumMod val="20000"/>
+                    <a:lumOff val="80000"/>
+                  </a:schemeClr>
+                </a:solidFill>
+              </a:endParaRPr>
+            </a:p>
+          </p:txBody>
+        </p:sp>
+        <p:sp>
+          <p:nvSpPr>
+            <p:cNvPr id="21" name="矩形 20"/>
+            <p:cNvSpPr/>
+            <p:nvPr/>
+          </p:nvSpPr>
+          <p:spPr>
+            <a:xfrm>
+              <a:off x="3226572" y="7184"/>
+              <a:ext cx="630000" cy="15748000"/>
+            </a:xfrm>
+            <a:prstGeom prst="rect">
+              <a:avLst/>
+            </a:prstGeom>
+            <a:grpFill/>
+            <a:ln>
+              <a:noFill/>
+            </a:ln>
+          </p:spPr>
+          <p:style>
+            <a:lnRef idx="2">
+              <a:schemeClr val="accent1">
+                <a:shade val="50000"/>
+              </a:schemeClr>
+            </a:lnRef>
+            <a:fillRef idx="1">
+              <a:schemeClr val="accent1"/>
+            </a:fillRef>
+            <a:effectRef idx="0">
+              <a:schemeClr val="accent1"/>
+            </a:effectRef>
+            <a:fontRef idx="minor">
+              <a:schemeClr val="lt1"/>
+            </a:fontRef>
+          </p:style>
+          <p:txBody>
+            <a:bodyPr rtlCol="0" anchor="ctr"/>
+            <a:lstStyle/>
+            <a:p>
+              <a:pPr algn="ctr"/>
+              <a:endParaRPr lang="zh-TW" altLang="en-US">
+                <a:solidFill>
+                  <a:schemeClr val="tx2">
+                    <a:lumMod val="20000"/>
+                    <a:lumOff val="80000"/>
+                  </a:schemeClr>
+                </a:solidFill>
+              </a:endParaRPr>
+            </a:p>
+          </p:txBody>
+        </p:sp>
+        <p:sp>
+          <p:nvSpPr>
+            <p:cNvPr id="22" name="矩形 21"/>
+            <p:cNvSpPr/>
+            <p:nvPr/>
+          </p:nvSpPr>
+          <p:spPr>
+            <a:xfrm>
+              <a:off x="8058392" y="-9480"/>
+              <a:ext cx="630000" cy="15748000"/>
+            </a:xfrm>
+            <a:prstGeom prst="rect">
+              <a:avLst/>
+            </a:prstGeom>
+            <a:grpFill/>
+            <a:ln>
+              <a:noFill/>
+            </a:ln>
+          </p:spPr>
+          <p:style>
+            <a:lnRef idx="2">
+              <a:schemeClr val="accent1">
+                <a:shade val="50000"/>
+              </a:schemeClr>
+            </a:lnRef>
+            <a:fillRef idx="1">
+              <a:schemeClr val="accent1"/>
+            </a:fillRef>
+            <a:effectRef idx="0">
+              <a:schemeClr val="accent1"/>
+            </a:effectRef>
+            <a:fontRef idx="minor">
+              <a:schemeClr val="lt1"/>
+            </a:fontRef>
+          </p:style>
+          <p:txBody>
+            <a:bodyPr rtlCol="0" anchor="ctr"/>
+            <a:lstStyle/>
+            <a:p>
+              <a:pPr algn="ctr"/>
+              <a:endParaRPr lang="zh-TW" altLang="en-US">
+                <a:solidFill>
+                  <a:schemeClr val="tx2">
+                    <a:lumMod val="20000"/>
+                    <a:lumOff val="80000"/>
+                  </a:schemeClr>
+                </a:solidFill>
+              </a:endParaRPr>
+            </a:p>
+          </p:txBody>
+        </p:sp>
+        <p:sp>
+          <p:nvSpPr>
+            <p:cNvPr id="23" name="矩形 22"/>
+            <p:cNvSpPr/>
+            <p:nvPr/>
+          </p:nvSpPr>
+          <p:spPr>
+            <a:xfrm>
+              <a:off x="9024756" y="-9480"/>
+              <a:ext cx="630000" cy="15748000"/>
+            </a:xfrm>
+            <a:prstGeom prst="rect">
+              <a:avLst/>
+            </a:prstGeom>
+            <a:grpFill/>
+            <a:ln>
+              <a:noFill/>
+            </a:ln>
+          </p:spPr>
+          <p:style>
+            <a:lnRef idx="2">
+              <a:schemeClr val="accent1">
+                <a:shade val="50000"/>
+              </a:schemeClr>
+            </a:lnRef>
+            <a:fillRef idx="1">
+              <a:schemeClr val="accent1"/>
+            </a:fillRef>
+            <a:effectRef idx="0">
+              <a:schemeClr val="accent1"/>
+            </a:effectRef>
+            <a:fontRef idx="minor">
+              <a:schemeClr val="lt1"/>
+            </a:fontRef>
+          </p:style>
+          <p:txBody>
+            <a:bodyPr rtlCol="0" anchor="ctr"/>
+            <a:lstStyle/>
+            <a:p>
+              <a:pPr algn="ctr"/>
+              <a:endParaRPr lang="zh-TW" altLang="en-US">
+                <a:solidFill>
+                  <a:schemeClr val="tx2">
+                    <a:lumMod val="20000"/>
+                    <a:lumOff val="80000"/>
+                  </a:schemeClr>
+                </a:solidFill>
+              </a:endParaRPr>
+            </a:p>
+          </p:txBody>
+        </p:sp>
+        <p:sp>
+          <p:nvSpPr>
+            <p:cNvPr id="24" name="矩形 23"/>
+            <p:cNvSpPr/>
+            <p:nvPr/>
+          </p:nvSpPr>
+          <p:spPr>
+            <a:xfrm>
+              <a:off x="9991120" y="-9480"/>
+              <a:ext cx="630000" cy="15748000"/>
+            </a:xfrm>
+            <a:prstGeom prst="rect">
+              <a:avLst/>
+            </a:prstGeom>
+            <a:grpFill/>
+            <a:ln>
+              <a:noFill/>
+            </a:ln>
+          </p:spPr>
+          <p:style>
+            <a:lnRef idx="2">
+              <a:schemeClr val="accent1">
+                <a:shade val="50000"/>
+              </a:schemeClr>
+            </a:lnRef>
+            <a:fillRef idx="1">
+              <a:schemeClr val="accent1"/>
+            </a:fillRef>
+            <a:effectRef idx="0">
+              <a:schemeClr val="accent1"/>
+            </a:effectRef>
+            <a:fontRef idx="minor">
+              <a:schemeClr val="lt1"/>
+            </a:fontRef>
+          </p:style>
+          <p:txBody>
+            <a:bodyPr rtlCol="0" anchor="ctr"/>
+            <a:lstStyle/>
+            <a:p>
+              <a:pPr algn="ctr"/>
+              <a:endParaRPr lang="zh-TW" altLang="en-US">
+                <a:solidFill>
+                  <a:schemeClr val="tx2">
+                    <a:lumMod val="20000"/>
+                    <a:lumOff val="80000"/>
+                  </a:schemeClr>
+                </a:solidFill>
+              </a:endParaRPr>
+            </a:p>
+          </p:txBody>
+        </p:sp>
+        <p:sp>
+          <p:nvSpPr>
+            <p:cNvPr id="25" name="矩形 24"/>
+            <p:cNvSpPr/>
+            <p:nvPr/>
+          </p:nvSpPr>
+          <p:spPr>
+            <a:xfrm>
+              <a:off x="10957484" y="-9480"/>
+              <a:ext cx="630000" cy="15748000"/>
+            </a:xfrm>
+            <a:prstGeom prst="rect">
+              <a:avLst/>
+            </a:prstGeom>
+            <a:grpFill/>
+            <a:ln>
+              <a:noFill/>
+            </a:ln>
+          </p:spPr>
+          <p:style>
+            <a:lnRef idx="2">
+              <a:schemeClr val="accent1">
+                <a:shade val="50000"/>
+              </a:schemeClr>
+            </a:lnRef>
+            <a:fillRef idx="1">
+              <a:schemeClr val="accent1"/>
+            </a:fillRef>
+            <a:effectRef idx="0">
+              <a:schemeClr val="accent1"/>
+            </a:effectRef>
+            <a:fontRef idx="minor">
+              <a:schemeClr val="lt1"/>
+            </a:fontRef>
+          </p:style>
+          <p:txBody>
+            <a:bodyPr rtlCol="0" anchor="ctr"/>
+            <a:lstStyle/>
+            <a:p>
+              <a:pPr algn="ctr"/>
+              <a:endParaRPr lang="zh-TW" altLang="en-US">
+                <a:solidFill>
+                  <a:schemeClr val="tx2">
+                    <a:lumMod val="20000"/>
+                    <a:lumOff val="80000"/>
+                  </a:schemeClr>
+                </a:solidFill>
+              </a:endParaRPr>
+            </a:p>
+          </p:txBody>
+        </p:sp>
+        <p:sp>
+          <p:nvSpPr>
+            <p:cNvPr id="26" name="矩形 25"/>
+            <p:cNvSpPr/>
+            <p:nvPr/>
+          </p:nvSpPr>
+          <p:spPr>
+            <a:xfrm>
+              <a:off x="4192936" y="-9480"/>
+              <a:ext cx="630000" cy="15748000"/>
+            </a:xfrm>
+            <a:prstGeom prst="rect">
+              <a:avLst/>
+            </a:prstGeom>
+            <a:grpFill/>
+            <a:ln>
+              <a:noFill/>
+            </a:ln>
+          </p:spPr>
+          <p:style>
+            <a:lnRef idx="2">
+              <a:schemeClr val="accent1">
+                <a:shade val="50000"/>
+              </a:schemeClr>
+            </a:lnRef>
+            <a:fillRef idx="1">
+              <a:schemeClr val="accent1"/>
+            </a:fillRef>
+            <a:effectRef idx="0">
+              <a:schemeClr val="accent1"/>
+            </a:effectRef>
+            <a:fontRef idx="minor">
+              <a:schemeClr val="lt1"/>
+            </a:fontRef>
+          </p:style>
+          <p:txBody>
+            <a:bodyPr rtlCol="0" anchor="ctr"/>
+            <a:lstStyle/>
+            <a:p>
+              <a:pPr algn="ctr"/>
+              <a:endParaRPr lang="zh-TW" altLang="en-US">
+                <a:solidFill>
+                  <a:schemeClr val="tx2">
+                    <a:lumMod val="20000"/>
+                    <a:lumOff val="80000"/>
+                  </a:schemeClr>
+                </a:solidFill>
+              </a:endParaRPr>
+            </a:p>
+          </p:txBody>
+        </p:sp>
+        <p:sp>
+          <p:nvSpPr>
+            <p:cNvPr id="27" name="矩形 26"/>
+            <p:cNvSpPr/>
+            <p:nvPr/>
+          </p:nvSpPr>
+          <p:spPr>
+            <a:xfrm>
+              <a:off x="5159300" y="-9480"/>
+              <a:ext cx="630000" cy="15748000"/>
+            </a:xfrm>
+            <a:prstGeom prst="rect">
+              <a:avLst/>
+            </a:prstGeom>
+            <a:grpFill/>
+            <a:ln>
+              <a:noFill/>
+            </a:ln>
+          </p:spPr>
+          <p:style>
+            <a:lnRef idx="2">
+              <a:schemeClr val="accent1">
+                <a:shade val="50000"/>
+              </a:schemeClr>
+            </a:lnRef>
+            <a:fillRef idx="1">
+              <a:schemeClr val="accent1"/>
+            </a:fillRef>
+            <a:effectRef idx="0">
+              <a:schemeClr val="accent1"/>
+            </a:effectRef>
+            <a:fontRef idx="minor">
+              <a:schemeClr val="lt1"/>
+            </a:fontRef>
+          </p:style>
+          <p:txBody>
+            <a:bodyPr rtlCol="0" anchor="ctr"/>
+            <a:lstStyle/>
+            <a:p>
+              <a:pPr algn="ctr"/>
+              <a:endParaRPr lang="zh-TW" altLang="en-US">
+                <a:solidFill>
+                  <a:schemeClr val="tx2">
+                    <a:lumMod val="20000"/>
+                    <a:lumOff val="80000"/>
+                  </a:schemeClr>
+                </a:solidFill>
+              </a:endParaRPr>
+            </a:p>
+          </p:txBody>
+        </p:sp>
+        <p:sp>
+          <p:nvSpPr>
+            <p:cNvPr id="28" name="矩形 27"/>
+            <p:cNvSpPr/>
+            <p:nvPr/>
+          </p:nvSpPr>
+          <p:spPr>
+            <a:xfrm>
+              <a:off x="6125664" y="-9480"/>
+              <a:ext cx="630000" cy="15748000"/>
+            </a:xfrm>
+            <a:prstGeom prst="rect">
+              <a:avLst/>
+            </a:prstGeom>
+            <a:grpFill/>
+            <a:ln>
+              <a:noFill/>
+            </a:ln>
+          </p:spPr>
+          <p:style>
+            <a:lnRef idx="2">
+              <a:schemeClr val="accent1">
+                <a:shade val="50000"/>
+              </a:schemeClr>
+            </a:lnRef>
+            <a:fillRef idx="1">
+              <a:schemeClr val="accent1"/>
+            </a:fillRef>
+            <a:effectRef idx="0">
+              <a:schemeClr val="accent1"/>
+            </a:effectRef>
+            <a:fontRef idx="minor">
+              <a:schemeClr val="lt1"/>
+            </a:fontRef>
+          </p:style>
+          <p:txBody>
+            <a:bodyPr rtlCol="0" anchor="ctr"/>
+            <a:lstStyle/>
+            <a:p>
+              <a:pPr algn="ctr"/>
+              <a:endParaRPr lang="zh-TW" altLang="en-US">
+                <a:solidFill>
+                  <a:schemeClr val="tx2">
+                    <a:lumMod val="20000"/>
+                    <a:lumOff val="80000"/>
+                  </a:schemeClr>
+                </a:solidFill>
+              </a:endParaRPr>
+            </a:p>
+          </p:txBody>
+        </p:sp>
+        <p:sp>
+          <p:nvSpPr>
+            <p:cNvPr id="29" name="矩形 28"/>
+            <p:cNvSpPr/>
+            <p:nvPr/>
+          </p:nvSpPr>
+          <p:spPr>
+            <a:xfrm>
+              <a:off x="7092028" y="-9480"/>
+              <a:ext cx="630000" cy="15748000"/>
+            </a:xfrm>
+            <a:prstGeom prst="rect">
+              <a:avLst/>
+            </a:prstGeom>
+            <a:grpFill/>
+            <a:ln>
+              <a:noFill/>
+            </a:ln>
+          </p:spPr>
+          <p:style>
+            <a:lnRef idx="2">
+              <a:schemeClr val="accent1">
+                <a:shade val="50000"/>
+              </a:schemeClr>
+            </a:lnRef>
+            <a:fillRef idx="1">
+              <a:schemeClr val="accent1"/>
+            </a:fillRef>
+            <a:effectRef idx="0">
+              <a:schemeClr val="accent1"/>
+            </a:effectRef>
+            <a:fontRef idx="minor">
+              <a:schemeClr val="lt1"/>
+            </a:fontRef>
+          </p:style>
+          <p:txBody>
+            <a:bodyPr rtlCol="0" anchor="ctr"/>
+            <a:lstStyle/>
+            <a:p>
+              <a:pPr algn="ctr"/>
+              <a:endParaRPr lang="zh-TW" altLang="en-US">
+                <a:solidFill>
+                  <a:schemeClr val="tx2">
+                    <a:lumMod val="20000"/>
+                    <a:lumOff val="80000"/>
+                  </a:schemeClr>
+                </a:solidFill>
+              </a:endParaRPr>
+            </a:p>
+          </p:txBody>
+        </p:sp>
+      </p:grpSp>
+      <p:grpSp>
+        <p:nvGrpSpPr>
+          <p:cNvPr id="30" name="群組 29"/>
+          <p:cNvGrpSpPr/>
+          <p:nvPr/>
+        </p:nvGrpSpPr>
+        <p:grpSpPr>
+          <a:xfrm>
+            <a:off x="456232" y="17826"/>
+            <a:ext cx="3529092" cy="1321272"/>
+            <a:chOff x="0" y="1321272"/>
+            <a:chExt cx="12195175" cy="4464496"/>
+          </a:xfrm>
+        </p:grpSpPr>
+        <p:sp>
+          <p:nvSpPr>
+            <p:cNvPr id="31" name="矩形 30"/>
+            <p:cNvSpPr/>
+            <p:nvPr/>
+          </p:nvSpPr>
+          <p:spPr>
+            <a:xfrm>
+              <a:off x="0" y="1321272"/>
+              <a:ext cx="12187998" cy="4464496"/>
+            </a:xfrm>
+            <a:prstGeom prst="rect">
+              <a:avLst/>
+            </a:prstGeom>
+            <a:noFill/>
+            <a:ln>
+              <a:solidFill>
+                <a:schemeClr val="tx1"/>
+              </a:solidFill>
+            </a:ln>
+          </p:spPr>
+          <p:style>
+            <a:lnRef idx="2">
+              <a:schemeClr val="accent1">
+                <a:shade val="50000"/>
+              </a:schemeClr>
+            </a:lnRef>
+            <a:fillRef idx="1">
+              <a:schemeClr val="accent1"/>
+            </a:fillRef>
+            <a:effectRef idx="0">
+              <a:schemeClr val="accent1"/>
+            </a:effectRef>
+            <a:fontRef idx="minor">
+              <a:schemeClr val="lt1"/>
+            </a:fontRef>
+          </p:style>
+          <p:txBody>
+            <a:bodyPr rtlCol="0" anchor="ctr"/>
+            <a:lstStyle/>
+            <a:p>
+              <a:pPr algn="ctr"/>
+              <a:endParaRPr lang="zh-TW" altLang="en-US"/>
+            </a:p>
+          </p:txBody>
+        </p:sp>
+        <p:cxnSp>
+          <p:nvCxnSpPr>
+            <p:cNvPr id="32" name="直線接點 31"/>
+            <p:cNvCxnSpPr/>
+            <p:nvPr/>
+          </p:nvCxnSpPr>
+          <p:spPr>
+            <a:xfrm>
+              <a:off x="0" y="1328094"/>
+              <a:ext cx="12187998" cy="4457674"/>
+            </a:xfrm>
+            <a:prstGeom prst="line">
+              <a:avLst/>
+            </a:prstGeom>
+            <a:ln>
+              <a:solidFill>
+                <a:schemeClr val="tx1"/>
+              </a:solidFill>
+            </a:ln>
+          </p:spPr>
+          <p:style>
+            <a:lnRef idx="1">
+              <a:schemeClr val="accent1"/>
+            </a:lnRef>
+            <a:fillRef idx="0">
+              <a:schemeClr val="accent1"/>
+            </a:fillRef>
+            <a:effectRef idx="0">
+              <a:schemeClr val="accent1"/>
+            </a:effectRef>
+            <a:fontRef idx="minor">
+              <a:schemeClr val="tx1"/>
+            </a:fontRef>
+          </p:style>
+        </p:cxnSp>
+        <p:cxnSp>
+          <p:nvCxnSpPr>
+            <p:cNvPr id="33" name="直線接點 32"/>
+            <p:cNvCxnSpPr/>
+            <p:nvPr/>
+          </p:nvCxnSpPr>
+          <p:spPr>
+            <a:xfrm flipH="1">
+              <a:off x="0" y="1321272"/>
+              <a:ext cx="12195175" cy="4464496"/>
+            </a:xfrm>
+            <a:prstGeom prst="line">
+              <a:avLst/>
+            </a:prstGeom>
+            <a:ln>
+              <a:solidFill>
+                <a:schemeClr val="tx1"/>
+              </a:solidFill>
+            </a:ln>
+          </p:spPr>
+          <p:style>
+            <a:lnRef idx="1">
+              <a:schemeClr val="accent1"/>
+            </a:lnRef>
+            <a:fillRef idx="0">
+              <a:schemeClr val="accent1"/>
+            </a:fillRef>
+            <a:effectRef idx="0">
+              <a:schemeClr val="accent1"/>
+            </a:effectRef>
+            <a:fontRef idx="minor">
+              <a:schemeClr val="tx1"/>
+            </a:fontRef>
+          </p:style>
+        </p:cxnSp>
+      </p:grpSp>
+      <p:cxnSp>
+        <p:nvCxnSpPr>
+          <p:cNvPr id="34" name="直線接點 33"/>
+          <p:cNvCxnSpPr/>
+          <p:nvPr/>
+        </p:nvCxnSpPr>
+        <p:spPr>
+          <a:xfrm>
+            <a:off x="-34176" y="1326113"/>
+            <a:ext cx="12195175" cy="0"/>
+          </a:xfrm>
+          <a:prstGeom prst="line">
+            <a:avLst/>
+          </a:prstGeom>
+          <a:ln>
+            <a:solidFill>
+              <a:schemeClr val="tx1"/>
+            </a:solidFill>
+          </a:ln>
+        </p:spPr>
+        <p:style>
+          <a:lnRef idx="1">
+            <a:schemeClr val="accent1"/>
+          </a:lnRef>
+          <a:fillRef idx="0">
+            <a:schemeClr val="accent1"/>
+          </a:fillRef>
+          <a:effectRef idx="0">
+            <a:schemeClr val="accent1"/>
+          </a:effectRef>
+          <a:fontRef idx="minor">
+            <a:schemeClr val="tx1"/>
+          </a:fontRef>
+        </p:style>
+      </p:cxnSp>
+      <p:cxnSp>
+        <p:nvCxnSpPr>
+          <p:cNvPr id="35" name="直線接點 34"/>
+          <p:cNvCxnSpPr/>
+          <p:nvPr/>
+        </p:nvCxnSpPr>
+        <p:spPr>
+          <a:xfrm>
+            <a:off x="-23093" y="7937396"/>
+            <a:ext cx="12195175" cy="0"/>
+          </a:xfrm>
+          <a:prstGeom prst="line">
+            <a:avLst/>
+          </a:prstGeom>
+          <a:ln>
+            <a:solidFill>
+              <a:schemeClr val="tx1"/>
+            </a:solidFill>
+          </a:ln>
+        </p:spPr>
+        <p:style>
+          <a:lnRef idx="1">
+            <a:schemeClr val="accent1"/>
+          </a:lnRef>
+          <a:fillRef idx="0">
+            <a:schemeClr val="accent1"/>
+          </a:fillRef>
+          <a:effectRef idx="0">
+            <a:schemeClr val="accent1"/>
+          </a:effectRef>
+          <a:fontRef idx="minor">
+            <a:schemeClr val="tx1"/>
+          </a:fontRef>
+        </p:style>
+      </p:cxnSp>
+      <p:sp>
+        <p:nvSpPr>
+          <p:cNvPr id="36" name="矩形 35"/>
+          <p:cNvSpPr/>
+          <p:nvPr/>
+        </p:nvSpPr>
+        <p:spPr>
+          <a:xfrm>
+            <a:off x="5277757" y="1903391"/>
+            <a:ext cx="5461820" cy="655570"/>
+          </a:xfrm>
+          <a:prstGeom prst="rect">
+            <a:avLst/>
+          </a:prstGeom>
+          <a:noFill/>
+        </p:spPr>
+        <p:style>
+          <a:lnRef idx="2">
+            <a:schemeClr val="accent1">
+              <a:shade val="50000"/>
+            </a:schemeClr>
+          </a:lnRef>
+          <a:fillRef idx="1">
+            <a:schemeClr val="accent1"/>
+          </a:fillRef>
+          <a:effectRef idx="0">
+            <a:schemeClr val="accent1"/>
+          </a:effectRef>
+          <a:fontRef idx="minor">
+            <a:schemeClr val="lt1"/>
+          </a:fontRef>
+        </p:style>
+        <p:txBody>
+          <a:bodyPr rtlCol="0" anchor="ctr"/>
+          <a:lstStyle/>
+          <a:p>
+            <a:pPr algn="ctr"/>
+            <a:r>
+              <a:rPr lang="zh-TW" altLang="en-US" dirty="0">
+                <a:solidFill>
+                  <a:schemeClr val="tx1"/>
+                </a:solidFill>
+              </a:rPr>
+              <a:t>議題列表</a:t>
+            </a:r>
+          </a:p>
+        </p:txBody>
+      </p:sp>
+      <p:sp>
+        <p:nvSpPr>
+          <p:cNvPr id="37" name="矩形 36"/>
+          <p:cNvSpPr/>
+          <p:nvPr/>
+        </p:nvSpPr>
+        <p:spPr>
+          <a:xfrm>
+            <a:off x="-64825" y="1326113"/>
+            <a:ext cx="2432002" cy="6611283"/>
+          </a:xfrm>
+          <a:prstGeom prst="rect">
+            <a:avLst/>
+          </a:prstGeom>
+          <a:noFill/>
+        </p:spPr>
+        <p:style>
+          <a:lnRef idx="2">
+            <a:schemeClr val="accent1">
+              <a:shade val="50000"/>
+            </a:schemeClr>
+          </a:lnRef>
+          <a:fillRef idx="1">
+            <a:schemeClr val="accent1"/>
+          </a:fillRef>
+          <a:effectRef idx="0">
+            <a:schemeClr val="accent1"/>
+          </a:effectRef>
+          <a:fontRef idx="minor">
+            <a:schemeClr val="lt1"/>
+          </a:fontRef>
+        </p:style>
+        <p:txBody>
+          <a:bodyPr rtlCol="0" anchor="ctr"/>
+          <a:lstStyle/>
+          <a:p>
+            <a:pPr algn="ctr"/>
+            <a:endParaRPr lang="zh-TW" altLang="en-US"/>
+          </a:p>
+        </p:txBody>
+      </p:sp>
+      <p:grpSp>
+        <p:nvGrpSpPr>
+          <p:cNvPr id="38" name="群組 37"/>
+          <p:cNvGrpSpPr/>
+          <p:nvPr/>
+        </p:nvGrpSpPr>
+        <p:grpSpPr>
+          <a:xfrm>
+            <a:off x="-64826" y="1903391"/>
+            <a:ext cx="521366" cy="655571"/>
+            <a:chOff x="0" y="1321272"/>
+            <a:chExt cx="12195175" cy="4464496"/>
+          </a:xfrm>
+        </p:grpSpPr>
+        <p:sp>
+          <p:nvSpPr>
+            <p:cNvPr id="39" name="矩形 38"/>
+            <p:cNvSpPr/>
+            <p:nvPr/>
+          </p:nvSpPr>
+          <p:spPr>
+            <a:xfrm>
+              <a:off x="0" y="1321272"/>
+              <a:ext cx="12187998" cy="4464496"/>
+            </a:xfrm>
+            <a:prstGeom prst="rect">
+              <a:avLst/>
+            </a:prstGeom>
+            <a:noFill/>
+            <a:ln>
+              <a:solidFill>
+                <a:schemeClr val="tx1"/>
+              </a:solidFill>
+            </a:ln>
+          </p:spPr>
+          <p:style>
+            <a:lnRef idx="2">
+              <a:schemeClr val="accent1">
+                <a:shade val="50000"/>
+              </a:schemeClr>
+            </a:lnRef>
+            <a:fillRef idx="1">
+              <a:schemeClr val="accent1"/>
+            </a:fillRef>
+            <a:effectRef idx="0">
+              <a:schemeClr val="accent1"/>
+            </a:effectRef>
+            <a:fontRef idx="minor">
+              <a:schemeClr val="lt1"/>
+            </a:fontRef>
+          </p:style>
+          <p:txBody>
+            <a:bodyPr rtlCol="0" anchor="ctr"/>
+            <a:lstStyle/>
+            <a:p>
+              <a:pPr algn="ctr"/>
+              <a:endParaRPr lang="zh-TW" altLang="en-US"/>
+            </a:p>
+          </p:txBody>
+        </p:sp>
+        <p:cxnSp>
+          <p:nvCxnSpPr>
+            <p:cNvPr id="40" name="直線接點 39"/>
+            <p:cNvCxnSpPr/>
+            <p:nvPr/>
+          </p:nvCxnSpPr>
+          <p:spPr>
+            <a:xfrm>
+              <a:off x="0" y="1328094"/>
+              <a:ext cx="12187998" cy="4457674"/>
+            </a:xfrm>
+            <a:prstGeom prst="line">
+              <a:avLst/>
+            </a:prstGeom>
+            <a:ln>
+              <a:solidFill>
+                <a:schemeClr val="tx1"/>
+              </a:solidFill>
+            </a:ln>
+          </p:spPr>
+          <p:style>
+            <a:lnRef idx="1">
+              <a:schemeClr val="accent1"/>
+            </a:lnRef>
+            <a:fillRef idx="0">
+              <a:schemeClr val="accent1"/>
+            </a:fillRef>
+            <a:effectRef idx="0">
+              <a:schemeClr val="accent1"/>
+            </a:effectRef>
+            <a:fontRef idx="minor">
+              <a:schemeClr val="tx1"/>
+            </a:fontRef>
+          </p:style>
+        </p:cxnSp>
+        <p:cxnSp>
+          <p:nvCxnSpPr>
+            <p:cNvPr id="41" name="直線接點 40"/>
+            <p:cNvCxnSpPr/>
+            <p:nvPr/>
+          </p:nvCxnSpPr>
+          <p:spPr>
+            <a:xfrm flipH="1">
+              <a:off x="0" y="1321272"/>
+              <a:ext cx="12195175" cy="4464496"/>
+            </a:xfrm>
+            <a:prstGeom prst="line">
+              <a:avLst/>
+            </a:prstGeom>
+            <a:ln>
+              <a:solidFill>
+                <a:schemeClr val="tx1"/>
+              </a:solidFill>
+            </a:ln>
+          </p:spPr>
+          <p:style>
+            <a:lnRef idx="1">
+              <a:schemeClr val="accent1"/>
+            </a:lnRef>
+            <a:fillRef idx="0">
+              <a:schemeClr val="accent1"/>
+            </a:fillRef>
+            <a:effectRef idx="0">
+              <a:schemeClr val="accent1"/>
+            </a:effectRef>
+            <a:fontRef idx="minor">
+              <a:schemeClr val="tx1"/>
+            </a:fontRef>
+          </p:style>
+        </p:cxnSp>
+      </p:grpSp>
+      <p:sp>
+        <p:nvSpPr>
+          <p:cNvPr id="42" name="矩形 41"/>
+          <p:cNvSpPr/>
+          <p:nvPr/>
+        </p:nvSpPr>
+        <p:spPr>
+          <a:xfrm>
+            <a:off x="456540" y="1903391"/>
+            <a:ext cx="1910636" cy="655570"/>
+          </a:xfrm>
+          <a:prstGeom prst="rect">
+            <a:avLst/>
+          </a:prstGeom>
+          <a:noFill/>
+        </p:spPr>
+        <p:style>
+          <a:lnRef idx="2">
+            <a:schemeClr val="accent1">
+              <a:shade val="50000"/>
+            </a:schemeClr>
+          </a:lnRef>
+          <a:fillRef idx="1">
+            <a:schemeClr val="accent1"/>
+          </a:fillRef>
+          <a:effectRef idx="0">
+            <a:schemeClr val="accent1"/>
+          </a:effectRef>
+          <a:fontRef idx="minor">
+            <a:schemeClr val="lt1"/>
+          </a:fontRef>
+        </p:style>
+        <p:txBody>
+          <a:bodyPr rtlCol="0" anchor="ctr"/>
+          <a:lstStyle/>
+          <a:p>
+            <a:pPr algn="ctr"/>
+            <a:r>
+              <a:rPr lang="zh-TW" altLang="en-US" dirty="0" smtClean="0">
+                <a:solidFill>
+                  <a:schemeClr val="tx1"/>
+                </a:solidFill>
+              </a:rPr>
+              <a:t>議題搜尋</a:t>
+            </a:r>
+            <a:endParaRPr lang="zh-TW" altLang="en-US" dirty="0">
+              <a:solidFill>
+                <a:schemeClr val="tx1"/>
+              </a:solidFill>
+            </a:endParaRPr>
+          </a:p>
+        </p:txBody>
+      </p:sp>
+      <p:sp>
+        <p:nvSpPr>
+          <p:cNvPr id="43" name="矩形 42"/>
+          <p:cNvSpPr/>
+          <p:nvPr/>
+        </p:nvSpPr>
+        <p:spPr>
+          <a:xfrm>
+            <a:off x="456540" y="3320007"/>
+            <a:ext cx="1910635" cy="655570"/>
+          </a:xfrm>
+          <a:prstGeom prst="rect">
+            <a:avLst/>
+          </a:prstGeom>
+          <a:noFill/>
+        </p:spPr>
+        <p:style>
+          <a:lnRef idx="2">
+            <a:schemeClr val="accent1">
+              <a:shade val="50000"/>
+            </a:schemeClr>
+          </a:lnRef>
+          <a:fillRef idx="1">
+            <a:schemeClr val="accent1"/>
+          </a:fillRef>
+          <a:effectRef idx="0">
+            <a:schemeClr val="accent1"/>
+          </a:effectRef>
+          <a:fontRef idx="minor">
+            <a:schemeClr val="lt1"/>
+          </a:fontRef>
+        </p:style>
+        <p:txBody>
+          <a:bodyPr rtlCol="0" anchor="ctr"/>
+          <a:lstStyle/>
+          <a:p>
+            <a:pPr algn="ctr"/>
+            <a:r>
+              <a:rPr lang="zh-TW" altLang="en-US" dirty="0" smtClean="0">
+                <a:solidFill>
+                  <a:schemeClr val="tx1"/>
+                </a:solidFill>
+              </a:rPr>
+              <a:t>議題列表</a:t>
+            </a:r>
+            <a:endParaRPr lang="zh-TW" altLang="en-US" dirty="0">
+              <a:solidFill>
+                <a:schemeClr val="tx1"/>
+              </a:solidFill>
+            </a:endParaRPr>
+          </a:p>
+        </p:txBody>
+      </p:sp>
+      <p:sp>
+        <p:nvSpPr>
+          <p:cNvPr id="44" name="矩形 43"/>
+          <p:cNvSpPr/>
+          <p:nvPr/>
+        </p:nvSpPr>
+        <p:spPr>
+          <a:xfrm>
+            <a:off x="456540" y="4920392"/>
+            <a:ext cx="1910635" cy="655570"/>
+          </a:xfrm>
+          <a:prstGeom prst="rect">
+            <a:avLst/>
+          </a:prstGeom>
+          <a:noFill/>
+        </p:spPr>
+        <p:style>
+          <a:lnRef idx="2">
+            <a:schemeClr val="accent1">
+              <a:shade val="50000"/>
+            </a:schemeClr>
+          </a:lnRef>
+          <a:fillRef idx="1">
+            <a:schemeClr val="accent1"/>
+          </a:fillRef>
+          <a:effectRef idx="0">
+            <a:schemeClr val="accent1"/>
+          </a:effectRef>
+          <a:fontRef idx="minor">
+            <a:schemeClr val="lt1"/>
+          </a:fontRef>
+        </p:style>
+        <p:txBody>
+          <a:bodyPr rtlCol="0" anchor="ctr"/>
+          <a:lstStyle/>
+          <a:p>
+            <a:pPr algn="ctr"/>
+            <a:r>
+              <a:rPr lang="zh-TW" altLang="en-US" dirty="0" smtClean="0">
+                <a:solidFill>
+                  <a:schemeClr val="tx1"/>
+                </a:solidFill>
+              </a:rPr>
+              <a:t>議題建立</a:t>
+            </a:r>
+            <a:endParaRPr lang="zh-TW" altLang="en-US" dirty="0">
+              <a:solidFill>
+                <a:schemeClr val="tx1"/>
+              </a:solidFill>
+            </a:endParaRPr>
+          </a:p>
+        </p:txBody>
+      </p:sp>
+      <p:grpSp>
+        <p:nvGrpSpPr>
+          <p:cNvPr id="45" name="群組 44"/>
+          <p:cNvGrpSpPr/>
+          <p:nvPr/>
+        </p:nvGrpSpPr>
+        <p:grpSpPr>
+          <a:xfrm>
+            <a:off x="-64826" y="3320008"/>
+            <a:ext cx="521365" cy="655569"/>
+            <a:chOff x="0" y="1321272"/>
+            <a:chExt cx="12195175" cy="4464496"/>
+          </a:xfrm>
+        </p:grpSpPr>
+        <p:sp>
+          <p:nvSpPr>
+            <p:cNvPr id="46" name="矩形 45"/>
+            <p:cNvSpPr/>
+            <p:nvPr/>
+          </p:nvSpPr>
+          <p:spPr>
+            <a:xfrm>
+              <a:off x="0" y="1321272"/>
+              <a:ext cx="12187998" cy="4464496"/>
+            </a:xfrm>
+            <a:prstGeom prst="rect">
+              <a:avLst/>
+            </a:prstGeom>
+            <a:noFill/>
+            <a:ln>
+              <a:solidFill>
+                <a:schemeClr val="tx1"/>
+              </a:solidFill>
+            </a:ln>
+          </p:spPr>
+          <p:style>
+            <a:lnRef idx="2">
+              <a:schemeClr val="accent1">
+                <a:shade val="50000"/>
+              </a:schemeClr>
+            </a:lnRef>
+            <a:fillRef idx="1">
+              <a:schemeClr val="accent1"/>
+            </a:fillRef>
+            <a:effectRef idx="0">
+              <a:schemeClr val="accent1"/>
+            </a:effectRef>
+            <a:fontRef idx="minor">
+              <a:schemeClr val="lt1"/>
+            </a:fontRef>
+          </p:style>
+          <p:txBody>
+            <a:bodyPr rtlCol="0" anchor="ctr"/>
+            <a:lstStyle/>
+            <a:p>
+              <a:pPr algn="ctr"/>
+              <a:endParaRPr lang="zh-TW" altLang="en-US"/>
+            </a:p>
+          </p:txBody>
+        </p:sp>
+        <p:cxnSp>
+          <p:nvCxnSpPr>
+            <p:cNvPr id="47" name="直線接點 46"/>
+            <p:cNvCxnSpPr/>
+            <p:nvPr/>
+          </p:nvCxnSpPr>
+          <p:spPr>
+            <a:xfrm>
+              <a:off x="0" y="1328094"/>
+              <a:ext cx="12187998" cy="4457674"/>
+            </a:xfrm>
+            <a:prstGeom prst="line">
+              <a:avLst/>
+            </a:prstGeom>
+            <a:ln>
+              <a:solidFill>
+                <a:schemeClr val="tx1"/>
+              </a:solidFill>
+            </a:ln>
+          </p:spPr>
+          <p:style>
+            <a:lnRef idx="1">
+              <a:schemeClr val="accent1"/>
+            </a:lnRef>
+            <a:fillRef idx="0">
+              <a:schemeClr val="accent1"/>
+            </a:fillRef>
+            <a:effectRef idx="0">
+              <a:schemeClr val="accent1"/>
+            </a:effectRef>
+            <a:fontRef idx="minor">
+              <a:schemeClr val="tx1"/>
+            </a:fontRef>
+          </p:style>
+        </p:cxnSp>
+        <p:cxnSp>
+          <p:nvCxnSpPr>
+            <p:cNvPr id="48" name="直線接點 47"/>
+            <p:cNvCxnSpPr/>
+            <p:nvPr/>
+          </p:nvCxnSpPr>
+          <p:spPr>
+            <a:xfrm flipH="1">
+              <a:off x="0" y="1321272"/>
+              <a:ext cx="12195175" cy="4464496"/>
+            </a:xfrm>
+            <a:prstGeom prst="line">
+              <a:avLst/>
+            </a:prstGeom>
+            <a:ln>
+              <a:solidFill>
+                <a:schemeClr val="tx1"/>
+              </a:solidFill>
+            </a:ln>
+          </p:spPr>
+          <p:style>
+            <a:lnRef idx="1">
+              <a:schemeClr val="accent1"/>
+            </a:lnRef>
+            <a:fillRef idx="0">
+              <a:schemeClr val="accent1"/>
+            </a:fillRef>
+            <a:effectRef idx="0">
+              <a:schemeClr val="accent1"/>
+            </a:effectRef>
+            <a:fontRef idx="minor">
+              <a:schemeClr val="tx1"/>
+            </a:fontRef>
+          </p:style>
+        </p:cxnSp>
+      </p:grpSp>
+      <p:grpSp>
+        <p:nvGrpSpPr>
+          <p:cNvPr id="49" name="群組 48"/>
+          <p:cNvGrpSpPr/>
+          <p:nvPr/>
+        </p:nvGrpSpPr>
+        <p:grpSpPr>
+          <a:xfrm>
+            <a:off x="-64825" y="4914174"/>
+            <a:ext cx="521366" cy="661788"/>
+            <a:chOff x="0" y="1321272"/>
+            <a:chExt cx="12195175" cy="4464496"/>
+          </a:xfrm>
+        </p:grpSpPr>
+        <p:sp>
+          <p:nvSpPr>
+            <p:cNvPr id="50" name="矩形 49"/>
+            <p:cNvSpPr/>
+            <p:nvPr/>
+          </p:nvSpPr>
+          <p:spPr>
+            <a:xfrm>
+              <a:off x="0" y="1321272"/>
+              <a:ext cx="12187998" cy="4464496"/>
+            </a:xfrm>
+            <a:prstGeom prst="rect">
+              <a:avLst/>
+            </a:prstGeom>
+            <a:noFill/>
+            <a:ln>
+              <a:solidFill>
+                <a:schemeClr val="tx1"/>
+              </a:solidFill>
+            </a:ln>
+          </p:spPr>
+          <p:style>
+            <a:lnRef idx="2">
+              <a:schemeClr val="accent1">
+                <a:shade val="50000"/>
+              </a:schemeClr>
+            </a:lnRef>
+            <a:fillRef idx="1">
+              <a:schemeClr val="accent1"/>
+            </a:fillRef>
+            <a:effectRef idx="0">
+              <a:schemeClr val="accent1"/>
+            </a:effectRef>
+            <a:fontRef idx="minor">
+              <a:schemeClr val="lt1"/>
+            </a:fontRef>
+          </p:style>
+          <p:txBody>
+            <a:bodyPr rtlCol="0" anchor="ctr"/>
+            <a:lstStyle/>
+            <a:p>
+              <a:pPr algn="ctr"/>
+              <a:endParaRPr lang="zh-TW" altLang="en-US"/>
+            </a:p>
+          </p:txBody>
+        </p:sp>
+        <p:cxnSp>
+          <p:nvCxnSpPr>
+            <p:cNvPr id="51" name="直線接點 50"/>
+            <p:cNvCxnSpPr/>
+            <p:nvPr/>
+          </p:nvCxnSpPr>
+          <p:spPr>
+            <a:xfrm>
+              <a:off x="0" y="1328094"/>
+              <a:ext cx="12187998" cy="4457674"/>
+            </a:xfrm>
+            <a:prstGeom prst="line">
+              <a:avLst/>
+            </a:prstGeom>
+            <a:ln>
+              <a:solidFill>
+                <a:schemeClr val="tx1"/>
+              </a:solidFill>
+            </a:ln>
+          </p:spPr>
+          <p:style>
+            <a:lnRef idx="1">
+              <a:schemeClr val="accent1"/>
+            </a:lnRef>
+            <a:fillRef idx="0">
+              <a:schemeClr val="accent1"/>
+            </a:fillRef>
+            <a:effectRef idx="0">
+              <a:schemeClr val="accent1"/>
+            </a:effectRef>
+            <a:fontRef idx="minor">
+              <a:schemeClr val="tx1"/>
+            </a:fontRef>
+          </p:style>
+        </p:cxnSp>
+        <p:cxnSp>
+          <p:nvCxnSpPr>
+            <p:cNvPr id="52" name="直線接點 51"/>
+            <p:cNvCxnSpPr/>
+            <p:nvPr/>
+          </p:nvCxnSpPr>
+          <p:spPr>
+            <a:xfrm flipH="1">
+              <a:off x="0" y="1321272"/>
+              <a:ext cx="12195175" cy="4464496"/>
+            </a:xfrm>
+            <a:prstGeom prst="line">
+              <a:avLst/>
+            </a:prstGeom>
+            <a:ln>
+              <a:solidFill>
+                <a:schemeClr val="tx1"/>
+              </a:solidFill>
+            </a:ln>
+          </p:spPr>
+          <p:style>
+            <a:lnRef idx="1">
+              <a:schemeClr val="accent1"/>
+            </a:lnRef>
+            <a:fillRef idx="0">
+              <a:schemeClr val="accent1"/>
+            </a:fillRef>
+            <a:effectRef idx="0">
+              <a:schemeClr val="accent1"/>
+            </a:effectRef>
+            <a:fontRef idx="minor">
+              <a:schemeClr val="tx1"/>
+            </a:fontRef>
+          </p:style>
+        </p:cxnSp>
+      </p:grpSp>
+      <p:sp>
+        <p:nvSpPr>
+          <p:cNvPr id="53" name="矩形 52"/>
+          <p:cNvSpPr/>
+          <p:nvPr/>
+        </p:nvSpPr>
+        <p:spPr>
+          <a:xfrm>
+            <a:off x="4311393" y="3136239"/>
+            <a:ext cx="7394548" cy="1023107"/>
+          </a:xfrm>
+          <a:prstGeom prst="rect">
+            <a:avLst/>
+          </a:prstGeom>
+          <a:noFill/>
+        </p:spPr>
+        <p:style>
+          <a:lnRef idx="2">
+            <a:schemeClr val="accent1">
+              <a:shade val="50000"/>
+            </a:schemeClr>
+          </a:lnRef>
+          <a:fillRef idx="1">
+            <a:schemeClr val="accent1"/>
+          </a:fillRef>
+          <a:effectRef idx="0">
+            <a:schemeClr val="accent1"/>
+          </a:effectRef>
+          <a:fontRef idx="minor">
+            <a:schemeClr val="lt1"/>
+          </a:fontRef>
+        </p:style>
+        <p:txBody>
+          <a:bodyPr rtlCol="0" anchor="ctr"/>
+          <a:lstStyle/>
+          <a:p>
+            <a:r>
+              <a:rPr lang="en-US" altLang="zh-TW" dirty="0" smtClean="0">
+                <a:solidFill>
+                  <a:schemeClr val="tx1"/>
+                </a:solidFill>
+              </a:rPr>
+              <a:t>1.</a:t>
+            </a:r>
+            <a:endParaRPr lang="zh-TW" altLang="en-US" dirty="0">
+              <a:solidFill>
+                <a:schemeClr val="tx1"/>
+              </a:solidFill>
+            </a:endParaRPr>
+          </a:p>
+        </p:txBody>
+      </p:sp>
+      <p:sp>
+        <p:nvSpPr>
+          <p:cNvPr id="54" name="矩形 53"/>
+          <p:cNvSpPr/>
+          <p:nvPr/>
+        </p:nvSpPr>
+        <p:spPr>
+          <a:xfrm>
+            <a:off x="4321470" y="4736624"/>
+            <a:ext cx="7387830" cy="1023107"/>
+          </a:xfrm>
+          <a:prstGeom prst="rect">
+            <a:avLst/>
+          </a:prstGeom>
+          <a:noFill/>
+        </p:spPr>
+        <p:style>
+          <a:lnRef idx="2">
+            <a:schemeClr val="accent1">
+              <a:shade val="50000"/>
+            </a:schemeClr>
+          </a:lnRef>
+          <a:fillRef idx="1">
+            <a:schemeClr val="accent1"/>
+          </a:fillRef>
+          <a:effectRef idx="0">
+            <a:schemeClr val="accent1"/>
+          </a:effectRef>
+          <a:fontRef idx="minor">
+            <a:schemeClr val="lt1"/>
+          </a:fontRef>
+        </p:style>
+        <p:txBody>
+          <a:bodyPr rtlCol="0" anchor="ctr"/>
+          <a:lstStyle/>
+          <a:p>
+            <a:r>
+              <a:rPr lang="en-US" altLang="zh-TW" dirty="0">
+                <a:solidFill>
+                  <a:schemeClr val="tx1"/>
+                </a:solidFill>
+              </a:rPr>
+              <a:t>2</a:t>
+            </a:r>
+            <a:r>
+              <a:rPr lang="en-US" altLang="zh-TW" dirty="0" smtClean="0">
+                <a:solidFill>
+                  <a:schemeClr val="tx1"/>
+                </a:solidFill>
+              </a:rPr>
+              <a:t>.</a:t>
+            </a:r>
+            <a:endParaRPr lang="zh-TW" altLang="en-US" dirty="0">
+              <a:solidFill>
+                <a:schemeClr val="tx1"/>
+              </a:solidFill>
+            </a:endParaRPr>
+          </a:p>
+        </p:txBody>
+      </p:sp>
+      <p:sp>
+        <p:nvSpPr>
+          <p:cNvPr id="55" name="矩形 54"/>
+          <p:cNvSpPr/>
+          <p:nvPr/>
+        </p:nvSpPr>
+        <p:spPr>
+          <a:xfrm>
+            <a:off x="4297387" y="6337009"/>
+            <a:ext cx="7387830" cy="1023107"/>
+          </a:xfrm>
+          <a:prstGeom prst="rect">
+            <a:avLst/>
+          </a:prstGeom>
+          <a:noFill/>
+        </p:spPr>
+        <p:style>
+          <a:lnRef idx="2">
+            <a:schemeClr val="accent1">
+              <a:shade val="50000"/>
+            </a:schemeClr>
+          </a:lnRef>
+          <a:fillRef idx="1">
+            <a:schemeClr val="accent1"/>
+          </a:fillRef>
+          <a:effectRef idx="0">
+            <a:schemeClr val="accent1"/>
+          </a:effectRef>
+          <a:fontRef idx="minor">
+            <a:schemeClr val="lt1"/>
+          </a:fontRef>
+        </p:style>
+        <p:txBody>
+          <a:bodyPr rtlCol="0" anchor="ctr"/>
+          <a:lstStyle/>
+          <a:p>
+            <a:r>
+              <a:rPr lang="en-US" altLang="zh-TW" dirty="0" smtClean="0">
+                <a:solidFill>
+                  <a:schemeClr val="tx1"/>
+                </a:solidFill>
+              </a:rPr>
+              <a:t>3.</a:t>
+            </a:r>
+            <a:endParaRPr lang="zh-TW" altLang="en-US" dirty="0">
+              <a:solidFill>
+                <a:schemeClr val="tx1"/>
+              </a:solidFill>
+            </a:endParaRPr>
+          </a:p>
+        </p:txBody>
+      </p:sp>
+      <p:sp>
+        <p:nvSpPr>
+          <p:cNvPr id="59" name="矩形 58"/>
+          <p:cNvSpPr/>
+          <p:nvPr/>
+        </p:nvSpPr>
+        <p:spPr>
+          <a:xfrm>
+            <a:off x="10098089" y="358867"/>
+            <a:ext cx="1574274" cy="598066"/>
+          </a:xfrm>
+          <a:prstGeom prst="rect">
+            <a:avLst/>
+          </a:prstGeom>
+          <a:noFill/>
+        </p:spPr>
+        <p:style>
+          <a:lnRef idx="2">
+            <a:schemeClr val="accent1">
+              <a:shade val="50000"/>
+            </a:schemeClr>
+          </a:lnRef>
+          <a:fillRef idx="1">
+            <a:schemeClr val="accent1"/>
+          </a:fillRef>
+          <a:effectRef idx="0">
+            <a:schemeClr val="accent1"/>
+          </a:effectRef>
+          <a:fontRef idx="minor">
+            <a:schemeClr val="lt1"/>
+          </a:fontRef>
+        </p:style>
+        <p:txBody>
+          <a:bodyPr rtlCol="0" anchor="ctr"/>
+          <a:lstStyle/>
+          <a:p>
+            <a:pPr algn="ctr"/>
+            <a:r>
+              <a:rPr lang="en-US" altLang="zh-TW" dirty="0" smtClean="0">
+                <a:solidFill>
+                  <a:schemeClr val="tx1"/>
+                </a:solidFill>
+              </a:rPr>
+              <a:t>HI!XXX</a:t>
+            </a:r>
+            <a:endParaRPr lang="zh-TW" altLang="en-US" dirty="0">
+              <a:solidFill>
+                <a:schemeClr val="tx1"/>
+              </a:solidFill>
+            </a:endParaRPr>
+          </a:p>
+        </p:txBody>
+      </p:sp>
+      <p:sp>
+        <p:nvSpPr>
+          <p:cNvPr id="56" name="文字方塊 55"/>
+          <p:cNvSpPr txBox="1"/>
+          <p:nvPr/>
+        </p:nvSpPr>
+        <p:spPr>
+          <a:xfrm>
+            <a:off x="12866339" y="5569744"/>
+            <a:ext cx="3960440" cy="1046440"/>
+          </a:xfrm>
+          <a:prstGeom prst="rect">
+            <a:avLst/>
+          </a:prstGeom>
+          <a:noFill/>
+        </p:spPr>
+        <p:txBody>
+          <a:bodyPr wrap="square" rtlCol="0">
+            <a:spAutoFit/>
+          </a:bodyPr>
+          <a:lstStyle/>
+          <a:p>
+            <a:r>
+              <a:rPr lang="zh-TW" altLang="en-US" dirty="0" smtClean="0"/>
+              <a:t>把它切成一辦，最新根最熱門</a:t>
+            </a:r>
+            <a:endParaRPr lang="zh-TW" altLang="en-US" dirty="0"/>
+          </a:p>
+        </p:txBody>
+      </p:sp>
+    </p:spTree>
+    <p:extLst>
+      <p:ext uri="{BB962C8B-B14F-4D97-AF65-F5344CB8AC3E}">
+        <p14:creationId xmlns:p14="http://schemas.microsoft.com/office/powerpoint/2010/main" val="206578510"/>
+      </p:ext>
+    </p:extLst>
+  </p:cSld>
+  <p:clrMapOvr>
+    <a:masterClrMapping/>
+  </p:clrMapOvr>
+</p:sld>
+</file>
+
+<file path=ppt/slides/slide4.xml><?xml version="1.0" encoding="utf-8"?>
+<p:sld xmlns:a="http://schemas.openxmlformats.org/drawingml/2006/main" xmlns:r="http://schemas.openxmlformats.org/officeDocument/2006/relationships" xmlns:p="http://schemas.openxmlformats.org/presentationml/2006/main">
+  <p:cSld>
+    <p:spTree>
+      <p:nvGrpSpPr>
+        <p:cNvPr id="1" name=""/>
+        <p:cNvGrpSpPr/>
+        <p:nvPr/>
+      </p:nvGrpSpPr>
+      <p:grpSpPr>
+        <a:xfrm>
+          <a:off x="0" y="0"/>
+          <a:ext cx="0" cy="0"/>
+          <a:chOff x="0" y="0"/>
+          <a:chExt cx="0" cy="0"/>
+        </a:xfrm>
+      </p:grpSpPr>
+      <p:grpSp>
+        <p:nvGrpSpPr>
+          <p:cNvPr id="17" name="群組 16"/>
+          <p:cNvGrpSpPr/>
+          <p:nvPr/>
+        </p:nvGrpSpPr>
+        <p:grpSpPr>
+          <a:xfrm>
+            <a:off x="456540" y="0"/>
+            <a:ext cx="11237913" cy="15764664"/>
+            <a:chOff x="349571" y="-9480"/>
+            <a:chExt cx="11237913" cy="15764664"/>
+          </a:xfrm>
+          <a:solidFill>
+            <a:schemeClr val="bg2"/>
+          </a:solidFill>
+        </p:grpSpPr>
+        <p:sp>
+          <p:nvSpPr>
+            <p:cNvPr id="18" name="矩形 17"/>
+            <p:cNvSpPr/>
+            <p:nvPr/>
+          </p:nvSpPr>
+          <p:spPr>
+            <a:xfrm>
+              <a:off x="349571" y="0"/>
+              <a:ext cx="630000" cy="15748000"/>
+            </a:xfrm>
+            <a:prstGeom prst="rect">
+              <a:avLst/>
+            </a:prstGeom>
+            <a:grpFill/>
+            <a:ln>
+              <a:noFill/>
+            </a:ln>
+          </p:spPr>
+          <p:style>
+            <a:lnRef idx="2">
+              <a:schemeClr val="accent1">
+                <a:shade val="50000"/>
+              </a:schemeClr>
+            </a:lnRef>
+            <a:fillRef idx="1">
+              <a:schemeClr val="accent1"/>
+            </a:fillRef>
+            <a:effectRef idx="0">
+              <a:schemeClr val="accent1"/>
+            </a:effectRef>
+            <a:fontRef idx="minor">
+              <a:schemeClr val="lt1"/>
+            </a:fontRef>
+          </p:style>
+          <p:txBody>
+            <a:bodyPr rtlCol="0" anchor="ctr"/>
+            <a:lstStyle/>
+            <a:p>
+              <a:pPr algn="ctr"/>
+              <a:endParaRPr lang="zh-TW" altLang="en-US">
+                <a:solidFill>
+                  <a:schemeClr val="tx2">
+                    <a:lumMod val="20000"/>
+                    <a:lumOff val="80000"/>
+                  </a:schemeClr>
+                </a:solidFill>
+              </a:endParaRPr>
+            </a:p>
+          </p:txBody>
+        </p:sp>
+        <p:sp>
+          <p:nvSpPr>
+            <p:cNvPr id="19" name="矩形 18"/>
+            <p:cNvSpPr/>
+            <p:nvPr/>
+          </p:nvSpPr>
+          <p:spPr>
+            <a:xfrm>
+              <a:off x="1293844" y="0"/>
+              <a:ext cx="630000" cy="15748000"/>
+            </a:xfrm>
+            <a:prstGeom prst="rect">
+              <a:avLst/>
+            </a:prstGeom>
+            <a:grpFill/>
+            <a:ln>
+              <a:noFill/>
+            </a:ln>
+          </p:spPr>
+          <p:style>
+            <a:lnRef idx="2">
+              <a:schemeClr val="accent1">
+                <a:shade val="50000"/>
+              </a:schemeClr>
+            </a:lnRef>
+            <a:fillRef idx="1">
+              <a:schemeClr val="accent1"/>
+            </a:fillRef>
+            <a:effectRef idx="0">
+              <a:schemeClr val="accent1"/>
+            </a:effectRef>
+            <a:fontRef idx="minor">
+              <a:schemeClr val="lt1"/>
+            </a:fontRef>
+          </p:style>
+          <p:txBody>
+            <a:bodyPr rtlCol="0" anchor="ctr"/>
+            <a:lstStyle/>
+            <a:p>
+              <a:pPr algn="ctr"/>
+              <a:endParaRPr lang="zh-TW" altLang="en-US">
+                <a:solidFill>
+                  <a:schemeClr val="tx2">
+                    <a:lumMod val="20000"/>
+                    <a:lumOff val="80000"/>
+                  </a:schemeClr>
+                </a:solidFill>
+              </a:endParaRPr>
+            </a:p>
+          </p:txBody>
+        </p:sp>
+        <p:sp>
+          <p:nvSpPr>
+            <p:cNvPr id="20" name="矩形 19"/>
+            <p:cNvSpPr/>
+            <p:nvPr/>
+          </p:nvSpPr>
+          <p:spPr>
+            <a:xfrm>
+              <a:off x="2260208" y="-9480"/>
+              <a:ext cx="630000" cy="15748000"/>
+            </a:xfrm>
+            <a:prstGeom prst="rect">
+              <a:avLst/>
+            </a:prstGeom>
+            <a:grpFill/>
+            <a:ln>
+              <a:noFill/>
+            </a:ln>
+          </p:spPr>
+          <p:style>
+            <a:lnRef idx="2">
+              <a:schemeClr val="accent1">
+                <a:shade val="50000"/>
+              </a:schemeClr>
+            </a:lnRef>
+            <a:fillRef idx="1">
+              <a:schemeClr val="accent1"/>
+            </a:fillRef>
+            <a:effectRef idx="0">
+              <a:schemeClr val="accent1"/>
+            </a:effectRef>
+            <a:fontRef idx="minor">
+              <a:schemeClr val="lt1"/>
+            </a:fontRef>
+          </p:style>
+          <p:txBody>
+            <a:bodyPr rtlCol="0" anchor="ctr"/>
+            <a:lstStyle/>
+            <a:p>
+              <a:pPr algn="ctr"/>
+              <a:endParaRPr lang="zh-TW" altLang="en-US">
+                <a:solidFill>
+                  <a:schemeClr val="tx2">
+                    <a:lumMod val="20000"/>
+                    <a:lumOff val="80000"/>
+                  </a:schemeClr>
+                </a:solidFill>
+              </a:endParaRPr>
+            </a:p>
+          </p:txBody>
+        </p:sp>
+        <p:sp>
+          <p:nvSpPr>
+            <p:cNvPr id="21" name="矩形 20"/>
+            <p:cNvSpPr/>
+            <p:nvPr/>
+          </p:nvSpPr>
+          <p:spPr>
+            <a:xfrm>
+              <a:off x="3226572" y="7184"/>
+              <a:ext cx="630000" cy="15748000"/>
+            </a:xfrm>
+            <a:prstGeom prst="rect">
+              <a:avLst/>
+            </a:prstGeom>
+            <a:grpFill/>
+            <a:ln>
+              <a:noFill/>
+            </a:ln>
+          </p:spPr>
+          <p:style>
+            <a:lnRef idx="2">
+              <a:schemeClr val="accent1">
+                <a:shade val="50000"/>
+              </a:schemeClr>
+            </a:lnRef>
+            <a:fillRef idx="1">
+              <a:schemeClr val="accent1"/>
+            </a:fillRef>
+            <a:effectRef idx="0">
+              <a:schemeClr val="accent1"/>
+            </a:effectRef>
+            <a:fontRef idx="minor">
+              <a:schemeClr val="lt1"/>
+            </a:fontRef>
+          </p:style>
+          <p:txBody>
+            <a:bodyPr rtlCol="0" anchor="ctr"/>
+            <a:lstStyle/>
+            <a:p>
+              <a:pPr algn="ctr"/>
+              <a:endParaRPr lang="zh-TW" altLang="en-US">
+                <a:solidFill>
+                  <a:schemeClr val="tx2">
+                    <a:lumMod val="20000"/>
+                    <a:lumOff val="80000"/>
+                  </a:schemeClr>
+                </a:solidFill>
+              </a:endParaRPr>
+            </a:p>
+          </p:txBody>
+        </p:sp>
+        <p:sp>
+          <p:nvSpPr>
+            <p:cNvPr id="22" name="矩形 21"/>
+            <p:cNvSpPr/>
+            <p:nvPr/>
+          </p:nvSpPr>
+          <p:spPr>
+            <a:xfrm>
+              <a:off x="8058392" y="-9480"/>
+              <a:ext cx="630000" cy="15748000"/>
+            </a:xfrm>
+            <a:prstGeom prst="rect">
+              <a:avLst/>
+            </a:prstGeom>
+            <a:grpFill/>
+            <a:ln>
+              <a:noFill/>
+            </a:ln>
+          </p:spPr>
+          <p:style>
+            <a:lnRef idx="2">
+              <a:schemeClr val="accent1">
+                <a:shade val="50000"/>
+              </a:schemeClr>
+            </a:lnRef>
+            <a:fillRef idx="1">
+              <a:schemeClr val="accent1"/>
+            </a:fillRef>
+            <a:effectRef idx="0">
+              <a:schemeClr val="accent1"/>
+            </a:effectRef>
+            <a:fontRef idx="minor">
+              <a:schemeClr val="lt1"/>
+            </a:fontRef>
+          </p:style>
+          <p:txBody>
+            <a:bodyPr rtlCol="0" anchor="ctr"/>
+            <a:lstStyle/>
+            <a:p>
+              <a:pPr algn="ctr"/>
+              <a:endParaRPr lang="zh-TW" altLang="en-US">
+                <a:solidFill>
+                  <a:schemeClr val="tx2">
+                    <a:lumMod val="20000"/>
+                    <a:lumOff val="80000"/>
+                  </a:schemeClr>
+                </a:solidFill>
+              </a:endParaRPr>
+            </a:p>
+          </p:txBody>
+        </p:sp>
+        <p:sp>
+          <p:nvSpPr>
+            <p:cNvPr id="23" name="矩形 22"/>
+            <p:cNvSpPr/>
+            <p:nvPr/>
+          </p:nvSpPr>
+          <p:spPr>
+            <a:xfrm>
+              <a:off x="9024756" y="-9480"/>
+              <a:ext cx="630000" cy="15748000"/>
+            </a:xfrm>
+            <a:prstGeom prst="rect">
+              <a:avLst/>
+            </a:prstGeom>
+            <a:grpFill/>
+            <a:ln>
+              <a:noFill/>
+            </a:ln>
+          </p:spPr>
+          <p:style>
+            <a:lnRef idx="2">
+              <a:schemeClr val="accent1">
+                <a:shade val="50000"/>
+              </a:schemeClr>
+            </a:lnRef>
+            <a:fillRef idx="1">
+              <a:schemeClr val="accent1"/>
+            </a:fillRef>
+            <a:effectRef idx="0">
+              <a:schemeClr val="accent1"/>
+            </a:effectRef>
+            <a:fontRef idx="minor">
+              <a:schemeClr val="lt1"/>
+            </a:fontRef>
+          </p:style>
+          <p:txBody>
+            <a:bodyPr rtlCol="0" anchor="ctr"/>
+            <a:lstStyle/>
+            <a:p>
+              <a:pPr algn="ctr"/>
+              <a:endParaRPr lang="zh-TW" altLang="en-US">
+                <a:solidFill>
+                  <a:schemeClr val="tx2">
+                    <a:lumMod val="20000"/>
+                    <a:lumOff val="80000"/>
+                  </a:schemeClr>
+                </a:solidFill>
+              </a:endParaRPr>
+            </a:p>
+          </p:txBody>
+        </p:sp>
+        <p:sp>
+          <p:nvSpPr>
+            <p:cNvPr id="24" name="矩形 23"/>
+            <p:cNvSpPr/>
+            <p:nvPr/>
+          </p:nvSpPr>
+          <p:spPr>
+            <a:xfrm>
+              <a:off x="9991120" y="-9480"/>
+              <a:ext cx="630000" cy="15748000"/>
+            </a:xfrm>
+            <a:prstGeom prst="rect">
+              <a:avLst/>
+            </a:prstGeom>
+            <a:grpFill/>
+            <a:ln>
+              <a:noFill/>
+            </a:ln>
+          </p:spPr>
+          <p:style>
+            <a:lnRef idx="2">
+              <a:schemeClr val="accent1">
+                <a:shade val="50000"/>
+              </a:schemeClr>
+            </a:lnRef>
+            <a:fillRef idx="1">
+              <a:schemeClr val="accent1"/>
+            </a:fillRef>
+            <a:effectRef idx="0">
+              <a:schemeClr val="accent1"/>
+            </a:effectRef>
+            <a:fontRef idx="minor">
+              <a:schemeClr val="lt1"/>
+            </a:fontRef>
+          </p:style>
+          <p:txBody>
+            <a:bodyPr rtlCol="0" anchor="ctr"/>
+            <a:lstStyle/>
+            <a:p>
+              <a:pPr algn="ctr"/>
+              <a:endParaRPr lang="zh-TW" altLang="en-US">
+                <a:solidFill>
+                  <a:schemeClr val="tx2">
+                    <a:lumMod val="20000"/>
+                    <a:lumOff val="80000"/>
+                  </a:schemeClr>
+                </a:solidFill>
+              </a:endParaRPr>
+            </a:p>
+          </p:txBody>
+        </p:sp>
+        <p:sp>
+          <p:nvSpPr>
+            <p:cNvPr id="25" name="矩形 24"/>
+            <p:cNvSpPr/>
+            <p:nvPr/>
+          </p:nvSpPr>
+          <p:spPr>
+            <a:xfrm>
+              <a:off x="10957484" y="-9480"/>
+              <a:ext cx="630000" cy="15748000"/>
+            </a:xfrm>
+            <a:prstGeom prst="rect">
+              <a:avLst/>
+            </a:prstGeom>
+            <a:grpFill/>
+            <a:ln>
+              <a:noFill/>
+            </a:ln>
+          </p:spPr>
+          <p:style>
+            <a:lnRef idx="2">
+              <a:schemeClr val="accent1">
+                <a:shade val="50000"/>
+              </a:schemeClr>
+            </a:lnRef>
+            <a:fillRef idx="1">
+              <a:schemeClr val="accent1"/>
+            </a:fillRef>
+            <a:effectRef idx="0">
+              <a:schemeClr val="accent1"/>
+            </a:effectRef>
+            <a:fontRef idx="minor">
+              <a:schemeClr val="lt1"/>
+            </a:fontRef>
+          </p:style>
+          <p:txBody>
+            <a:bodyPr rtlCol="0" anchor="ctr"/>
+            <a:lstStyle/>
+            <a:p>
+              <a:pPr algn="ctr"/>
+              <a:endParaRPr lang="zh-TW" altLang="en-US">
+                <a:solidFill>
+                  <a:schemeClr val="tx2">
+                    <a:lumMod val="20000"/>
+                    <a:lumOff val="80000"/>
+                  </a:schemeClr>
+                </a:solidFill>
+              </a:endParaRPr>
+            </a:p>
+          </p:txBody>
+        </p:sp>
+        <p:sp>
+          <p:nvSpPr>
+            <p:cNvPr id="26" name="矩形 25"/>
+            <p:cNvSpPr/>
+            <p:nvPr/>
+          </p:nvSpPr>
+          <p:spPr>
+            <a:xfrm>
+              <a:off x="4192936" y="-9480"/>
+              <a:ext cx="630000" cy="15748000"/>
+            </a:xfrm>
+            <a:prstGeom prst="rect">
+              <a:avLst/>
+            </a:prstGeom>
+            <a:grpFill/>
+            <a:ln>
+              <a:noFill/>
+            </a:ln>
+          </p:spPr>
+          <p:style>
+            <a:lnRef idx="2">
+              <a:schemeClr val="accent1">
+                <a:shade val="50000"/>
+              </a:schemeClr>
+            </a:lnRef>
+            <a:fillRef idx="1">
+              <a:schemeClr val="accent1"/>
+            </a:fillRef>
+            <a:effectRef idx="0">
+              <a:schemeClr val="accent1"/>
+            </a:effectRef>
+            <a:fontRef idx="minor">
+              <a:schemeClr val="lt1"/>
+            </a:fontRef>
+          </p:style>
+          <p:txBody>
+            <a:bodyPr rtlCol="0" anchor="ctr"/>
+            <a:lstStyle/>
+            <a:p>
+              <a:pPr algn="ctr"/>
+              <a:endParaRPr lang="zh-TW" altLang="en-US">
+                <a:solidFill>
+                  <a:schemeClr val="tx2">
+                    <a:lumMod val="20000"/>
+                    <a:lumOff val="80000"/>
+                  </a:schemeClr>
+                </a:solidFill>
+              </a:endParaRPr>
+            </a:p>
+          </p:txBody>
+        </p:sp>
+        <p:sp>
+          <p:nvSpPr>
+            <p:cNvPr id="27" name="矩形 26"/>
+            <p:cNvSpPr/>
+            <p:nvPr/>
+          </p:nvSpPr>
+          <p:spPr>
+            <a:xfrm>
+              <a:off x="5159300" y="-9480"/>
+              <a:ext cx="630000" cy="15748000"/>
+            </a:xfrm>
+            <a:prstGeom prst="rect">
+              <a:avLst/>
+            </a:prstGeom>
+            <a:grpFill/>
+            <a:ln>
+              <a:noFill/>
+            </a:ln>
+          </p:spPr>
+          <p:style>
+            <a:lnRef idx="2">
+              <a:schemeClr val="accent1">
+                <a:shade val="50000"/>
+              </a:schemeClr>
+            </a:lnRef>
+            <a:fillRef idx="1">
+              <a:schemeClr val="accent1"/>
+            </a:fillRef>
+            <a:effectRef idx="0">
+              <a:schemeClr val="accent1"/>
+            </a:effectRef>
+            <a:fontRef idx="minor">
+              <a:schemeClr val="lt1"/>
+            </a:fontRef>
+          </p:style>
+          <p:txBody>
+            <a:bodyPr rtlCol="0" anchor="ctr"/>
+            <a:lstStyle/>
+            <a:p>
+              <a:pPr algn="ctr"/>
+              <a:endParaRPr lang="zh-TW" altLang="en-US">
+                <a:solidFill>
+                  <a:schemeClr val="tx2">
+                    <a:lumMod val="20000"/>
+                    <a:lumOff val="80000"/>
+                  </a:schemeClr>
+                </a:solidFill>
+              </a:endParaRPr>
+            </a:p>
+          </p:txBody>
+        </p:sp>
+        <p:sp>
+          <p:nvSpPr>
+            <p:cNvPr id="28" name="矩形 27"/>
+            <p:cNvSpPr/>
+            <p:nvPr/>
+          </p:nvSpPr>
+          <p:spPr>
+            <a:xfrm>
+              <a:off x="6125664" y="-9480"/>
+              <a:ext cx="630000" cy="15748000"/>
+            </a:xfrm>
+            <a:prstGeom prst="rect">
+              <a:avLst/>
+            </a:prstGeom>
+            <a:grpFill/>
+            <a:ln>
+              <a:noFill/>
+            </a:ln>
+          </p:spPr>
+          <p:style>
+            <a:lnRef idx="2">
+              <a:schemeClr val="accent1">
+                <a:shade val="50000"/>
+              </a:schemeClr>
+            </a:lnRef>
+            <a:fillRef idx="1">
+              <a:schemeClr val="accent1"/>
+            </a:fillRef>
+            <a:effectRef idx="0">
+              <a:schemeClr val="accent1"/>
+            </a:effectRef>
+            <a:fontRef idx="minor">
+              <a:schemeClr val="lt1"/>
+            </a:fontRef>
+          </p:style>
+          <p:txBody>
+            <a:bodyPr rtlCol="0" anchor="ctr"/>
+            <a:lstStyle/>
+            <a:p>
+              <a:pPr algn="ctr"/>
+              <a:endParaRPr lang="zh-TW" altLang="en-US">
+                <a:solidFill>
+                  <a:schemeClr val="tx2">
+                    <a:lumMod val="20000"/>
+                    <a:lumOff val="80000"/>
+                  </a:schemeClr>
+                </a:solidFill>
+              </a:endParaRPr>
+            </a:p>
+          </p:txBody>
+        </p:sp>
+        <p:sp>
+          <p:nvSpPr>
+            <p:cNvPr id="29" name="矩形 28"/>
+            <p:cNvSpPr/>
+            <p:nvPr/>
+          </p:nvSpPr>
+          <p:spPr>
+            <a:xfrm>
+              <a:off x="7092028" y="-9480"/>
+              <a:ext cx="630000" cy="15748000"/>
+            </a:xfrm>
+            <a:prstGeom prst="rect">
+              <a:avLst/>
+            </a:prstGeom>
+            <a:grpFill/>
+            <a:ln>
+              <a:noFill/>
+            </a:ln>
+          </p:spPr>
+          <p:style>
+            <a:lnRef idx="2">
+              <a:schemeClr val="accent1">
+                <a:shade val="50000"/>
+              </a:schemeClr>
+            </a:lnRef>
+            <a:fillRef idx="1">
+              <a:schemeClr val="accent1"/>
+            </a:fillRef>
+            <a:effectRef idx="0">
+              <a:schemeClr val="accent1"/>
+            </a:effectRef>
+            <a:fontRef idx="minor">
+              <a:schemeClr val="lt1"/>
+            </a:fontRef>
+          </p:style>
+          <p:txBody>
+            <a:bodyPr rtlCol="0" anchor="ctr"/>
+            <a:lstStyle/>
+            <a:p>
+              <a:pPr algn="ctr"/>
+              <a:endParaRPr lang="zh-TW" altLang="en-US">
+                <a:solidFill>
+                  <a:schemeClr val="tx2">
+                    <a:lumMod val="20000"/>
+                    <a:lumOff val="80000"/>
+                  </a:schemeClr>
+                </a:solidFill>
+              </a:endParaRPr>
+            </a:p>
+          </p:txBody>
+        </p:sp>
+      </p:grpSp>
+      <p:grpSp>
+        <p:nvGrpSpPr>
+          <p:cNvPr id="30" name="群組 29"/>
+          <p:cNvGrpSpPr/>
+          <p:nvPr/>
+        </p:nvGrpSpPr>
+        <p:grpSpPr>
+          <a:xfrm>
+            <a:off x="547674" y="-2736"/>
+            <a:ext cx="3529092" cy="1321272"/>
+            <a:chOff x="0" y="1321272"/>
+            <a:chExt cx="12195175" cy="4464496"/>
+          </a:xfrm>
+        </p:grpSpPr>
+        <p:sp>
+          <p:nvSpPr>
+            <p:cNvPr id="31" name="矩形 30"/>
+            <p:cNvSpPr/>
+            <p:nvPr/>
+          </p:nvSpPr>
+          <p:spPr>
+            <a:xfrm>
+              <a:off x="0" y="1321272"/>
+              <a:ext cx="12187998" cy="4464496"/>
+            </a:xfrm>
+            <a:prstGeom prst="rect">
+              <a:avLst/>
+            </a:prstGeom>
+            <a:noFill/>
+            <a:ln>
+              <a:solidFill>
+                <a:schemeClr val="tx1"/>
+              </a:solidFill>
+            </a:ln>
+          </p:spPr>
+          <p:style>
+            <a:lnRef idx="2">
+              <a:schemeClr val="accent1">
+                <a:shade val="50000"/>
+              </a:schemeClr>
+            </a:lnRef>
+            <a:fillRef idx="1">
+              <a:schemeClr val="accent1"/>
+            </a:fillRef>
+            <a:effectRef idx="0">
+              <a:schemeClr val="accent1"/>
+            </a:effectRef>
+            <a:fontRef idx="minor">
+              <a:schemeClr val="lt1"/>
+            </a:fontRef>
+          </p:style>
+          <p:txBody>
+            <a:bodyPr rtlCol="0" anchor="ctr"/>
+            <a:lstStyle/>
+            <a:p>
+              <a:pPr algn="ctr"/>
+              <a:endParaRPr lang="zh-TW" altLang="en-US"/>
+            </a:p>
+          </p:txBody>
+        </p:sp>
+        <p:cxnSp>
+          <p:nvCxnSpPr>
+            <p:cNvPr id="32" name="直線接點 31"/>
+            <p:cNvCxnSpPr/>
+            <p:nvPr/>
+          </p:nvCxnSpPr>
+          <p:spPr>
+            <a:xfrm>
+              <a:off x="0" y="1328094"/>
+              <a:ext cx="12187998" cy="4457674"/>
+            </a:xfrm>
+            <a:prstGeom prst="line">
+              <a:avLst/>
+            </a:prstGeom>
+            <a:ln>
+              <a:solidFill>
+                <a:schemeClr val="tx1"/>
+              </a:solidFill>
+            </a:ln>
+          </p:spPr>
+          <p:style>
+            <a:lnRef idx="1">
+              <a:schemeClr val="accent1"/>
+            </a:lnRef>
+            <a:fillRef idx="0">
+              <a:schemeClr val="accent1"/>
+            </a:fillRef>
+            <a:effectRef idx="0">
+              <a:schemeClr val="accent1"/>
+            </a:effectRef>
+            <a:fontRef idx="minor">
+              <a:schemeClr val="tx1"/>
+            </a:fontRef>
+          </p:style>
+        </p:cxnSp>
+        <p:cxnSp>
+          <p:nvCxnSpPr>
+            <p:cNvPr id="33" name="直線接點 32"/>
+            <p:cNvCxnSpPr/>
+            <p:nvPr/>
+          </p:nvCxnSpPr>
+          <p:spPr>
+            <a:xfrm flipH="1">
+              <a:off x="0" y="1321272"/>
+              <a:ext cx="12195175" cy="4464496"/>
+            </a:xfrm>
+            <a:prstGeom prst="line">
+              <a:avLst/>
+            </a:prstGeom>
+            <a:ln>
+              <a:solidFill>
+                <a:schemeClr val="tx1"/>
+              </a:solidFill>
+            </a:ln>
+          </p:spPr>
+          <p:style>
+            <a:lnRef idx="1">
+              <a:schemeClr val="accent1"/>
+            </a:lnRef>
+            <a:fillRef idx="0">
+              <a:schemeClr val="accent1"/>
+            </a:fillRef>
+            <a:effectRef idx="0">
+              <a:schemeClr val="accent1"/>
+            </a:effectRef>
+            <a:fontRef idx="minor">
+              <a:schemeClr val="tx1"/>
+            </a:fontRef>
+          </p:style>
+        </p:cxnSp>
+      </p:grpSp>
+      <p:cxnSp>
+        <p:nvCxnSpPr>
+          <p:cNvPr id="34" name="直線接點 33"/>
+          <p:cNvCxnSpPr/>
+          <p:nvPr/>
+        </p:nvCxnSpPr>
+        <p:spPr>
+          <a:xfrm>
+            <a:off x="-34176" y="1326113"/>
+            <a:ext cx="12195175" cy="0"/>
+          </a:xfrm>
+          <a:prstGeom prst="line">
+            <a:avLst/>
+          </a:prstGeom>
+          <a:ln>
+            <a:solidFill>
+              <a:schemeClr val="tx1"/>
+            </a:solidFill>
+          </a:ln>
+        </p:spPr>
+        <p:style>
+          <a:lnRef idx="1">
+            <a:schemeClr val="accent1"/>
+          </a:lnRef>
+          <a:fillRef idx="0">
+            <a:schemeClr val="accent1"/>
+          </a:fillRef>
+          <a:effectRef idx="0">
+            <a:schemeClr val="accent1"/>
+          </a:effectRef>
+          <a:fontRef idx="minor">
+            <a:schemeClr val="tx1"/>
+          </a:fontRef>
+        </p:style>
+      </p:cxnSp>
+      <p:sp>
+        <p:nvSpPr>
+          <p:cNvPr id="35" name="矩形 34"/>
+          <p:cNvSpPr/>
+          <p:nvPr/>
+        </p:nvSpPr>
+        <p:spPr>
+          <a:xfrm>
+            <a:off x="10098089" y="358867"/>
+            <a:ext cx="1574274" cy="598066"/>
+          </a:xfrm>
+          <a:prstGeom prst="rect">
+            <a:avLst/>
+          </a:prstGeom>
+          <a:noFill/>
+        </p:spPr>
+        <p:style>
+          <a:lnRef idx="2">
+            <a:schemeClr val="accent1">
+              <a:shade val="50000"/>
+            </a:schemeClr>
+          </a:lnRef>
+          <a:fillRef idx="1">
+            <a:schemeClr val="accent1"/>
+          </a:fillRef>
+          <a:effectRef idx="0">
+            <a:schemeClr val="accent1"/>
+          </a:effectRef>
+          <a:fontRef idx="minor">
+            <a:schemeClr val="lt1"/>
+          </a:fontRef>
+        </p:style>
+        <p:txBody>
+          <a:bodyPr rtlCol="0" anchor="ctr"/>
+          <a:lstStyle/>
+          <a:p>
+            <a:pPr algn="ctr"/>
+            <a:r>
+              <a:rPr lang="zh-TW" altLang="en-US" dirty="0" smtClean="0">
+                <a:solidFill>
+                  <a:schemeClr val="tx1"/>
+                </a:solidFill>
+              </a:rPr>
+              <a:t>漢堡</a:t>
+            </a:r>
+            <a:endParaRPr lang="zh-TW" altLang="en-US" dirty="0">
+              <a:solidFill>
+                <a:schemeClr val="tx1"/>
+              </a:solidFill>
+            </a:endParaRPr>
+          </a:p>
+        </p:txBody>
+      </p:sp>
+      <p:cxnSp>
+        <p:nvCxnSpPr>
+          <p:cNvPr id="36" name="直線接點 35"/>
+          <p:cNvCxnSpPr/>
+          <p:nvPr/>
+        </p:nvCxnSpPr>
+        <p:spPr>
+          <a:xfrm>
+            <a:off x="-27458" y="9458176"/>
+            <a:ext cx="12195175" cy="0"/>
+          </a:xfrm>
+          <a:prstGeom prst="line">
+            <a:avLst/>
+          </a:prstGeom>
+          <a:ln>
+            <a:solidFill>
+              <a:schemeClr val="tx1"/>
+            </a:solidFill>
+          </a:ln>
+        </p:spPr>
+        <p:style>
+          <a:lnRef idx="1">
+            <a:schemeClr val="accent1"/>
+          </a:lnRef>
+          <a:fillRef idx="0">
+            <a:schemeClr val="accent1"/>
+          </a:fillRef>
+          <a:effectRef idx="0">
+            <a:schemeClr val="accent1"/>
+          </a:effectRef>
+          <a:fontRef idx="minor">
+            <a:schemeClr val="tx1"/>
+          </a:fontRef>
+        </p:style>
+      </p:cxnSp>
+      <p:sp>
+        <p:nvSpPr>
+          <p:cNvPr id="37" name="矩形 36"/>
+          <p:cNvSpPr/>
+          <p:nvPr/>
+        </p:nvSpPr>
+        <p:spPr>
+          <a:xfrm>
+            <a:off x="480963" y="1903391"/>
+            <a:ext cx="5461820" cy="655570"/>
+          </a:xfrm>
+          <a:prstGeom prst="rect">
+            <a:avLst/>
+          </a:prstGeom>
+          <a:noFill/>
+        </p:spPr>
+        <p:style>
+          <a:lnRef idx="2">
+            <a:schemeClr val="accent1">
+              <a:shade val="50000"/>
+            </a:schemeClr>
+          </a:lnRef>
+          <a:fillRef idx="1">
+            <a:schemeClr val="accent1"/>
+          </a:fillRef>
+          <a:effectRef idx="0">
+            <a:schemeClr val="accent1"/>
+          </a:effectRef>
+          <a:fontRef idx="minor">
+            <a:schemeClr val="lt1"/>
+          </a:fontRef>
+        </p:style>
+        <p:txBody>
+          <a:bodyPr rtlCol="0" anchor="ctr"/>
+          <a:lstStyle/>
+          <a:p>
+            <a:pPr algn="ctr"/>
+            <a:r>
+              <a:rPr lang="zh-TW" altLang="en-US" dirty="0" smtClean="0">
+                <a:solidFill>
+                  <a:schemeClr val="tx1"/>
+                </a:solidFill>
+              </a:rPr>
+              <a:t>議題</a:t>
+            </a:r>
+            <a:r>
+              <a:rPr lang="zh-TW" altLang="en-US" dirty="0">
+                <a:solidFill>
+                  <a:schemeClr val="tx1"/>
+                </a:solidFill>
+              </a:rPr>
+              <a:t>名稱</a:t>
+            </a:r>
+          </a:p>
+        </p:txBody>
+      </p:sp>
+      <p:sp>
+        <p:nvSpPr>
+          <p:cNvPr id="38" name="矩形 37"/>
+          <p:cNvSpPr/>
+          <p:nvPr/>
+        </p:nvSpPr>
+        <p:spPr>
+          <a:xfrm>
+            <a:off x="480963" y="3136239"/>
+            <a:ext cx="7361412" cy="1281377"/>
+          </a:xfrm>
+          <a:prstGeom prst="rect">
+            <a:avLst/>
+          </a:prstGeom>
+          <a:noFill/>
+        </p:spPr>
+        <p:style>
+          <a:lnRef idx="2">
+            <a:schemeClr val="accent1">
+              <a:shade val="50000"/>
+            </a:schemeClr>
+          </a:lnRef>
+          <a:fillRef idx="1">
+            <a:schemeClr val="accent1"/>
+          </a:fillRef>
+          <a:effectRef idx="0">
+            <a:schemeClr val="accent1"/>
+          </a:effectRef>
+          <a:fontRef idx="minor">
+            <a:schemeClr val="lt1"/>
+          </a:fontRef>
+        </p:style>
+        <p:txBody>
+          <a:bodyPr rtlCol="0" anchor="ctr"/>
+          <a:lstStyle/>
+          <a:p>
+            <a:pPr algn="ctr"/>
+            <a:r>
+              <a:rPr lang="zh-TW" altLang="en-US" dirty="0">
+                <a:solidFill>
+                  <a:schemeClr val="tx1"/>
+                </a:solidFill>
+              </a:rPr>
+              <a:t>議題描述</a:t>
+            </a:r>
+            <a:r>
+              <a:rPr lang="en-US" altLang="zh-TW" dirty="0" smtClean="0">
+                <a:solidFill>
+                  <a:schemeClr val="tx1"/>
+                </a:solidFill>
+              </a:rPr>
+              <a:t>.</a:t>
+            </a:r>
+            <a:endParaRPr lang="zh-TW" altLang="en-US" dirty="0">
+              <a:solidFill>
+                <a:schemeClr val="tx1"/>
+              </a:solidFill>
+            </a:endParaRPr>
+          </a:p>
+        </p:txBody>
+      </p:sp>
+      <p:sp>
+        <p:nvSpPr>
+          <p:cNvPr id="39" name="矩形 38"/>
+          <p:cNvSpPr/>
+          <p:nvPr/>
+        </p:nvSpPr>
+        <p:spPr>
+          <a:xfrm>
+            <a:off x="-6717055" y="4427615"/>
+            <a:ext cx="1574274" cy="598066"/>
+          </a:xfrm>
+          <a:prstGeom prst="rect">
+            <a:avLst/>
+          </a:prstGeom>
+          <a:noFill/>
+        </p:spPr>
+        <p:style>
+          <a:lnRef idx="2">
+            <a:schemeClr val="accent1">
+              <a:shade val="50000"/>
+            </a:schemeClr>
+          </a:lnRef>
+          <a:fillRef idx="1">
+            <a:schemeClr val="accent1"/>
+          </a:fillRef>
+          <a:effectRef idx="0">
+            <a:schemeClr val="accent1"/>
+          </a:effectRef>
+          <a:fontRef idx="minor">
+            <a:schemeClr val="lt1"/>
+          </a:fontRef>
+        </p:style>
+        <p:txBody>
+          <a:bodyPr rtlCol="0" anchor="ctr"/>
+          <a:lstStyle/>
+          <a:p>
+            <a:pPr algn="ctr"/>
+            <a:endParaRPr lang="zh-TW" altLang="en-US"/>
+          </a:p>
+        </p:txBody>
+      </p:sp>
+      <p:sp>
+        <p:nvSpPr>
+          <p:cNvPr id="40" name="矩形 39"/>
+          <p:cNvSpPr/>
+          <p:nvPr/>
+        </p:nvSpPr>
+        <p:spPr>
+          <a:xfrm>
+            <a:off x="456539" y="5192102"/>
+            <a:ext cx="1574274" cy="598066"/>
+          </a:xfrm>
+          <a:prstGeom prst="rect">
+            <a:avLst/>
+          </a:prstGeom>
+          <a:noFill/>
+        </p:spPr>
+        <p:style>
+          <a:lnRef idx="2">
+            <a:schemeClr val="accent1">
+              <a:shade val="50000"/>
+            </a:schemeClr>
+          </a:lnRef>
+          <a:fillRef idx="1">
+            <a:schemeClr val="accent1"/>
+          </a:fillRef>
+          <a:effectRef idx="0">
+            <a:schemeClr val="accent1"/>
+          </a:effectRef>
+          <a:fontRef idx="minor">
+            <a:schemeClr val="lt1"/>
+          </a:fontRef>
+        </p:style>
+        <p:txBody>
+          <a:bodyPr rtlCol="0" anchor="ctr"/>
+          <a:lstStyle/>
+          <a:p>
+            <a:pPr algn="ctr"/>
+            <a:r>
+              <a:rPr lang="zh-TW" altLang="en-US" dirty="0" smtClean="0">
+                <a:solidFill>
+                  <a:schemeClr val="tx1"/>
+                </a:solidFill>
+              </a:rPr>
+              <a:t>匿名</a:t>
+            </a:r>
+            <a:r>
+              <a:rPr lang="en-US" altLang="zh-TW" dirty="0" smtClean="0">
+                <a:solidFill>
+                  <a:schemeClr val="tx1"/>
+                </a:solidFill>
+              </a:rPr>
+              <a:t>:</a:t>
+            </a:r>
+            <a:endParaRPr lang="zh-TW" altLang="en-US" dirty="0">
+              <a:solidFill>
+                <a:schemeClr val="tx1"/>
+              </a:solidFill>
+            </a:endParaRPr>
+          </a:p>
+        </p:txBody>
+      </p:sp>
+      <p:cxnSp>
+        <p:nvCxnSpPr>
+          <p:cNvPr id="41" name="直線接點 40"/>
+          <p:cNvCxnSpPr/>
+          <p:nvPr/>
+        </p:nvCxnSpPr>
+        <p:spPr>
+          <a:xfrm>
+            <a:off x="-23093" y="4705648"/>
+            <a:ext cx="12195175" cy="0"/>
+          </a:xfrm>
+          <a:prstGeom prst="line">
+            <a:avLst/>
+          </a:prstGeom>
+          <a:ln>
+            <a:solidFill>
+              <a:schemeClr val="tx1"/>
+            </a:solidFill>
+          </a:ln>
+        </p:spPr>
+        <p:style>
+          <a:lnRef idx="1">
+            <a:schemeClr val="accent1"/>
+          </a:lnRef>
+          <a:fillRef idx="0">
+            <a:schemeClr val="accent1"/>
+          </a:fillRef>
+          <a:effectRef idx="0">
+            <a:schemeClr val="accent1"/>
+          </a:effectRef>
+          <a:fontRef idx="minor">
+            <a:schemeClr val="tx1"/>
+          </a:fontRef>
+        </p:style>
+      </p:cxnSp>
+      <p:sp>
+        <p:nvSpPr>
+          <p:cNvPr id="42" name="矩形 41"/>
+          <p:cNvSpPr/>
+          <p:nvPr/>
+        </p:nvSpPr>
+        <p:spPr>
+          <a:xfrm>
+            <a:off x="2400313" y="5192102"/>
+            <a:ext cx="9294140" cy="598066"/>
+          </a:xfrm>
+          <a:prstGeom prst="rect">
+            <a:avLst/>
+          </a:prstGeom>
+          <a:noFill/>
+        </p:spPr>
+        <p:style>
+          <a:lnRef idx="2">
+            <a:schemeClr val="accent1">
+              <a:shade val="50000"/>
+            </a:schemeClr>
+          </a:lnRef>
+          <a:fillRef idx="1">
+            <a:schemeClr val="accent1"/>
+          </a:fillRef>
+          <a:effectRef idx="0">
+            <a:schemeClr val="accent1"/>
+          </a:effectRef>
+          <a:fontRef idx="minor">
+            <a:schemeClr val="lt1"/>
+          </a:fontRef>
+        </p:style>
+        <p:txBody>
+          <a:bodyPr rtlCol="0" anchor="ctr"/>
+          <a:lstStyle/>
+          <a:p>
+            <a:pPr algn="ctr"/>
+            <a:endParaRPr lang="zh-TW" altLang="en-US"/>
+          </a:p>
+        </p:txBody>
+      </p:sp>
+      <p:sp>
+        <p:nvSpPr>
+          <p:cNvPr id="43" name="矩形 42"/>
+          <p:cNvSpPr/>
+          <p:nvPr/>
+        </p:nvSpPr>
+        <p:spPr>
+          <a:xfrm>
+            <a:off x="456539" y="6276622"/>
+            <a:ext cx="1574274" cy="598066"/>
+          </a:xfrm>
+          <a:prstGeom prst="rect">
+            <a:avLst/>
+          </a:prstGeom>
+          <a:noFill/>
+        </p:spPr>
+        <p:style>
+          <a:lnRef idx="2">
+            <a:schemeClr val="accent1">
+              <a:shade val="50000"/>
+            </a:schemeClr>
+          </a:lnRef>
+          <a:fillRef idx="1">
+            <a:schemeClr val="accent1"/>
+          </a:fillRef>
+          <a:effectRef idx="0">
+            <a:schemeClr val="accent1"/>
+          </a:effectRef>
+          <a:fontRef idx="minor">
+            <a:schemeClr val="lt1"/>
+          </a:fontRef>
+        </p:style>
+        <p:txBody>
+          <a:bodyPr rtlCol="0" anchor="ctr"/>
+          <a:lstStyle/>
+          <a:p>
+            <a:pPr algn="ctr"/>
+            <a:r>
+              <a:rPr lang="zh-TW" altLang="en-US" dirty="0" smtClean="0">
+                <a:solidFill>
+                  <a:schemeClr val="tx1"/>
+                </a:solidFill>
+              </a:rPr>
+              <a:t>匿名</a:t>
+            </a:r>
+            <a:r>
+              <a:rPr lang="en-US" altLang="zh-TW" dirty="0" smtClean="0">
+                <a:solidFill>
+                  <a:schemeClr val="tx1"/>
+                </a:solidFill>
+              </a:rPr>
+              <a:t>:</a:t>
+            </a:r>
+            <a:endParaRPr lang="zh-TW" altLang="en-US" dirty="0">
+              <a:solidFill>
+                <a:schemeClr val="tx1"/>
+              </a:solidFill>
+            </a:endParaRPr>
+          </a:p>
+        </p:txBody>
+      </p:sp>
+      <p:sp>
+        <p:nvSpPr>
+          <p:cNvPr id="44" name="矩形 43"/>
+          <p:cNvSpPr/>
+          <p:nvPr/>
+        </p:nvSpPr>
+        <p:spPr>
+          <a:xfrm>
+            <a:off x="456539" y="7361142"/>
+            <a:ext cx="1574274" cy="598066"/>
+          </a:xfrm>
+          <a:prstGeom prst="rect">
+            <a:avLst/>
+          </a:prstGeom>
+          <a:noFill/>
+        </p:spPr>
+        <p:style>
+          <a:lnRef idx="2">
+            <a:schemeClr val="accent1">
+              <a:shade val="50000"/>
+            </a:schemeClr>
+          </a:lnRef>
+          <a:fillRef idx="1">
+            <a:schemeClr val="accent1"/>
+          </a:fillRef>
+          <a:effectRef idx="0">
+            <a:schemeClr val="accent1"/>
+          </a:effectRef>
+          <a:fontRef idx="minor">
+            <a:schemeClr val="lt1"/>
+          </a:fontRef>
+        </p:style>
+        <p:txBody>
+          <a:bodyPr rtlCol="0" anchor="ctr"/>
+          <a:lstStyle/>
+          <a:p>
+            <a:pPr algn="ctr"/>
+            <a:r>
+              <a:rPr lang="zh-TW" altLang="en-US" dirty="0" smtClean="0">
+                <a:solidFill>
+                  <a:schemeClr val="tx1"/>
+                </a:solidFill>
+              </a:rPr>
+              <a:t>匿名</a:t>
+            </a:r>
+            <a:r>
+              <a:rPr lang="en-US" altLang="zh-TW" dirty="0" smtClean="0">
+                <a:solidFill>
+                  <a:schemeClr val="tx1"/>
+                </a:solidFill>
+              </a:rPr>
+              <a:t>:</a:t>
+            </a:r>
+            <a:endParaRPr lang="zh-TW" altLang="en-US" dirty="0">
+              <a:solidFill>
+                <a:schemeClr val="tx1"/>
+              </a:solidFill>
+            </a:endParaRPr>
+          </a:p>
+        </p:txBody>
+      </p:sp>
+      <p:sp>
+        <p:nvSpPr>
+          <p:cNvPr id="45" name="矩形 44"/>
+          <p:cNvSpPr/>
+          <p:nvPr/>
+        </p:nvSpPr>
+        <p:spPr>
+          <a:xfrm>
+            <a:off x="456539" y="8445662"/>
+            <a:ext cx="1574274" cy="598066"/>
+          </a:xfrm>
+          <a:prstGeom prst="rect">
+            <a:avLst/>
+          </a:prstGeom>
+          <a:noFill/>
+        </p:spPr>
+        <p:style>
+          <a:lnRef idx="2">
+            <a:schemeClr val="accent1">
+              <a:shade val="50000"/>
+            </a:schemeClr>
+          </a:lnRef>
+          <a:fillRef idx="1">
+            <a:schemeClr val="accent1"/>
+          </a:fillRef>
+          <a:effectRef idx="0">
+            <a:schemeClr val="accent1"/>
+          </a:effectRef>
+          <a:fontRef idx="minor">
+            <a:schemeClr val="lt1"/>
+          </a:fontRef>
+        </p:style>
+        <p:txBody>
+          <a:bodyPr rtlCol="0" anchor="ctr"/>
+          <a:lstStyle/>
+          <a:p>
+            <a:pPr algn="ctr"/>
+            <a:r>
+              <a:rPr lang="zh-TW" altLang="en-US" dirty="0" smtClean="0">
+                <a:solidFill>
+                  <a:schemeClr val="tx1"/>
+                </a:solidFill>
+              </a:rPr>
+              <a:t>匿名</a:t>
+            </a:r>
+            <a:r>
+              <a:rPr lang="en-US" altLang="zh-TW" dirty="0" smtClean="0">
+                <a:solidFill>
+                  <a:schemeClr val="tx1"/>
+                </a:solidFill>
+              </a:rPr>
+              <a:t>:</a:t>
+            </a:r>
+            <a:endParaRPr lang="zh-TW" altLang="en-US" dirty="0">
+              <a:solidFill>
+                <a:schemeClr val="tx1"/>
+              </a:solidFill>
+            </a:endParaRPr>
+          </a:p>
+        </p:txBody>
+      </p:sp>
+      <p:sp>
+        <p:nvSpPr>
+          <p:cNvPr id="46" name="矩形 45"/>
+          <p:cNvSpPr/>
+          <p:nvPr/>
+        </p:nvSpPr>
+        <p:spPr>
+          <a:xfrm>
+            <a:off x="2378223" y="6276622"/>
+            <a:ext cx="9294140" cy="598066"/>
+          </a:xfrm>
+          <a:prstGeom prst="rect">
+            <a:avLst/>
+          </a:prstGeom>
+          <a:noFill/>
+        </p:spPr>
+        <p:style>
+          <a:lnRef idx="2">
+            <a:schemeClr val="accent1">
+              <a:shade val="50000"/>
+            </a:schemeClr>
+          </a:lnRef>
+          <a:fillRef idx="1">
+            <a:schemeClr val="accent1"/>
+          </a:fillRef>
+          <a:effectRef idx="0">
+            <a:schemeClr val="accent1"/>
+          </a:effectRef>
+          <a:fontRef idx="minor">
+            <a:schemeClr val="lt1"/>
+          </a:fontRef>
+        </p:style>
+        <p:txBody>
+          <a:bodyPr rtlCol="0" anchor="ctr"/>
+          <a:lstStyle/>
+          <a:p>
+            <a:pPr algn="ctr"/>
+            <a:endParaRPr lang="zh-TW" altLang="en-US"/>
+          </a:p>
+        </p:txBody>
+      </p:sp>
+      <p:sp>
+        <p:nvSpPr>
+          <p:cNvPr id="47" name="矩形 46"/>
+          <p:cNvSpPr/>
+          <p:nvPr/>
+        </p:nvSpPr>
+        <p:spPr>
+          <a:xfrm>
+            <a:off x="2367177" y="7361142"/>
+            <a:ext cx="9294140" cy="598066"/>
+          </a:xfrm>
+          <a:prstGeom prst="rect">
+            <a:avLst/>
+          </a:prstGeom>
+          <a:noFill/>
+        </p:spPr>
+        <p:style>
+          <a:lnRef idx="2">
+            <a:schemeClr val="accent1">
+              <a:shade val="50000"/>
+            </a:schemeClr>
+          </a:lnRef>
+          <a:fillRef idx="1">
+            <a:schemeClr val="accent1"/>
+          </a:fillRef>
+          <a:effectRef idx="0">
+            <a:schemeClr val="accent1"/>
+          </a:effectRef>
+          <a:fontRef idx="minor">
+            <a:schemeClr val="lt1"/>
+          </a:fontRef>
+        </p:style>
+        <p:txBody>
+          <a:bodyPr rtlCol="0" anchor="ctr"/>
+          <a:lstStyle/>
+          <a:p>
+            <a:pPr algn="ctr"/>
+            <a:endParaRPr lang="zh-TW" altLang="en-US"/>
+          </a:p>
+        </p:txBody>
+      </p:sp>
+      <p:sp>
+        <p:nvSpPr>
+          <p:cNvPr id="48" name="矩形 47"/>
+          <p:cNvSpPr/>
+          <p:nvPr/>
+        </p:nvSpPr>
+        <p:spPr>
+          <a:xfrm>
+            <a:off x="2367177" y="8445662"/>
+            <a:ext cx="9294140" cy="598066"/>
+          </a:xfrm>
+          <a:prstGeom prst="rect">
+            <a:avLst/>
+          </a:prstGeom>
+          <a:noFill/>
+        </p:spPr>
+        <p:style>
+          <a:lnRef idx="2">
+            <a:schemeClr val="accent1">
+              <a:shade val="50000"/>
+            </a:schemeClr>
+          </a:lnRef>
+          <a:fillRef idx="1">
+            <a:schemeClr val="accent1"/>
+          </a:fillRef>
+          <a:effectRef idx="0">
+            <a:schemeClr val="accent1"/>
+          </a:effectRef>
+          <a:fontRef idx="minor">
+            <a:schemeClr val="lt1"/>
+          </a:fontRef>
+        </p:style>
+        <p:txBody>
+          <a:bodyPr rtlCol="0" anchor="ctr"/>
+          <a:lstStyle/>
+          <a:p>
+            <a:pPr algn="ctr"/>
+            <a:endParaRPr lang="zh-TW" altLang="en-US"/>
+          </a:p>
+        </p:txBody>
+      </p:sp>
+      <p:sp>
+        <p:nvSpPr>
+          <p:cNvPr id="49" name="矩形 48"/>
+          <p:cNvSpPr/>
+          <p:nvPr/>
+        </p:nvSpPr>
+        <p:spPr>
+          <a:xfrm>
+            <a:off x="839863" y="9684200"/>
+            <a:ext cx="1574274" cy="598066"/>
+          </a:xfrm>
+          <a:prstGeom prst="rect">
+            <a:avLst/>
+          </a:prstGeom>
+          <a:noFill/>
+        </p:spPr>
+        <p:style>
+          <a:lnRef idx="2">
+            <a:schemeClr val="accent1">
+              <a:shade val="50000"/>
+            </a:schemeClr>
+          </a:lnRef>
+          <a:fillRef idx="1">
+            <a:schemeClr val="accent1"/>
+          </a:fillRef>
+          <a:effectRef idx="0">
+            <a:schemeClr val="accent1"/>
+          </a:effectRef>
+          <a:fontRef idx="minor">
+            <a:schemeClr val="lt1"/>
+          </a:fontRef>
+        </p:style>
+        <p:txBody>
+          <a:bodyPr rtlCol="0" anchor="ctr"/>
+          <a:lstStyle/>
+          <a:p>
+            <a:pPr algn="ctr"/>
+            <a:endParaRPr lang="zh-TW" altLang="en-US"/>
+          </a:p>
+        </p:txBody>
+      </p:sp>
+      <p:pic>
+        <p:nvPicPr>
+          <p:cNvPr id="2" name="圖片 1"/>
+          <p:cNvPicPr>
+            <a:picLocks noChangeAspect="1"/>
+          </p:cNvPicPr>
+          <p:nvPr/>
+        </p:nvPicPr>
+        <p:blipFill>
+          <a:blip r:embed="rId2"/>
+          <a:stretch>
+            <a:fillRect/>
+          </a:stretch>
+        </p:blipFill>
+        <p:spPr>
+          <a:xfrm>
+            <a:off x="-65793" y="11106355"/>
+            <a:ext cx="12205250" cy="12193"/>
+          </a:xfrm>
+          <a:prstGeom prst="rect">
+            <a:avLst/>
+          </a:prstGeom>
+        </p:spPr>
+      </p:pic>
+      <p:sp>
+        <p:nvSpPr>
+          <p:cNvPr id="3" name="文字方塊 2"/>
+          <p:cNvSpPr txBox="1"/>
+          <p:nvPr/>
+        </p:nvSpPr>
+        <p:spPr>
+          <a:xfrm>
+            <a:off x="3146247" y="9712879"/>
+            <a:ext cx="5181794" cy="1046440"/>
+          </a:xfrm>
+          <a:prstGeom prst="rect">
+            <a:avLst/>
+          </a:prstGeom>
+          <a:noFill/>
+        </p:spPr>
+        <p:txBody>
+          <a:bodyPr wrap="square" rtlCol="0">
+            <a:spAutoFit/>
+          </a:bodyPr>
+          <a:lstStyle/>
+          <a:p>
+            <a:r>
+              <a:rPr lang="zh-TW" altLang="en-US" dirty="0" smtClean="0"/>
+              <a:t>把連杰拉到漢堡 帳號管理也是</a:t>
+            </a:r>
+            <a:endParaRPr lang="zh-TW" altLang="en-US" dirty="0"/>
+          </a:p>
+        </p:txBody>
+      </p:sp>
+      <p:sp>
+        <p:nvSpPr>
+          <p:cNvPr id="51" name="矩形 50"/>
+          <p:cNvSpPr/>
+          <p:nvPr/>
+        </p:nvSpPr>
+        <p:spPr>
+          <a:xfrm>
+            <a:off x="9153815" y="1838829"/>
+            <a:ext cx="2507502" cy="2578787"/>
+          </a:xfrm>
+          <a:prstGeom prst="rect">
+            <a:avLst/>
+          </a:prstGeom>
+          <a:noFill/>
+        </p:spPr>
+        <p:style>
+          <a:lnRef idx="2">
+            <a:schemeClr val="accent1">
+              <a:shade val="50000"/>
+            </a:schemeClr>
+          </a:lnRef>
+          <a:fillRef idx="1">
+            <a:schemeClr val="accent1"/>
+          </a:fillRef>
+          <a:effectRef idx="0">
+            <a:schemeClr val="accent1"/>
+          </a:effectRef>
+          <a:fontRef idx="minor">
+            <a:schemeClr val="lt1"/>
+          </a:fontRef>
+        </p:style>
+        <p:txBody>
+          <a:bodyPr rtlCol="0" anchor="ctr"/>
+          <a:lstStyle/>
+          <a:p>
+            <a:pPr algn="ctr"/>
+            <a:r>
+              <a:rPr lang="zh-TW" altLang="en-US" dirty="0" smtClean="0">
+                <a:solidFill>
+                  <a:schemeClr val="tx1"/>
+                </a:solidFill>
+              </a:rPr>
+              <a:t>創建者資料</a:t>
+            </a:r>
+            <a:endParaRPr lang="zh-TW" altLang="en-US" dirty="0">
+              <a:solidFill>
+                <a:schemeClr val="tx1"/>
+              </a:solidFill>
+            </a:endParaRPr>
+          </a:p>
+        </p:txBody>
+      </p:sp>
+      <p:sp>
+        <p:nvSpPr>
+          <p:cNvPr id="53" name="矩形 52"/>
+          <p:cNvSpPr/>
+          <p:nvPr/>
+        </p:nvSpPr>
+        <p:spPr>
+          <a:xfrm>
+            <a:off x="12759127" y="426876"/>
+            <a:ext cx="2952328" cy="7445060"/>
+          </a:xfrm>
+          <a:prstGeom prst="rect">
+            <a:avLst/>
+          </a:prstGeom>
+          <a:noFill/>
+        </p:spPr>
+        <p:style>
+          <a:lnRef idx="2">
+            <a:schemeClr val="accent1">
+              <a:shade val="50000"/>
+            </a:schemeClr>
+          </a:lnRef>
+          <a:fillRef idx="1">
+            <a:schemeClr val="accent1"/>
+          </a:fillRef>
+          <a:effectRef idx="0">
+            <a:schemeClr val="accent1"/>
+          </a:effectRef>
+          <a:fontRef idx="minor">
+            <a:schemeClr val="lt1"/>
+          </a:fontRef>
+        </p:style>
+        <p:txBody>
+          <a:bodyPr rtlCol="0" anchor="ctr"/>
+          <a:lstStyle/>
+          <a:p>
+            <a:pPr algn="ctr"/>
+            <a:endParaRPr lang="zh-TW" altLang="en-US"/>
+          </a:p>
+        </p:txBody>
+      </p:sp>
+      <p:grpSp>
+        <p:nvGrpSpPr>
+          <p:cNvPr id="54" name="群組 53"/>
+          <p:cNvGrpSpPr/>
+          <p:nvPr/>
+        </p:nvGrpSpPr>
+        <p:grpSpPr>
+          <a:xfrm>
+            <a:off x="12759127" y="426876"/>
+            <a:ext cx="2952328" cy="1580410"/>
+            <a:chOff x="0" y="1321272"/>
+            <a:chExt cx="12195175" cy="4464496"/>
+          </a:xfrm>
+        </p:grpSpPr>
+        <p:sp>
+          <p:nvSpPr>
+            <p:cNvPr id="55" name="矩形 54"/>
+            <p:cNvSpPr/>
+            <p:nvPr/>
+          </p:nvSpPr>
+          <p:spPr>
+            <a:xfrm>
+              <a:off x="0" y="1321272"/>
+              <a:ext cx="12187998" cy="4464496"/>
+            </a:xfrm>
+            <a:prstGeom prst="rect">
+              <a:avLst/>
+            </a:prstGeom>
+            <a:noFill/>
+            <a:ln>
+              <a:solidFill>
+                <a:schemeClr val="tx1"/>
+              </a:solidFill>
+            </a:ln>
+          </p:spPr>
+          <p:style>
+            <a:lnRef idx="2">
+              <a:schemeClr val="accent1">
+                <a:shade val="50000"/>
+              </a:schemeClr>
+            </a:lnRef>
+            <a:fillRef idx="1">
+              <a:schemeClr val="accent1"/>
+            </a:fillRef>
+            <a:effectRef idx="0">
+              <a:schemeClr val="accent1"/>
+            </a:effectRef>
+            <a:fontRef idx="minor">
+              <a:schemeClr val="lt1"/>
+            </a:fontRef>
+          </p:style>
+          <p:txBody>
+            <a:bodyPr rtlCol="0" anchor="ctr"/>
+            <a:lstStyle/>
+            <a:p>
+              <a:pPr algn="ctr"/>
+              <a:endParaRPr lang="zh-TW" altLang="en-US"/>
+            </a:p>
+          </p:txBody>
+        </p:sp>
+        <p:cxnSp>
+          <p:nvCxnSpPr>
+            <p:cNvPr id="56" name="直線接點 55"/>
+            <p:cNvCxnSpPr/>
+            <p:nvPr/>
+          </p:nvCxnSpPr>
+          <p:spPr>
+            <a:xfrm>
+              <a:off x="0" y="1328094"/>
+              <a:ext cx="12187998" cy="4457674"/>
+            </a:xfrm>
+            <a:prstGeom prst="line">
+              <a:avLst/>
+            </a:prstGeom>
+            <a:ln>
+              <a:solidFill>
+                <a:schemeClr val="tx1"/>
+              </a:solidFill>
+            </a:ln>
+          </p:spPr>
+          <p:style>
+            <a:lnRef idx="1">
+              <a:schemeClr val="accent1"/>
+            </a:lnRef>
+            <a:fillRef idx="0">
+              <a:schemeClr val="accent1"/>
+            </a:fillRef>
+            <a:effectRef idx="0">
+              <a:schemeClr val="accent1"/>
+            </a:effectRef>
+            <a:fontRef idx="minor">
+              <a:schemeClr val="tx1"/>
+            </a:fontRef>
+          </p:style>
+        </p:cxnSp>
+        <p:cxnSp>
+          <p:nvCxnSpPr>
+            <p:cNvPr id="57" name="直線接點 56"/>
+            <p:cNvCxnSpPr/>
+            <p:nvPr/>
+          </p:nvCxnSpPr>
+          <p:spPr>
+            <a:xfrm flipH="1">
+              <a:off x="0" y="1321272"/>
+              <a:ext cx="12195175" cy="4464496"/>
+            </a:xfrm>
+            <a:prstGeom prst="line">
+              <a:avLst/>
+            </a:prstGeom>
+            <a:ln>
+              <a:solidFill>
+                <a:schemeClr val="tx1"/>
+              </a:solidFill>
+            </a:ln>
+          </p:spPr>
+          <p:style>
+            <a:lnRef idx="1">
+              <a:schemeClr val="accent1"/>
+            </a:lnRef>
+            <a:fillRef idx="0">
+              <a:schemeClr val="accent1"/>
+            </a:fillRef>
+            <a:effectRef idx="0">
+              <a:schemeClr val="accent1"/>
+            </a:effectRef>
+            <a:fontRef idx="minor">
+              <a:schemeClr val="tx1"/>
+            </a:fontRef>
+          </p:style>
+        </p:cxnSp>
+      </p:grpSp>
+      <p:sp>
+        <p:nvSpPr>
+          <p:cNvPr id="58" name="矩形 57"/>
+          <p:cNvSpPr/>
+          <p:nvPr/>
+        </p:nvSpPr>
+        <p:spPr>
+          <a:xfrm>
+            <a:off x="13232391" y="2295318"/>
+            <a:ext cx="1975008" cy="840922"/>
+          </a:xfrm>
+          <a:prstGeom prst="rect">
+            <a:avLst/>
+          </a:prstGeom>
+          <a:noFill/>
+        </p:spPr>
+        <p:style>
+          <a:lnRef idx="2">
+            <a:schemeClr val="accent1">
+              <a:shade val="50000"/>
+            </a:schemeClr>
+          </a:lnRef>
+          <a:fillRef idx="1">
+            <a:schemeClr val="accent1"/>
+          </a:fillRef>
+          <a:effectRef idx="0">
+            <a:schemeClr val="accent1"/>
+          </a:effectRef>
+          <a:fontRef idx="minor">
+            <a:schemeClr val="lt1"/>
+          </a:fontRef>
+        </p:style>
+        <p:txBody>
+          <a:bodyPr rtlCol="0" anchor="ctr"/>
+          <a:lstStyle/>
+          <a:p>
+            <a:pPr algn="ctr"/>
+            <a:r>
+              <a:rPr lang="en-US" altLang="zh-TW" dirty="0" smtClean="0">
+                <a:solidFill>
+                  <a:schemeClr val="tx1"/>
+                </a:solidFill>
+              </a:rPr>
+              <a:t>HOME</a:t>
+            </a:r>
+            <a:endParaRPr lang="zh-TW" altLang="en-US" dirty="0">
+              <a:solidFill>
+                <a:schemeClr val="tx1"/>
+              </a:solidFill>
+            </a:endParaRPr>
+          </a:p>
+        </p:txBody>
+      </p:sp>
+      <p:sp>
+        <p:nvSpPr>
+          <p:cNvPr id="59" name="矩形 58"/>
+          <p:cNvSpPr/>
+          <p:nvPr/>
+        </p:nvSpPr>
+        <p:spPr>
+          <a:xfrm>
+            <a:off x="13246918" y="3586693"/>
+            <a:ext cx="1975008" cy="840922"/>
+          </a:xfrm>
+          <a:prstGeom prst="rect">
+            <a:avLst/>
+          </a:prstGeom>
+          <a:noFill/>
+        </p:spPr>
+        <p:style>
+          <a:lnRef idx="2">
+            <a:schemeClr val="accent1">
+              <a:shade val="50000"/>
+            </a:schemeClr>
+          </a:lnRef>
+          <a:fillRef idx="1">
+            <a:schemeClr val="accent1"/>
+          </a:fillRef>
+          <a:effectRef idx="0">
+            <a:schemeClr val="accent1"/>
+          </a:effectRef>
+          <a:fontRef idx="minor">
+            <a:schemeClr val="lt1"/>
+          </a:fontRef>
+        </p:style>
+        <p:txBody>
+          <a:bodyPr rtlCol="0" anchor="ctr"/>
+          <a:lstStyle/>
+          <a:p>
+            <a:pPr algn="ctr"/>
+            <a:r>
+              <a:rPr lang="en-US" altLang="zh-TW" dirty="0" smtClean="0">
+                <a:solidFill>
+                  <a:schemeClr val="tx1"/>
+                </a:solidFill>
+              </a:rPr>
+              <a:t>HOME</a:t>
+            </a:r>
+            <a:endParaRPr lang="zh-TW" altLang="en-US" dirty="0">
+              <a:solidFill>
+                <a:schemeClr val="tx1"/>
+              </a:solidFill>
+            </a:endParaRPr>
+          </a:p>
+        </p:txBody>
+      </p:sp>
+    </p:spTree>
+    <p:extLst>
+      <p:ext uri="{BB962C8B-B14F-4D97-AF65-F5344CB8AC3E}">
+        <p14:creationId xmlns:p14="http://schemas.microsoft.com/office/powerpoint/2010/main" val="3100140722"/>
+      </p:ext>
+    </p:extLst>
+  </p:cSld>
+  <p:clrMapOvr>
+    <a:masterClrMapping/>
+  </p:clrMapOvr>
+</p:sld>
+</file>
+
+<file path=ppt/slides/slide5.xml><?xml version="1.0" encoding="utf-8"?>
+<p:sld xmlns:a="http://schemas.openxmlformats.org/drawingml/2006/main" xmlns:r="http://schemas.openxmlformats.org/officeDocument/2006/relationships" xmlns:p="http://schemas.openxmlformats.org/presentationml/2006/main">
+  <p:cSld>
+    <p:spTree>
+      <p:nvGrpSpPr>
+        <p:cNvPr id="1" name=""/>
+        <p:cNvGrpSpPr/>
+        <p:nvPr/>
+      </p:nvGrpSpPr>
+      <p:grpSpPr>
+        <a:xfrm>
+          <a:off x="0" y="0"/>
+          <a:ext cx="0" cy="0"/>
+          <a:chOff x="0" y="0"/>
+          <a:chExt cx="0" cy="0"/>
+        </a:xfrm>
+      </p:grpSpPr>
+      <p:grpSp>
+        <p:nvGrpSpPr>
+          <p:cNvPr id="17" name="群組 16"/>
+          <p:cNvGrpSpPr/>
+          <p:nvPr/>
+        </p:nvGrpSpPr>
+        <p:grpSpPr>
+          <a:xfrm>
+            <a:off x="456540" y="0"/>
+            <a:ext cx="11237913" cy="15764664"/>
+            <a:chOff x="349571" y="-9480"/>
+            <a:chExt cx="11237913" cy="15764664"/>
+          </a:xfrm>
+          <a:solidFill>
+            <a:schemeClr val="bg2"/>
+          </a:solidFill>
+        </p:grpSpPr>
+        <p:sp>
+          <p:nvSpPr>
+            <p:cNvPr id="18" name="矩形 17"/>
+            <p:cNvSpPr/>
+            <p:nvPr/>
+          </p:nvSpPr>
+          <p:spPr>
+            <a:xfrm>
+              <a:off x="349571" y="0"/>
+              <a:ext cx="630000" cy="15748000"/>
+            </a:xfrm>
+            <a:prstGeom prst="rect">
+              <a:avLst/>
+            </a:prstGeom>
+            <a:grpFill/>
+            <a:ln>
+              <a:noFill/>
+            </a:ln>
+          </p:spPr>
+          <p:style>
+            <a:lnRef idx="2">
+              <a:schemeClr val="accent1">
+                <a:shade val="50000"/>
+              </a:schemeClr>
+            </a:lnRef>
+            <a:fillRef idx="1">
+              <a:schemeClr val="accent1"/>
+            </a:fillRef>
+            <a:effectRef idx="0">
+              <a:schemeClr val="accent1"/>
+            </a:effectRef>
+            <a:fontRef idx="minor">
+              <a:schemeClr val="lt1"/>
+            </a:fontRef>
+          </p:style>
+          <p:txBody>
+            <a:bodyPr rtlCol="0" anchor="ctr"/>
+            <a:lstStyle/>
+            <a:p>
+              <a:pPr algn="ctr"/>
+              <a:endParaRPr lang="zh-TW" altLang="en-US">
+                <a:solidFill>
+                  <a:schemeClr val="tx2">
+                    <a:lumMod val="20000"/>
+                    <a:lumOff val="80000"/>
+                  </a:schemeClr>
+                </a:solidFill>
+              </a:endParaRPr>
+            </a:p>
+          </p:txBody>
+        </p:sp>
+        <p:sp>
+          <p:nvSpPr>
+            <p:cNvPr id="19" name="矩形 18"/>
+            <p:cNvSpPr/>
+            <p:nvPr/>
+          </p:nvSpPr>
+          <p:spPr>
+            <a:xfrm>
+              <a:off x="1293844" y="0"/>
+              <a:ext cx="630000" cy="15748000"/>
+            </a:xfrm>
+            <a:prstGeom prst="rect">
+              <a:avLst/>
+            </a:prstGeom>
+            <a:grpFill/>
+            <a:ln>
+              <a:noFill/>
+            </a:ln>
+          </p:spPr>
+          <p:style>
+            <a:lnRef idx="2">
+              <a:schemeClr val="accent1">
+                <a:shade val="50000"/>
+              </a:schemeClr>
+            </a:lnRef>
+            <a:fillRef idx="1">
+              <a:schemeClr val="accent1"/>
+            </a:fillRef>
+            <a:effectRef idx="0">
+              <a:schemeClr val="accent1"/>
+            </a:effectRef>
+            <a:fontRef idx="minor">
+              <a:schemeClr val="lt1"/>
+            </a:fontRef>
+          </p:style>
+          <p:txBody>
+            <a:bodyPr rtlCol="0" anchor="ctr"/>
+            <a:lstStyle/>
+            <a:p>
+              <a:pPr algn="ctr"/>
+              <a:endParaRPr lang="zh-TW" altLang="en-US">
+                <a:solidFill>
+                  <a:schemeClr val="tx2">
+                    <a:lumMod val="20000"/>
+                    <a:lumOff val="80000"/>
+                  </a:schemeClr>
+                </a:solidFill>
+              </a:endParaRPr>
+            </a:p>
+          </p:txBody>
+        </p:sp>
+        <p:sp>
+          <p:nvSpPr>
+            <p:cNvPr id="20" name="矩形 19"/>
+            <p:cNvSpPr/>
+            <p:nvPr/>
+          </p:nvSpPr>
+          <p:spPr>
+            <a:xfrm>
+              <a:off x="2260208" y="-9480"/>
+              <a:ext cx="630000" cy="15748000"/>
+            </a:xfrm>
+            <a:prstGeom prst="rect">
+              <a:avLst/>
+            </a:prstGeom>
+            <a:grpFill/>
+            <a:ln>
+              <a:noFill/>
+            </a:ln>
+          </p:spPr>
+          <p:style>
+            <a:lnRef idx="2">
+              <a:schemeClr val="accent1">
+                <a:shade val="50000"/>
+              </a:schemeClr>
+            </a:lnRef>
+            <a:fillRef idx="1">
+              <a:schemeClr val="accent1"/>
+            </a:fillRef>
+            <a:effectRef idx="0">
+              <a:schemeClr val="accent1"/>
+            </a:effectRef>
+            <a:fontRef idx="minor">
+              <a:schemeClr val="lt1"/>
+            </a:fontRef>
+          </p:style>
+          <p:txBody>
+            <a:bodyPr rtlCol="0" anchor="ctr"/>
+            <a:lstStyle/>
+            <a:p>
+              <a:pPr algn="ctr"/>
+              <a:endParaRPr lang="zh-TW" altLang="en-US">
+                <a:solidFill>
+                  <a:schemeClr val="tx2">
+                    <a:lumMod val="20000"/>
+                    <a:lumOff val="80000"/>
+                  </a:schemeClr>
+                </a:solidFill>
+              </a:endParaRPr>
+            </a:p>
+          </p:txBody>
+        </p:sp>
+        <p:sp>
+          <p:nvSpPr>
+            <p:cNvPr id="21" name="矩形 20"/>
+            <p:cNvSpPr/>
+            <p:nvPr/>
+          </p:nvSpPr>
+          <p:spPr>
+            <a:xfrm>
+              <a:off x="3226572" y="7184"/>
+              <a:ext cx="630000" cy="15748000"/>
+            </a:xfrm>
+            <a:prstGeom prst="rect">
+              <a:avLst/>
+            </a:prstGeom>
+            <a:grpFill/>
+            <a:ln>
+              <a:noFill/>
+            </a:ln>
+          </p:spPr>
+          <p:style>
+            <a:lnRef idx="2">
+              <a:schemeClr val="accent1">
+                <a:shade val="50000"/>
+              </a:schemeClr>
+            </a:lnRef>
+            <a:fillRef idx="1">
+              <a:schemeClr val="accent1"/>
+            </a:fillRef>
+            <a:effectRef idx="0">
+              <a:schemeClr val="accent1"/>
+            </a:effectRef>
+            <a:fontRef idx="minor">
+              <a:schemeClr val="lt1"/>
+            </a:fontRef>
+          </p:style>
+          <p:txBody>
+            <a:bodyPr rtlCol="0" anchor="ctr"/>
+            <a:lstStyle/>
+            <a:p>
+              <a:pPr algn="ctr"/>
+              <a:endParaRPr lang="zh-TW" altLang="en-US">
+                <a:solidFill>
+                  <a:schemeClr val="tx2">
+                    <a:lumMod val="20000"/>
+                    <a:lumOff val="80000"/>
+                  </a:schemeClr>
+                </a:solidFill>
+              </a:endParaRPr>
+            </a:p>
+          </p:txBody>
+        </p:sp>
+        <p:sp>
+          <p:nvSpPr>
+            <p:cNvPr id="22" name="矩形 21"/>
+            <p:cNvSpPr/>
+            <p:nvPr/>
+          </p:nvSpPr>
+          <p:spPr>
+            <a:xfrm>
+              <a:off x="8058392" y="-9480"/>
+              <a:ext cx="630000" cy="15748000"/>
+            </a:xfrm>
+            <a:prstGeom prst="rect">
+              <a:avLst/>
+            </a:prstGeom>
+            <a:grpFill/>
+            <a:ln>
+              <a:noFill/>
+            </a:ln>
+          </p:spPr>
+          <p:style>
+            <a:lnRef idx="2">
+              <a:schemeClr val="accent1">
+                <a:shade val="50000"/>
+              </a:schemeClr>
+            </a:lnRef>
+            <a:fillRef idx="1">
+              <a:schemeClr val="accent1"/>
+            </a:fillRef>
+            <a:effectRef idx="0">
+              <a:schemeClr val="accent1"/>
+            </a:effectRef>
+            <a:fontRef idx="minor">
+              <a:schemeClr val="lt1"/>
+            </a:fontRef>
+          </p:style>
+          <p:txBody>
+            <a:bodyPr rtlCol="0" anchor="ctr"/>
+            <a:lstStyle/>
+            <a:p>
+              <a:pPr algn="ctr"/>
+              <a:endParaRPr lang="zh-TW" altLang="en-US">
+                <a:solidFill>
+                  <a:schemeClr val="tx2">
+                    <a:lumMod val="20000"/>
+                    <a:lumOff val="80000"/>
+                  </a:schemeClr>
+                </a:solidFill>
+              </a:endParaRPr>
+            </a:p>
+          </p:txBody>
+        </p:sp>
+        <p:sp>
+          <p:nvSpPr>
+            <p:cNvPr id="23" name="矩形 22"/>
+            <p:cNvSpPr/>
+            <p:nvPr/>
+          </p:nvSpPr>
+          <p:spPr>
+            <a:xfrm>
+              <a:off x="9024756" y="-9480"/>
+              <a:ext cx="630000" cy="15748000"/>
+            </a:xfrm>
+            <a:prstGeom prst="rect">
+              <a:avLst/>
+            </a:prstGeom>
+            <a:grpFill/>
+            <a:ln>
+              <a:noFill/>
+            </a:ln>
+          </p:spPr>
+          <p:style>
+            <a:lnRef idx="2">
+              <a:schemeClr val="accent1">
+                <a:shade val="50000"/>
+              </a:schemeClr>
+            </a:lnRef>
+            <a:fillRef idx="1">
+              <a:schemeClr val="accent1"/>
+            </a:fillRef>
+            <a:effectRef idx="0">
+              <a:schemeClr val="accent1"/>
+            </a:effectRef>
+            <a:fontRef idx="minor">
+              <a:schemeClr val="lt1"/>
+            </a:fontRef>
+          </p:style>
+          <p:txBody>
+            <a:bodyPr rtlCol="0" anchor="ctr"/>
+            <a:lstStyle/>
+            <a:p>
+              <a:pPr algn="ctr"/>
+              <a:endParaRPr lang="zh-TW" altLang="en-US">
+                <a:solidFill>
+                  <a:schemeClr val="tx2">
+                    <a:lumMod val="20000"/>
+                    <a:lumOff val="80000"/>
+                  </a:schemeClr>
+                </a:solidFill>
+              </a:endParaRPr>
+            </a:p>
+          </p:txBody>
+        </p:sp>
+        <p:sp>
+          <p:nvSpPr>
+            <p:cNvPr id="24" name="矩形 23"/>
+            <p:cNvSpPr/>
+            <p:nvPr/>
+          </p:nvSpPr>
+          <p:spPr>
+            <a:xfrm>
+              <a:off x="9991120" y="-9480"/>
+              <a:ext cx="630000" cy="15748000"/>
+            </a:xfrm>
+            <a:prstGeom prst="rect">
+              <a:avLst/>
+            </a:prstGeom>
+            <a:grpFill/>
+            <a:ln>
+              <a:noFill/>
+            </a:ln>
+          </p:spPr>
+          <p:style>
+            <a:lnRef idx="2">
+              <a:schemeClr val="accent1">
+                <a:shade val="50000"/>
+              </a:schemeClr>
+            </a:lnRef>
+            <a:fillRef idx="1">
+              <a:schemeClr val="accent1"/>
+            </a:fillRef>
+            <a:effectRef idx="0">
+              <a:schemeClr val="accent1"/>
+            </a:effectRef>
+            <a:fontRef idx="minor">
+              <a:schemeClr val="lt1"/>
+            </a:fontRef>
+          </p:style>
+          <p:txBody>
+            <a:bodyPr rtlCol="0" anchor="ctr"/>
+            <a:lstStyle/>
+            <a:p>
+              <a:pPr algn="ctr"/>
+              <a:endParaRPr lang="zh-TW" altLang="en-US">
+                <a:solidFill>
+                  <a:schemeClr val="tx2">
+                    <a:lumMod val="20000"/>
+                    <a:lumOff val="80000"/>
+                  </a:schemeClr>
+                </a:solidFill>
+              </a:endParaRPr>
+            </a:p>
+          </p:txBody>
+        </p:sp>
+        <p:sp>
+          <p:nvSpPr>
+            <p:cNvPr id="25" name="矩形 24"/>
+            <p:cNvSpPr/>
+            <p:nvPr/>
+          </p:nvSpPr>
+          <p:spPr>
+            <a:xfrm>
+              <a:off x="10957484" y="-9480"/>
+              <a:ext cx="630000" cy="15748000"/>
+            </a:xfrm>
+            <a:prstGeom prst="rect">
+              <a:avLst/>
+            </a:prstGeom>
+            <a:grpFill/>
+            <a:ln>
+              <a:noFill/>
+            </a:ln>
+          </p:spPr>
+          <p:style>
+            <a:lnRef idx="2">
+              <a:schemeClr val="accent1">
+                <a:shade val="50000"/>
+              </a:schemeClr>
+            </a:lnRef>
+            <a:fillRef idx="1">
+              <a:schemeClr val="accent1"/>
+            </a:fillRef>
+            <a:effectRef idx="0">
+              <a:schemeClr val="accent1"/>
+            </a:effectRef>
+            <a:fontRef idx="minor">
+              <a:schemeClr val="lt1"/>
+            </a:fontRef>
+          </p:style>
+          <p:txBody>
+            <a:bodyPr rtlCol="0" anchor="ctr"/>
+            <a:lstStyle/>
+            <a:p>
+              <a:pPr algn="ctr"/>
+              <a:endParaRPr lang="zh-TW" altLang="en-US">
+                <a:solidFill>
+                  <a:schemeClr val="tx2">
+                    <a:lumMod val="20000"/>
+                    <a:lumOff val="80000"/>
+                  </a:schemeClr>
+                </a:solidFill>
+              </a:endParaRPr>
+            </a:p>
+          </p:txBody>
+        </p:sp>
+        <p:sp>
+          <p:nvSpPr>
+            <p:cNvPr id="26" name="矩形 25"/>
+            <p:cNvSpPr/>
+            <p:nvPr/>
+          </p:nvSpPr>
+          <p:spPr>
+            <a:xfrm>
+              <a:off x="4192936" y="-9480"/>
+              <a:ext cx="630000" cy="15748000"/>
+            </a:xfrm>
+            <a:prstGeom prst="rect">
+              <a:avLst/>
+            </a:prstGeom>
+            <a:grpFill/>
+            <a:ln>
+              <a:noFill/>
+            </a:ln>
+          </p:spPr>
+          <p:style>
+            <a:lnRef idx="2">
+              <a:schemeClr val="accent1">
+                <a:shade val="50000"/>
+              </a:schemeClr>
+            </a:lnRef>
+            <a:fillRef idx="1">
+              <a:schemeClr val="accent1"/>
+            </a:fillRef>
+            <a:effectRef idx="0">
+              <a:schemeClr val="accent1"/>
+            </a:effectRef>
+            <a:fontRef idx="minor">
+              <a:schemeClr val="lt1"/>
+            </a:fontRef>
+          </p:style>
+          <p:txBody>
+            <a:bodyPr rtlCol="0" anchor="ctr"/>
+            <a:lstStyle/>
+            <a:p>
+              <a:pPr algn="ctr"/>
+              <a:endParaRPr lang="zh-TW" altLang="en-US">
+                <a:solidFill>
+                  <a:schemeClr val="tx2">
+                    <a:lumMod val="20000"/>
+                    <a:lumOff val="80000"/>
+                  </a:schemeClr>
+                </a:solidFill>
+              </a:endParaRPr>
+            </a:p>
+          </p:txBody>
+        </p:sp>
+        <p:sp>
+          <p:nvSpPr>
+            <p:cNvPr id="27" name="矩形 26"/>
+            <p:cNvSpPr/>
+            <p:nvPr/>
+          </p:nvSpPr>
+          <p:spPr>
+            <a:xfrm>
+              <a:off x="5159300" y="-9480"/>
+              <a:ext cx="630000" cy="15748000"/>
+            </a:xfrm>
+            <a:prstGeom prst="rect">
+              <a:avLst/>
+            </a:prstGeom>
+            <a:grpFill/>
+            <a:ln>
+              <a:noFill/>
+            </a:ln>
+          </p:spPr>
+          <p:style>
+            <a:lnRef idx="2">
+              <a:schemeClr val="accent1">
+                <a:shade val="50000"/>
+              </a:schemeClr>
+            </a:lnRef>
+            <a:fillRef idx="1">
+              <a:schemeClr val="accent1"/>
+            </a:fillRef>
+            <a:effectRef idx="0">
+              <a:schemeClr val="accent1"/>
+            </a:effectRef>
+            <a:fontRef idx="minor">
+              <a:schemeClr val="lt1"/>
+            </a:fontRef>
+          </p:style>
+          <p:txBody>
+            <a:bodyPr rtlCol="0" anchor="ctr"/>
+            <a:lstStyle/>
+            <a:p>
+              <a:pPr algn="ctr"/>
+              <a:endParaRPr lang="zh-TW" altLang="en-US">
+                <a:solidFill>
+                  <a:schemeClr val="tx2">
+                    <a:lumMod val="20000"/>
+                    <a:lumOff val="80000"/>
+                  </a:schemeClr>
+                </a:solidFill>
+              </a:endParaRPr>
+            </a:p>
+          </p:txBody>
+        </p:sp>
+        <p:sp>
+          <p:nvSpPr>
+            <p:cNvPr id="28" name="矩形 27"/>
+            <p:cNvSpPr/>
+            <p:nvPr/>
+          </p:nvSpPr>
+          <p:spPr>
+            <a:xfrm>
+              <a:off x="6125664" y="-9480"/>
+              <a:ext cx="630000" cy="15748000"/>
+            </a:xfrm>
+            <a:prstGeom prst="rect">
+              <a:avLst/>
+            </a:prstGeom>
+            <a:grpFill/>
+            <a:ln>
+              <a:noFill/>
+            </a:ln>
+          </p:spPr>
+          <p:style>
+            <a:lnRef idx="2">
+              <a:schemeClr val="accent1">
+                <a:shade val="50000"/>
+              </a:schemeClr>
+            </a:lnRef>
+            <a:fillRef idx="1">
+              <a:schemeClr val="accent1"/>
+            </a:fillRef>
+            <a:effectRef idx="0">
+              <a:schemeClr val="accent1"/>
+            </a:effectRef>
+            <a:fontRef idx="minor">
+              <a:schemeClr val="lt1"/>
+            </a:fontRef>
+          </p:style>
+          <p:txBody>
+            <a:bodyPr rtlCol="0" anchor="ctr"/>
+            <a:lstStyle/>
+            <a:p>
+              <a:pPr algn="ctr"/>
+              <a:endParaRPr lang="zh-TW" altLang="en-US">
+                <a:solidFill>
+                  <a:schemeClr val="tx2">
+                    <a:lumMod val="20000"/>
+                    <a:lumOff val="80000"/>
+                  </a:schemeClr>
+                </a:solidFill>
+              </a:endParaRPr>
+            </a:p>
+          </p:txBody>
+        </p:sp>
+        <p:sp>
+          <p:nvSpPr>
+            <p:cNvPr id="29" name="矩形 28"/>
+            <p:cNvSpPr/>
+            <p:nvPr/>
+          </p:nvSpPr>
+          <p:spPr>
+            <a:xfrm>
+              <a:off x="7092028" y="-9480"/>
+              <a:ext cx="630000" cy="15748000"/>
+            </a:xfrm>
+            <a:prstGeom prst="rect">
+              <a:avLst/>
+            </a:prstGeom>
+            <a:grpFill/>
+            <a:ln>
+              <a:noFill/>
+            </a:ln>
+          </p:spPr>
+          <p:style>
+            <a:lnRef idx="2">
+              <a:schemeClr val="accent1">
+                <a:shade val="50000"/>
+              </a:schemeClr>
+            </a:lnRef>
+            <a:fillRef idx="1">
+              <a:schemeClr val="accent1"/>
+            </a:fillRef>
+            <a:effectRef idx="0">
+              <a:schemeClr val="accent1"/>
+            </a:effectRef>
+            <a:fontRef idx="minor">
+              <a:schemeClr val="lt1"/>
+            </a:fontRef>
+          </p:style>
+          <p:txBody>
+            <a:bodyPr rtlCol="0" anchor="ctr"/>
+            <a:lstStyle/>
+            <a:p>
+              <a:pPr algn="ctr"/>
+              <a:endParaRPr lang="zh-TW" altLang="en-US">
+                <a:solidFill>
+                  <a:schemeClr val="tx2">
+                    <a:lumMod val="20000"/>
+                    <a:lumOff val="80000"/>
+                  </a:schemeClr>
+                </a:solidFill>
+              </a:endParaRPr>
+            </a:p>
+          </p:txBody>
+        </p:sp>
+      </p:grpSp>
+      <p:grpSp>
+        <p:nvGrpSpPr>
+          <p:cNvPr id="30" name="群組 29"/>
+          <p:cNvGrpSpPr/>
+          <p:nvPr/>
+        </p:nvGrpSpPr>
+        <p:grpSpPr>
+          <a:xfrm>
+            <a:off x="547674" y="-2736"/>
+            <a:ext cx="3529092" cy="1321272"/>
+            <a:chOff x="0" y="1321272"/>
+            <a:chExt cx="12195175" cy="4464496"/>
+          </a:xfrm>
+        </p:grpSpPr>
+        <p:sp>
+          <p:nvSpPr>
+            <p:cNvPr id="31" name="矩形 30"/>
+            <p:cNvSpPr/>
+            <p:nvPr/>
+          </p:nvSpPr>
+          <p:spPr>
+            <a:xfrm>
+              <a:off x="0" y="1321272"/>
+              <a:ext cx="12187998" cy="4464496"/>
+            </a:xfrm>
+            <a:prstGeom prst="rect">
+              <a:avLst/>
+            </a:prstGeom>
+            <a:noFill/>
+            <a:ln>
+              <a:solidFill>
+                <a:schemeClr val="tx1"/>
+              </a:solidFill>
+            </a:ln>
+          </p:spPr>
+          <p:style>
+            <a:lnRef idx="2">
+              <a:schemeClr val="accent1">
+                <a:shade val="50000"/>
+              </a:schemeClr>
+            </a:lnRef>
+            <a:fillRef idx="1">
+              <a:schemeClr val="accent1"/>
+            </a:fillRef>
+            <a:effectRef idx="0">
+              <a:schemeClr val="accent1"/>
+            </a:effectRef>
+            <a:fontRef idx="minor">
+              <a:schemeClr val="lt1"/>
+            </a:fontRef>
+          </p:style>
+          <p:txBody>
+            <a:bodyPr rtlCol="0" anchor="ctr"/>
+            <a:lstStyle/>
+            <a:p>
+              <a:pPr algn="ctr"/>
+              <a:endParaRPr lang="zh-TW" altLang="en-US"/>
+            </a:p>
+          </p:txBody>
+        </p:sp>
+        <p:cxnSp>
+          <p:nvCxnSpPr>
+            <p:cNvPr id="32" name="直線接點 31"/>
+            <p:cNvCxnSpPr/>
+            <p:nvPr/>
+          </p:nvCxnSpPr>
+          <p:spPr>
+            <a:xfrm>
+              <a:off x="0" y="1328094"/>
+              <a:ext cx="12187998" cy="4457674"/>
+            </a:xfrm>
+            <a:prstGeom prst="line">
+              <a:avLst/>
+            </a:prstGeom>
+            <a:ln>
+              <a:solidFill>
+                <a:schemeClr val="tx1"/>
+              </a:solidFill>
+            </a:ln>
+          </p:spPr>
+          <p:style>
+            <a:lnRef idx="1">
+              <a:schemeClr val="accent1"/>
+            </a:lnRef>
+            <a:fillRef idx="0">
+              <a:schemeClr val="accent1"/>
+            </a:fillRef>
+            <a:effectRef idx="0">
+              <a:schemeClr val="accent1"/>
+            </a:effectRef>
+            <a:fontRef idx="minor">
+              <a:schemeClr val="tx1"/>
+            </a:fontRef>
+          </p:style>
+        </p:cxnSp>
+        <p:cxnSp>
+          <p:nvCxnSpPr>
+            <p:cNvPr id="33" name="直線接點 32"/>
+            <p:cNvCxnSpPr/>
+            <p:nvPr/>
+          </p:nvCxnSpPr>
+          <p:spPr>
+            <a:xfrm flipH="1">
+              <a:off x="0" y="1321272"/>
+              <a:ext cx="12195175" cy="4464496"/>
+            </a:xfrm>
+            <a:prstGeom prst="line">
+              <a:avLst/>
+            </a:prstGeom>
+            <a:ln>
+              <a:solidFill>
+                <a:schemeClr val="tx1"/>
+              </a:solidFill>
+            </a:ln>
+          </p:spPr>
+          <p:style>
+            <a:lnRef idx="1">
+              <a:schemeClr val="accent1"/>
+            </a:lnRef>
+            <a:fillRef idx="0">
+              <a:schemeClr val="accent1"/>
+            </a:fillRef>
+            <a:effectRef idx="0">
+              <a:schemeClr val="accent1"/>
+            </a:effectRef>
+            <a:fontRef idx="minor">
+              <a:schemeClr val="tx1"/>
+            </a:fontRef>
+          </p:style>
+        </p:cxnSp>
+      </p:grpSp>
+      <p:cxnSp>
+        <p:nvCxnSpPr>
+          <p:cNvPr id="34" name="直線接點 33"/>
+          <p:cNvCxnSpPr/>
+          <p:nvPr/>
+        </p:nvCxnSpPr>
+        <p:spPr>
+          <a:xfrm>
+            <a:off x="-34176" y="1326113"/>
+            <a:ext cx="12195175" cy="0"/>
+          </a:xfrm>
+          <a:prstGeom prst="line">
+            <a:avLst/>
+          </a:prstGeom>
+          <a:ln>
+            <a:solidFill>
+              <a:schemeClr val="tx1"/>
+            </a:solidFill>
+          </a:ln>
+        </p:spPr>
+        <p:style>
+          <a:lnRef idx="1">
+            <a:schemeClr val="accent1"/>
+          </a:lnRef>
+          <a:fillRef idx="0">
+            <a:schemeClr val="accent1"/>
+          </a:fillRef>
+          <a:effectRef idx="0">
+            <a:schemeClr val="accent1"/>
+          </a:effectRef>
+          <a:fontRef idx="minor">
+            <a:schemeClr val="tx1"/>
+          </a:fontRef>
+        </p:style>
+      </p:cxnSp>
+      <p:sp>
+        <p:nvSpPr>
+          <p:cNvPr id="35" name="矩形 34"/>
+          <p:cNvSpPr/>
+          <p:nvPr/>
+        </p:nvSpPr>
+        <p:spPr>
+          <a:xfrm>
+            <a:off x="10098089" y="358867"/>
+            <a:ext cx="1574274" cy="598066"/>
+          </a:xfrm>
+          <a:prstGeom prst="rect">
+            <a:avLst/>
+          </a:prstGeom>
+          <a:noFill/>
+        </p:spPr>
+        <p:style>
+          <a:lnRef idx="2">
+            <a:schemeClr val="accent1">
+              <a:shade val="50000"/>
+            </a:schemeClr>
+          </a:lnRef>
+          <a:fillRef idx="1">
+            <a:schemeClr val="accent1"/>
+          </a:fillRef>
+          <a:effectRef idx="0">
+            <a:schemeClr val="accent1"/>
+          </a:effectRef>
+          <a:fontRef idx="minor">
+            <a:schemeClr val="lt1"/>
+          </a:fontRef>
+        </p:style>
+        <p:txBody>
+          <a:bodyPr rtlCol="0" anchor="ctr"/>
+          <a:lstStyle/>
+          <a:p>
+            <a:pPr algn="ctr"/>
+            <a:r>
+              <a:rPr lang="zh-TW" altLang="en-US" dirty="0" smtClean="0">
+                <a:solidFill>
+                  <a:schemeClr val="tx1"/>
+                </a:solidFill>
+              </a:rPr>
+              <a:t>漢堡</a:t>
+            </a:r>
+            <a:endParaRPr lang="zh-TW" altLang="en-US" dirty="0">
+              <a:solidFill>
+                <a:schemeClr val="tx1"/>
+              </a:solidFill>
+            </a:endParaRPr>
+          </a:p>
+        </p:txBody>
+      </p:sp>
+      <p:sp>
+        <p:nvSpPr>
+          <p:cNvPr id="37" name="矩形 36"/>
+          <p:cNvSpPr/>
+          <p:nvPr/>
+        </p:nvSpPr>
+        <p:spPr>
+          <a:xfrm>
+            <a:off x="480963" y="1903391"/>
+            <a:ext cx="5461820" cy="655570"/>
+          </a:xfrm>
+          <a:prstGeom prst="rect">
+            <a:avLst/>
+          </a:prstGeom>
+          <a:noFill/>
+        </p:spPr>
+        <p:style>
+          <a:lnRef idx="2">
+            <a:schemeClr val="accent1">
+              <a:shade val="50000"/>
+            </a:schemeClr>
+          </a:lnRef>
+          <a:fillRef idx="1">
+            <a:schemeClr val="accent1"/>
+          </a:fillRef>
+          <a:effectRef idx="0">
+            <a:schemeClr val="accent1"/>
+          </a:effectRef>
+          <a:fontRef idx="minor">
+            <a:schemeClr val="lt1"/>
+          </a:fontRef>
+        </p:style>
+        <p:txBody>
+          <a:bodyPr rtlCol="0" anchor="ctr"/>
+          <a:lstStyle/>
+          <a:p>
+            <a:pPr algn="ctr"/>
+            <a:r>
+              <a:rPr lang="zh-TW" altLang="en-US" dirty="0" smtClean="0">
+                <a:solidFill>
+                  <a:schemeClr val="tx1"/>
+                </a:solidFill>
+              </a:rPr>
+              <a:t>議題</a:t>
+            </a:r>
+            <a:r>
+              <a:rPr lang="zh-TW" altLang="en-US" dirty="0" smtClean="0">
+                <a:solidFill>
+                  <a:schemeClr val="tx1"/>
+                </a:solidFill>
+              </a:rPr>
+              <a:t>建立</a:t>
+            </a:r>
+            <a:r>
+              <a:rPr lang="en-US" altLang="zh-TW" dirty="0" smtClean="0">
+                <a:solidFill>
+                  <a:schemeClr val="tx1"/>
+                </a:solidFill>
+              </a:rPr>
+              <a:t>	</a:t>
+            </a:r>
+            <a:endParaRPr lang="zh-TW" altLang="en-US" dirty="0">
+              <a:solidFill>
+                <a:schemeClr val="tx1"/>
+              </a:solidFill>
+            </a:endParaRPr>
+          </a:p>
+        </p:txBody>
+      </p:sp>
+      <p:sp>
+        <p:nvSpPr>
+          <p:cNvPr id="38" name="矩形 37"/>
+          <p:cNvSpPr/>
+          <p:nvPr/>
+        </p:nvSpPr>
+        <p:spPr>
+          <a:xfrm>
+            <a:off x="480963" y="3136239"/>
+            <a:ext cx="7361412" cy="1281377"/>
+          </a:xfrm>
+          <a:prstGeom prst="rect">
+            <a:avLst/>
+          </a:prstGeom>
+          <a:noFill/>
+        </p:spPr>
+        <p:style>
+          <a:lnRef idx="2">
+            <a:schemeClr val="accent1">
+              <a:shade val="50000"/>
+            </a:schemeClr>
+          </a:lnRef>
+          <a:fillRef idx="1">
+            <a:schemeClr val="accent1"/>
+          </a:fillRef>
+          <a:effectRef idx="0">
+            <a:schemeClr val="accent1"/>
+          </a:effectRef>
+          <a:fontRef idx="minor">
+            <a:schemeClr val="lt1"/>
+          </a:fontRef>
+        </p:style>
+        <p:txBody>
+          <a:bodyPr rtlCol="0" anchor="ctr"/>
+          <a:lstStyle/>
+          <a:p>
+            <a:pPr algn="ctr"/>
+            <a:r>
+              <a:rPr lang="zh-TW" altLang="en-US" dirty="0">
+                <a:solidFill>
+                  <a:schemeClr val="tx1"/>
+                </a:solidFill>
+              </a:rPr>
+              <a:t>議題描述</a:t>
+            </a:r>
+            <a:r>
+              <a:rPr lang="en-US" altLang="zh-TW" dirty="0" smtClean="0">
+                <a:solidFill>
+                  <a:schemeClr val="tx1"/>
+                </a:solidFill>
+              </a:rPr>
+              <a:t>.</a:t>
+            </a:r>
+            <a:endParaRPr lang="zh-TW" altLang="en-US" dirty="0">
+              <a:solidFill>
+                <a:schemeClr val="tx1"/>
+              </a:solidFill>
+            </a:endParaRPr>
+          </a:p>
+        </p:txBody>
+      </p:sp>
+      <p:sp>
+        <p:nvSpPr>
+          <p:cNvPr id="39" name="矩形 38"/>
+          <p:cNvSpPr/>
+          <p:nvPr/>
+        </p:nvSpPr>
+        <p:spPr>
+          <a:xfrm>
+            <a:off x="-6717055" y="4427615"/>
+            <a:ext cx="1574274" cy="598066"/>
+          </a:xfrm>
+          <a:prstGeom prst="rect">
+            <a:avLst/>
+          </a:prstGeom>
+          <a:noFill/>
+        </p:spPr>
+        <p:style>
+          <a:lnRef idx="2">
+            <a:schemeClr val="accent1">
+              <a:shade val="50000"/>
+            </a:schemeClr>
+          </a:lnRef>
+          <a:fillRef idx="1">
+            <a:schemeClr val="accent1"/>
+          </a:fillRef>
+          <a:effectRef idx="0">
+            <a:schemeClr val="accent1"/>
+          </a:effectRef>
+          <a:fontRef idx="minor">
+            <a:schemeClr val="lt1"/>
+          </a:fontRef>
+        </p:style>
+        <p:txBody>
+          <a:bodyPr rtlCol="0" anchor="ctr"/>
+          <a:lstStyle/>
+          <a:p>
+            <a:pPr algn="ctr"/>
+            <a:endParaRPr lang="zh-TW" altLang="en-US">
+              <a:solidFill>
+                <a:schemeClr val="tx1"/>
+              </a:solidFill>
+            </a:endParaRPr>
+          </a:p>
+        </p:txBody>
+      </p:sp>
+      <p:cxnSp>
+        <p:nvCxnSpPr>
+          <p:cNvPr id="41" name="直線接點 40"/>
+          <p:cNvCxnSpPr/>
+          <p:nvPr/>
+        </p:nvCxnSpPr>
+        <p:spPr>
+          <a:xfrm>
+            <a:off x="-34176" y="7871936"/>
+            <a:ext cx="12195175" cy="0"/>
+          </a:xfrm>
+          <a:prstGeom prst="line">
+            <a:avLst/>
+          </a:prstGeom>
+          <a:ln>
+            <a:solidFill>
+              <a:schemeClr val="tx1"/>
+            </a:solidFill>
+          </a:ln>
+        </p:spPr>
+        <p:style>
+          <a:lnRef idx="1">
+            <a:schemeClr val="accent1"/>
+          </a:lnRef>
+          <a:fillRef idx="0">
+            <a:schemeClr val="accent1"/>
+          </a:fillRef>
+          <a:effectRef idx="0">
+            <a:schemeClr val="accent1"/>
+          </a:effectRef>
+          <a:fontRef idx="minor">
+            <a:schemeClr val="tx1"/>
+          </a:fontRef>
+        </p:style>
+      </p:cxnSp>
+      <p:sp>
+        <p:nvSpPr>
+          <p:cNvPr id="51" name="矩形 50"/>
+          <p:cNvSpPr/>
+          <p:nvPr/>
+        </p:nvSpPr>
+        <p:spPr>
+          <a:xfrm>
+            <a:off x="9153815" y="1838829"/>
+            <a:ext cx="2507502" cy="2641731"/>
+          </a:xfrm>
+          <a:prstGeom prst="rect">
+            <a:avLst/>
+          </a:prstGeom>
+          <a:noFill/>
+        </p:spPr>
+        <p:style>
+          <a:lnRef idx="2">
+            <a:schemeClr val="accent1">
+              <a:shade val="50000"/>
+            </a:schemeClr>
+          </a:lnRef>
+          <a:fillRef idx="1">
+            <a:schemeClr val="accent1"/>
+          </a:fillRef>
+          <a:effectRef idx="0">
+            <a:schemeClr val="accent1"/>
+          </a:effectRef>
+          <a:fontRef idx="minor">
+            <a:schemeClr val="lt1"/>
+          </a:fontRef>
+        </p:style>
+        <p:txBody>
+          <a:bodyPr rtlCol="0" anchor="ctr"/>
+          <a:lstStyle/>
+          <a:p>
+            <a:pPr algn="ctr"/>
+            <a:r>
+              <a:rPr lang="zh-TW" altLang="en-US" dirty="0" smtClean="0">
+                <a:solidFill>
+                  <a:schemeClr val="tx1"/>
+                </a:solidFill>
+              </a:rPr>
+              <a:t>創建者資料</a:t>
+            </a:r>
+            <a:endParaRPr lang="zh-TW" altLang="en-US" dirty="0">
+              <a:solidFill>
+                <a:schemeClr val="tx1"/>
+              </a:solidFill>
+            </a:endParaRPr>
+          </a:p>
+        </p:txBody>
+      </p:sp>
+      <p:sp>
+        <p:nvSpPr>
+          <p:cNvPr id="53" name="矩形 52"/>
+          <p:cNvSpPr/>
+          <p:nvPr/>
+        </p:nvSpPr>
+        <p:spPr>
+          <a:xfrm>
+            <a:off x="12759127" y="426876"/>
+            <a:ext cx="2952328" cy="7445060"/>
+          </a:xfrm>
+          <a:prstGeom prst="rect">
+            <a:avLst/>
+          </a:prstGeom>
+          <a:noFill/>
+        </p:spPr>
+        <p:style>
+          <a:lnRef idx="2">
+            <a:schemeClr val="accent1">
+              <a:shade val="50000"/>
+            </a:schemeClr>
+          </a:lnRef>
+          <a:fillRef idx="1">
+            <a:schemeClr val="accent1"/>
+          </a:fillRef>
+          <a:effectRef idx="0">
+            <a:schemeClr val="accent1"/>
+          </a:effectRef>
+          <a:fontRef idx="minor">
+            <a:schemeClr val="lt1"/>
+          </a:fontRef>
+        </p:style>
+        <p:txBody>
+          <a:bodyPr rtlCol="0" anchor="ctr"/>
+          <a:lstStyle/>
+          <a:p>
+            <a:pPr algn="ctr"/>
+            <a:endParaRPr lang="zh-TW" altLang="en-US"/>
+          </a:p>
+        </p:txBody>
+      </p:sp>
+      <p:grpSp>
+        <p:nvGrpSpPr>
+          <p:cNvPr id="54" name="群組 53"/>
+          <p:cNvGrpSpPr/>
+          <p:nvPr/>
+        </p:nvGrpSpPr>
+        <p:grpSpPr>
+          <a:xfrm>
+            <a:off x="12759127" y="426876"/>
+            <a:ext cx="2952328" cy="1580410"/>
+            <a:chOff x="0" y="1321272"/>
+            <a:chExt cx="12195175" cy="4464496"/>
+          </a:xfrm>
+        </p:grpSpPr>
+        <p:sp>
+          <p:nvSpPr>
+            <p:cNvPr id="55" name="矩形 54"/>
+            <p:cNvSpPr/>
+            <p:nvPr/>
+          </p:nvSpPr>
+          <p:spPr>
+            <a:xfrm>
+              <a:off x="0" y="1321272"/>
+              <a:ext cx="12187998" cy="4464496"/>
+            </a:xfrm>
+            <a:prstGeom prst="rect">
+              <a:avLst/>
+            </a:prstGeom>
+            <a:noFill/>
+            <a:ln>
+              <a:solidFill>
+                <a:schemeClr val="tx1"/>
+              </a:solidFill>
+            </a:ln>
+          </p:spPr>
+          <p:style>
+            <a:lnRef idx="2">
+              <a:schemeClr val="accent1">
+                <a:shade val="50000"/>
+              </a:schemeClr>
+            </a:lnRef>
+            <a:fillRef idx="1">
+              <a:schemeClr val="accent1"/>
+            </a:fillRef>
+            <a:effectRef idx="0">
+              <a:schemeClr val="accent1"/>
+            </a:effectRef>
+            <a:fontRef idx="minor">
+              <a:schemeClr val="lt1"/>
+            </a:fontRef>
+          </p:style>
+          <p:txBody>
+            <a:bodyPr rtlCol="0" anchor="ctr"/>
+            <a:lstStyle/>
+            <a:p>
+              <a:pPr algn="ctr"/>
+              <a:endParaRPr lang="zh-TW" altLang="en-US"/>
+            </a:p>
+          </p:txBody>
+        </p:sp>
+        <p:cxnSp>
+          <p:nvCxnSpPr>
+            <p:cNvPr id="56" name="直線接點 55"/>
+            <p:cNvCxnSpPr/>
+            <p:nvPr/>
+          </p:nvCxnSpPr>
+          <p:spPr>
+            <a:xfrm>
+              <a:off x="0" y="1328094"/>
+              <a:ext cx="12187998" cy="4457674"/>
+            </a:xfrm>
+            <a:prstGeom prst="line">
+              <a:avLst/>
+            </a:prstGeom>
+            <a:ln>
+              <a:solidFill>
+                <a:schemeClr val="tx1"/>
+              </a:solidFill>
+            </a:ln>
+          </p:spPr>
+          <p:style>
+            <a:lnRef idx="1">
+              <a:schemeClr val="accent1"/>
+            </a:lnRef>
+            <a:fillRef idx="0">
+              <a:schemeClr val="accent1"/>
+            </a:fillRef>
+            <a:effectRef idx="0">
+              <a:schemeClr val="accent1"/>
+            </a:effectRef>
+            <a:fontRef idx="minor">
+              <a:schemeClr val="tx1"/>
+            </a:fontRef>
+          </p:style>
+        </p:cxnSp>
+        <p:cxnSp>
+          <p:nvCxnSpPr>
+            <p:cNvPr id="57" name="直線接點 56"/>
+            <p:cNvCxnSpPr/>
+            <p:nvPr/>
+          </p:nvCxnSpPr>
+          <p:spPr>
+            <a:xfrm flipH="1">
+              <a:off x="0" y="1321272"/>
+              <a:ext cx="12195175" cy="4464496"/>
+            </a:xfrm>
+            <a:prstGeom prst="line">
+              <a:avLst/>
+            </a:prstGeom>
+            <a:ln>
+              <a:solidFill>
+                <a:schemeClr val="tx1"/>
+              </a:solidFill>
+            </a:ln>
+          </p:spPr>
+          <p:style>
+            <a:lnRef idx="1">
+              <a:schemeClr val="accent1"/>
+            </a:lnRef>
+            <a:fillRef idx="0">
+              <a:schemeClr val="accent1"/>
+            </a:fillRef>
+            <a:effectRef idx="0">
+              <a:schemeClr val="accent1"/>
+            </a:effectRef>
+            <a:fontRef idx="minor">
+              <a:schemeClr val="tx1"/>
+            </a:fontRef>
+          </p:style>
+        </p:cxnSp>
+      </p:grpSp>
+      <p:sp>
+        <p:nvSpPr>
+          <p:cNvPr id="58" name="矩形 57"/>
+          <p:cNvSpPr/>
+          <p:nvPr/>
+        </p:nvSpPr>
+        <p:spPr>
+          <a:xfrm>
+            <a:off x="13232391" y="2295318"/>
+            <a:ext cx="1975008" cy="840922"/>
+          </a:xfrm>
+          <a:prstGeom prst="rect">
+            <a:avLst/>
+          </a:prstGeom>
+          <a:noFill/>
+        </p:spPr>
+        <p:style>
+          <a:lnRef idx="2">
+            <a:schemeClr val="accent1">
+              <a:shade val="50000"/>
+            </a:schemeClr>
+          </a:lnRef>
+          <a:fillRef idx="1">
+            <a:schemeClr val="accent1"/>
+          </a:fillRef>
+          <a:effectRef idx="0">
+            <a:schemeClr val="accent1"/>
+          </a:effectRef>
+          <a:fontRef idx="minor">
+            <a:schemeClr val="lt1"/>
+          </a:fontRef>
+        </p:style>
+        <p:txBody>
+          <a:bodyPr rtlCol="0" anchor="ctr"/>
+          <a:lstStyle/>
+          <a:p>
+            <a:pPr algn="ctr"/>
+            <a:r>
+              <a:rPr lang="en-US" altLang="zh-TW" dirty="0" smtClean="0">
+                <a:solidFill>
+                  <a:schemeClr val="tx1"/>
+                </a:solidFill>
+              </a:rPr>
+              <a:t>HOME</a:t>
+            </a:r>
+            <a:endParaRPr lang="zh-TW" altLang="en-US" dirty="0">
+              <a:solidFill>
+                <a:schemeClr val="tx1"/>
+              </a:solidFill>
+            </a:endParaRPr>
+          </a:p>
+        </p:txBody>
+      </p:sp>
+      <p:sp>
+        <p:nvSpPr>
+          <p:cNvPr id="59" name="矩形 58"/>
+          <p:cNvSpPr/>
+          <p:nvPr/>
+        </p:nvSpPr>
+        <p:spPr>
+          <a:xfrm>
+            <a:off x="13246918" y="3586693"/>
+            <a:ext cx="1975008" cy="840922"/>
+          </a:xfrm>
+          <a:prstGeom prst="rect">
+            <a:avLst/>
+          </a:prstGeom>
+          <a:noFill/>
+        </p:spPr>
+        <p:style>
+          <a:lnRef idx="2">
+            <a:schemeClr val="accent1">
+              <a:shade val="50000"/>
+            </a:schemeClr>
+          </a:lnRef>
+          <a:fillRef idx="1">
+            <a:schemeClr val="accent1"/>
+          </a:fillRef>
+          <a:effectRef idx="0">
+            <a:schemeClr val="accent1"/>
+          </a:effectRef>
+          <a:fontRef idx="minor">
+            <a:schemeClr val="lt1"/>
+          </a:fontRef>
+        </p:style>
+        <p:txBody>
+          <a:bodyPr rtlCol="0" anchor="ctr"/>
+          <a:lstStyle/>
+          <a:p>
+            <a:pPr algn="ctr"/>
+            <a:r>
+              <a:rPr lang="en-US" altLang="zh-TW" dirty="0" smtClean="0">
+                <a:solidFill>
+                  <a:schemeClr val="tx1"/>
+                </a:solidFill>
+              </a:rPr>
+              <a:t>HOME</a:t>
+            </a:r>
+            <a:endParaRPr lang="zh-TW" altLang="en-US" dirty="0">
+              <a:solidFill>
+                <a:schemeClr val="tx1"/>
+              </a:solidFill>
+            </a:endParaRPr>
+          </a:p>
+        </p:txBody>
+      </p:sp>
+      <p:sp>
+        <p:nvSpPr>
+          <p:cNvPr id="50" name="矩形 49"/>
+          <p:cNvSpPr/>
+          <p:nvPr/>
+        </p:nvSpPr>
+        <p:spPr>
+          <a:xfrm>
+            <a:off x="480772" y="4916415"/>
+            <a:ext cx="2516405" cy="737323"/>
+          </a:xfrm>
+          <a:prstGeom prst="rect">
+            <a:avLst/>
+          </a:prstGeom>
+          <a:noFill/>
+        </p:spPr>
+        <p:style>
+          <a:lnRef idx="2">
+            <a:schemeClr val="accent1">
+              <a:shade val="50000"/>
+            </a:schemeClr>
+          </a:lnRef>
+          <a:fillRef idx="1">
+            <a:schemeClr val="accent1"/>
+          </a:fillRef>
+          <a:effectRef idx="0">
+            <a:schemeClr val="accent1"/>
+          </a:effectRef>
+          <a:fontRef idx="minor">
+            <a:schemeClr val="lt1"/>
+          </a:fontRef>
+        </p:style>
+        <p:txBody>
+          <a:bodyPr rtlCol="0" anchor="ctr"/>
+          <a:lstStyle/>
+          <a:p>
+            <a:pPr algn="ctr"/>
+            <a:r>
+              <a:rPr lang="zh-TW" altLang="en-US" dirty="0" smtClean="0">
+                <a:solidFill>
+                  <a:schemeClr val="tx1"/>
+                </a:solidFill>
+              </a:rPr>
+              <a:t>分類選</a:t>
+            </a:r>
+            <a:r>
+              <a:rPr lang="zh-TW" altLang="en-US" dirty="0">
+                <a:solidFill>
+                  <a:schemeClr val="tx1"/>
+                </a:solidFill>
+              </a:rPr>
+              <a:t>單</a:t>
+            </a:r>
+            <a:endParaRPr lang="zh-TW" altLang="en-US" dirty="0">
+              <a:solidFill>
+                <a:schemeClr val="tx1"/>
+              </a:solidFill>
+            </a:endParaRPr>
+          </a:p>
+        </p:txBody>
+      </p:sp>
+      <p:sp>
+        <p:nvSpPr>
+          <p:cNvPr id="52" name="矩形 51"/>
+          <p:cNvSpPr/>
+          <p:nvPr/>
+        </p:nvSpPr>
+        <p:spPr>
+          <a:xfrm>
+            <a:off x="480772" y="6227740"/>
+            <a:ext cx="7348225" cy="1070195"/>
+          </a:xfrm>
+          <a:prstGeom prst="rect">
+            <a:avLst/>
+          </a:prstGeom>
+          <a:noFill/>
+        </p:spPr>
+        <p:style>
+          <a:lnRef idx="2">
+            <a:schemeClr val="accent1">
+              <a:shade val="50000"/>
+            </a:schemeClr>
+          </a:lnRef>
+          <a:fillRef idx="1">
+            <a:schemeClr val="accent1"/>
+          </a:fillRef>
+          <a:effectRef idx="0">
+            <a:schemeClr val="accent1"/>
+          </a:effectRef>
+          <a:fontRef idx="minor">
+            <a:schemeClr val="lt1"/>
+          </a:fontRef>
+        </p:style>
+        <p:txBody>
+          <a:bodyPr rtlCol="0" anchor="ctr"/>
+          <a:lstStyle/>
+          <a:p>
+            <a:pPr algn="ctr"/>
+            <a:r>
+              <a:rPr lang="zh-TW" altLang="en-US" dirty="0" smtClean="0">
+                <a:solidFill>
+                  <a:schemeClr val="tx1"/>
+                </a:solidFill>
+              </a:rPr>
+              <a:t>樓主看</a:t>
+            </a:r>
+            <a:r>
+              <a:rPr lang="zh-TW" altLang="en-US" dirty="0">
+                <a:solidFill>
+                  <a:schemeClr val="tx1"/>
+                </a:solidFill>
+              </a:rPr>
+              <a:t>法</a:t>
+            </a:r>
+            <a:endParaRPr lang="zh-TW" altLang="en-US" dirty="0">
+              <a:solidFill>
+                <a:schemeClr val="tx1"/>
+              </a:solidFill>
+            </a:endParaRPr>
+          </a:p>
+        </p:txBody>
+      </p:sp>
+      <p:cxnSp>
+        <p:nvCxnSpPr>
+          <p:cNvPr id="60" name="直線接點 59"/>
+          <p:cNvCxnSpPr/>
+          <p:nvPr/>
+        </p:nvCxnSpPr>
+        <p:spPr>
+          <a:xfrm>
+            <a:off x="0" y="8738096"/>
+            <a:ext cx="12195175" cy="0"/>
+          </a:xfrm>
+          <a:prstGeom prst="line">
+            <a:avLst/>
+          </a:prstGeom>
+          <a:ln>
+            <a:solidFill>
+              <a:schemeClr val="tx1"/>
+            </a:solidFill>
+          </a:ln>
+        </p:spPr>
+        <p:style>
+          <a:lnRef idx="1">
+            <a:schemeClr val="accent1"/>
+          </a:lnRef>
+          <a:fillRef idx="0">
+            <a:schemeClr val="accent1"/>
+          </a:fillRef>
+          <a:effectRef idx="0">
+            <a:schemeClr val="accent1"/>
+          </a:effectRef>
+          <a:fontRef idx="minor">
+            <a:schemeClr val="tx1"/>
+          </a:fontRef>
+        </p:style>
+      </p:cxnSp>
+    </p:spTree>
+    <p:extLst>
+      <p:ext uri="{BB962C8B-B14F-4D97-AF65-F5344CB8AC3E}">
+        <p14:creationId xmlns:p14="http://schemas.microsoft.com/office/powerpoint/2010/main" val="2174839167"/>
+      </p:ext>
+    </p:extLst>
+  </p:cSld>
+  <p:clrMapOvr>
+    <a:masterClrMapping/>
+  </p:clrMapOvr>
+</p:sld>
+</file>
+
+<file path=ppt/slides/slide6.xml><?xml version="1.0" encoding="utf-8"?>
+<p:sld xmlns:a="http://schemas.openxmlformats.org/drawingml/2006/main" xmlns:r="http://schemas.openxmlformats.org/officeDocument/2006/relationships" xmlns:p="http://schemas.openxmlformats.org/presentationml/2006/main">
+  <p:cSld>
+    <p:spTree>
+      <p:nvGrpSpPr>
+        <p:cNvPr id="1" name=""/>
+        <p:cNvGrpSpPr/>
+        <p:nvPr/>
+      </p:nvGrpSpPr>
+      <p:grpSpPr>
+        <a:xfrm>
+          <a:off x="0" y="0"/>
+          <a:ext cx="0" cy="0"/>
+          <a:chOff x="0" y="0"/>
+          <a:chExt cx="0" cy="0"/>
+        </a:xfrm>
+      </p:grpSpPr>
+      <p:grpSp>
+        <p:nvGrpSpPr>
+          <p:cNvPr id="17" name="群組 16"/>
+          <p:cNvGrpSpPr/>
+          <p:nvPr/>
+        </p:nvGrpSpPr>
+        <p:grpSpPr>
+          <a:xfrm>
+            <a:off x="456540" y="0"/>
+            <a:ext cx="11237913" cy="15764664"/>
+            <a:chOff x="349571" y="-9480"/>
+            <a:chExt cx="11237913" cy="15764664"/>
+          </a:xfrm>
+          <a:solidFill>
+            <a:schemeClr val="bg2"/>
+          </a:solidFill>
+        </p:grpSpPr>
+        <p:sp>
+          <p:nvSpPr>
+            <p:cNvPr id="18" name="矩形 17"/>
+            <p:cNvSpPr/>
+            <p:nvPr/>
+          </p:nvSpPr>
+          <p:spPr>
+            <a:xfrm>
+              <a:off x="349571" y="0"/>
+              <a:ext cx="630000" cy="15748000"/>
+            </a:xfrm>
+            <a:prstGeom prst="rect">
+              <a:avLst/>
+            </a:prstGeom>
+            <a:grpFill/>
+            <a:ln>
+              <a:noFill/>
+            </a:ln>
+          </p:spPr>
+          <p:style>
+            <a:lnRef idx="2">
+              <a:schemeClr val="accent1">
+                <a:shade val="50000"/>
+              </a:schemeClr>
+            </a:lnRef>
+            <a:fillRef idx="1">
+              <a:schemeClr val="accent1"/>
+            </a:fillRef>
+            <a:effectRef idx="0">
+              <a:schemeClr val="accent1"/>
+            </a:effectRef>
+            <a:fontRef idx="minor">
+              <a:schemeClr val="lt1"/>
+            </a:fontRef>
+          </p:style>
+          <p:txBody>
+            <a:bodyPr rtlCol="0" anchor="ctr"/>
+            <a:lstStyle/>
+            <a:p>
+              <a:pPr algn="ctr"/>
+              <a:endParaRPr lang="zh-TW" altLang="en-US">
+                <a:solidFill>
+                  <a:schemeClr val="tx2">
+                    <a:lumMod val="20000"/>
+                    <a:lumOff val="80000"/>
+                  </a:schemeClr>
+                </a:solidFill>
+              </a:endParaRPr>
+            </a:p>
+          </p:txBody>
+        </p:sp>
+        <p:sp>
+          <p:nvSpPr>
+            <p:cNvPr id="19" name="矩形 18"/>
+            <p:cNvSpPr/>
+            <p:nvPr/>
+          </p:nvSpPr>
+          <p:spPr>
+            <a:xfrm>
+              <a:off x="1293844" y="0"/>
+              <a:ext cx="630000" cy="15748000"/>
+            </a:xfrm>
+            <a:prstGeom prst="rect">
+              <a:avLst/>
+            </a:prstGeom>
+            <a:grpFill/>
+            <a:ln>
+              <a:noFill/>
+            </a:ln>
+          </p:spPr>
+          <p:style>
+            <a:lnRef idx="2">
+              <a:schemeClr val="accent1">
+                <a:shade val="50000"/>
+              </a:schemeClr>
+            </a:lnRef>
+            <a:fillRef idx="1">
+              <a:schemeClr val="accent1"/>
+            </a:fillRef>
+            <a:effectRef idx="0">
+              <a:schemeClr val="accent1"/>
+            </a:effectRef>
+            <a:fontRef idx="minor">
+              <a:schemeClr val="lt1"/>
+            </a:fontRef>
+          </p:style>
+          <p:txBody>
+            <a:bodyPr rtlCol="0" anchor="ctr"/>
+            <a:lstStyle/>
+            <a:p>
+              <a:pPr algn="ctr"/>
+              <a:endParaRPr lang="zh-TW" altLang="en-US">
+                <a:solidFill>
+                  <a:schemeClr val="tx2">
+                    <a:lumMod val="20000"/>
+                    <a:lumOff val="80000"/>
+                  </a:schemeClr>
+                </a:solidFill>
+              </a:endParaRPr>
+            </a:p>
+          </p:txBody>
+        </p:sp>
+        <p:sp>
+          <p:nvSpPr>
+            <p:cNvPr id="20" name="矩形 19"/>
+            <p:cNvSpPr/>
+            <p:nvPr/>
+          </p:nvSpPr>
+          <p:spPr>
+            <a:xfrm>
+              <a:off x="2260208" y="-9480"/>
+              <a:ext cx="630000" cy="15748000"/>
+            </a:xfrm>
+            <a:prstGeom prst="rect">
+              <a:avLst/>
+            </a:prstGeom>
+            <a:grpFill/>
+            <a:ln>
+              <a:noFill/>
+            </a:ln>
+          </p:spPr>
+          <p:style>
+            <a:lnRef idx="2">
+              <a:schemeClr val="accent1">
+                <a:shade val="50000"/>
+              </a:schemeClr>
+            </a:lnRef>
+            <a:fillRef idx="1">
+              <a:schemeClr val="accent1"/>
+            </a:fillRef>
+            <a:effectRef idx="0">
+              <a:schemeClr val="accent1"/>
+            </a:effectRef>
+            <a:fontRef idx="minor">
+              <a:schemeClr val="lt1"/>
+            </a:fontRef>
+          </p:style>
+          <p:txBody>
+            <a:bodyPr rtlCol="0" anchor="ctr"/>
+            <a:lstStyle/>
+            <a:p>
+              <a:pPr algn="ctr"/>
+              <a:endParaRPr lang="zh-TW" altLang="en-US">
+                <a:solidFill>
+                  <a:schemeClr val="tx2">
+                    <a:lumMod val="20000"/>
+                    <a:lumOff val="80000"/>
+                  </a:schemeClr>
+                </a:solidFill>
+              </a:endParaRPr>
+            </a:p>
+          </p:txBody>
+        </p:sp>
+        <p:sp>
+          <p:nvSpPr>
+            <p:cNvPr id="21" name="矩形 20"/>
+            <p:cNvSpPr/>
+            <p:nvPr/>
+          </p:nvSpPr>
+          <p:spPr>
+            <a:xfrm>
+              <a:off x="3226572" y="7184"/>
+              <a:ext cx="630000" cy="15748000"/>
+            </a:xfrm>
+            <a:prstGeom prst="rect">
+              <a:avLst/>
+            </a:prstGeom>
+            <a:grpFill/>
+            <a:ln>
+              <a:noFill/>
+            </a:ln>
+          </p:spPr>
+          <p:style>
+            <a:lnRef idx="2">
+              <a:schemeClr val="accent1">
+                <a:shade val="50000"/>
+              </a:schemeClr>
+            </a:lnRef>
+            <a:fillRef idx="1">
+              <a:schemeClr val="accent1"/>
+            </a:fillRef>
+            <a:effectRef idx="0">
+              <a:schemeClr val="accent1"/>
+            </a:effectRef>
+            <a:fontRef idx="minor">
+              <a:schemeClr val="lt1"/>
+            </a:fontRef>
+          </p:style>
+          <p:txBody>
+            <a:bodyPr rtlCol="0" anchor="ctr"/>
+            <a:lstStyle/>
+            <a:p>
+              <a:pPr algn="ctr"/>
+              <a:endParaRPr lang="zh-TW" altLang="en-US">
+                <a:solidFill>
+                  <a:schemeClr val="tx2">
+                    <a:lumMod val="20000"/>
+                    <a:lumOff val="80000"/>
+                  </a:schemeClr>
+                </a:solidFill>
+              </a:endParaRPr>
+            </a:p>
+          </p:txBody>
+        </p:sp>
+        <p:sp>
+          <p:nvSpPr>
+            <p:cNvPr id="22" name="矩形 21"/>
+            <p:cNvSpPr/>
+            <p:nvPr/>
+          </p:nvSpPr>
+          <p:spPr>
+            <a:xfrm>
+              <a:off x="8058392" y="-9480"/>
+              <a:ext cx="630000" cy="15748000"/>
+            </a:xfrm>
+            <a:prstGeom prst="rect">
+              <a:avLst/>
+            </a:prstGeom>
+            <a:grpFill/>
+            <a:ln>
+              <a:noFill/>
+            </a:ln>
+          </p:spPr>
+          <p:style>
+            <a:lnRef idx="2">
+              <a:schemeClr val="accent1">
+                <a:shade val="50000"/>
+              </a:schemeClr>
+            </a:lnRef>
+            <a:fillRef idx="1">
+              <a:schemeClr val="accent1"/>
+            </a:fillRef>
+            <a:effectRef idx="0">
+              <a:schemeClr val="accent1"/>
+            </a:effectRef>
+            <a:fontRef idx="minor">
+              <a:schemeClr val="lt1"/>
+            </a:fontRef>
+          </p:style>
+          <p:txBody>
+            <a:bodyPr rtlCol="0" anchor="ctr"/>
+            <a:lstStyle/>
+            <a:p>
+              <a:pPr algn="ctr"/>
+              <a:endParaRPr lang="zh-TW" altLang="en-US">
+                <a:solidFill>
+                  <a:schemeClr val="tx2">
+                    <a:lumMod val="20000"/>
+                    <a:lumOff val="80000"/>
+                  </a:schemeClr>
+                </a:solidFill>
+              </a:endParaRPr>
+            </a:p>
+          </p:txBody>
+        </p:sp>
+        <p:sp>
+          <p:nvSpPr>
+            <p:cNvPr id="23" name="矩形 22"/>
+            <p:cNvSpPr/>
+            <p:nvPr/>
+          </p:nvSpPr>
+          <p:spPr>
+            <a:xfrm>
+              <a:off x="9024756" y="-9480"/>
+              <a:ext cx="630000" cy="15748000"/>
+            </a:xfrm>
+            <a:prstGeom prst="rect">
+              <a:avLst/>
+            </a:prstGeom>
+            <a:grpFill/>
+            <a:ln>
+              <a:noFill/>
+            </a:ln>
+          </p:spPr>
+          <p:style>
+            <a:lnRef idx="2">
+              <a:schemeClr val="accent1">
+                <a:shade val="50000"/>
+              </a:schemeClr>
+            </a:lnRef>
+            <a:fillRef idx="1">
+              <a:schemeClr val="accent1"/>
+            </a:fillRef>
+            <a:effectRef idx="0">
+              <a:schemeClr val="accent1"/>
+            </a:effectRef>
+            <a:fontRef idx="minor">
+              <a:schemeClr val="lt1"/>
+            </a:fontRef>
+          </p:style>
+          <p:txBody>
+            <a:bodyPr rtlCol="0" anchor="ctr"/>
+            <a:lstStyle/>
+            <a:p>
+              <a:pPr algn="ctr"/>
+              <a:endParaRPr lang="zh-TW" altLang="en-US">
+                <a:solidFill>
+                  <a:schemeClr val="tx2">
+                    <a:lumMod val="20000"/>
+                    <a:lumOff val="80000"/>
+                  </a:schemeClr>
+                </a:solidFill>
+              </a:endParaRPr>
+            </a:p>
+          </p:txBody>
+        </p:sp>
+        <p:sp>
+          <p:nvSpPr>
+            <p:cNvPr id="24" name="矩形 23"/>
+            <p:cNvSpPr/>
+            <p:nvPr/>
+          </p:nvSpPr>
+          <p:spPr>
+            <a:xfrm>
+              <a:off x="9991120" y="-9480"/>
+              <a:ext cx="630000" cy="15748000"/>
+            </a:xfrm>
+            <a:prstGeom prst="rect">
+              <a:avLst/>
+            </a:prstGeom>
+            <a:grpFill/>
+            <a:ln>
+              <a:noFill/>
+            </a:ln>
+          </p:spPr>
+          <p:style>
+            <a:lnRef idx="2">
+              <a:schemeClr val="accent1">
+                <a:shade val="50000"/>
+              </a:schemeClr>
+            </a:lnRef>
+            <a:fillRef idx="1">
+              <a:schemeClr val="accent1"/>
+            </a:fillRef>
+            <a:effectRef idx="0">
+              <a:schemeClr val="accent1"/>
+            </a:effectRef>
+            <a:fontRef idx="minor">
+              <a:schemeClr val="lt1"/>
+            </a:fontRef>
+          </p:style>
+          <p:txBody>
+            <a:bodyPr rtlCol="0" anchor="ctr"/>
+            <a:lstStyle/>
+            <a:p>
+              <a:pPr algn="ctr"/>
+              <a:endParaRPr lang="zh-TW" altLang="en-US">
+                <a:solidFill>
+                  <a:schemeClr val="tx2">
+                    <a:lumMod val="20000"/>
+                    <a:lumOff val="80000"/>
+                  </a:schemeClr>
+                </a:solidFill>
+              </a:endParaRPr>
+            </a:p>
+          </p:txBody>
+        </p:sp>
+        <p:sp>
+          <p:nvSpPr>
+            <p:cNvPr id="25" name="矩形 24"/>
+            <p:cNvSpPr/>
+            <p:nvPr/>
+          </p:nvSpPr>
+          <p:spPr>
+            <a:xfrm>
+              <a:off x="10957484" y="-9480"/>
+              <a:ext cx="630000" cy="15748000"/>
+            </a:xfrm>
+            <a:prstGeom prst="rect">
+              <a:avLst/>
+            </a:prstGeom>
+            <a:grpFill/>
+            <a:ln>
+              <a:noFill/>
+            </a:ln>
+          </p:spPr>
+          <p:style>
+            <a:lnRef idx="2">
+              <a:schemeClr val="accent1">
+                <a:shade val="50000"/>
+              </a:schemeClr>
+            </a:lnRef>
+            <a:fillRef idx="1">
+              <a:schemeClr val="accent1"/>
+            </a:fillRef>
+            <a:effectRef idx="0">
+              <a:schemeClr val="accent1"/>
+            </a:effectRef>
+            <a:fontRef idx="minor">
+              <a:schemeClr val="lt1"/>
+            </a:fontRef>
+          </p:style>
+          <p:txBody>
+            <a:bodyPr rtlCol="0" anchor="ctr"/>
+            <a:lstStyle/>
+            <a:p>
+              <a:pPr algn="ctr"/>
+              <a:endParaRPr lang="zh-TW" altLang="en-US">
+                <a:solidFill>
+                  <a:schemeClr val="tx2">
+                    <a:lumMod val="20000"/>
+                    <a:lumOff val="80000"/>
+                  </a:schemeClr>
+                </a:solidFill>
+              </a:endParaRPr>
+            </a:p>
+          </p:txBody>
+        </p:sp>
+        <p:sp>
+          <p:nvSpPr>
+            <p:cNvPr id="26" name="矩形 25"/>
+            <p:cNvSpPr/>
+            <p:nvPr/>
+          </p:nvSpPr>
+          <p:spPr>
+            <a:xfrm>
+              <a:off x="4192936" y="-9480"/>
+              <a:ext cx="630000" cy="15748000"/>
+            </a:xfrm>
+            <a:prstGeom prst="rect">
+              <a:avLst/>
+            </a:prstGeom>
+            <a:grpFill/>
+            <a:ln>
+              <a:noFill/>
+            </a:ln>
+          </p:spPr>
+          <p:style>
+            <a:lnRef idx="2">
+              <a:schemeClr val="accent1">
+                <a:shade val="50000"/>
+              </a:schemeClr>
+            </a:lnRef>
+            <a:fillRef idx="1">
+              <a:schemeClr val="accent1"/>
+            </a:fillRef>
+            <a:effectRef idx="0">
+              <a:schemeClr val="accent1"/>
+            </a:effectRef>
+            <a:fontRef idx="minor">
+              <a:schemeClr val="lt1"/>
+            </a:fontRef>
+          </p:style>
+          <p:txBody>
+            <a:bodyPr rtlCol="0" anchor="ctr"/>
+            <a:lstStyle/>
+            <a:p>
+              <a:pPr algn="ctr"/>
+              <a:endParaRPr lang="zh-TW" altLang="en-US">
+                <a:solidFill>
+                  <a:schemeClr val="tx2">
+                    <a:lumMod val="20000"/>
+                    <a:lumOff val="80000"/>
+                  </a:schemeClr>
+                </a:solidFill>
+              </a:endParaRPr>
+            </a:p>
+          </p:txBody>
+        </p:sp>
+        <p:sp>
+          <p:nvSpPr>
+            <p:cNvPr id="27" name="矩形 26"/>
+            <p:cNvSpPr/>
+            <p:nvPr/>
+          </p:nvSpPr>
+          <p:spPr>
+            <a:xfrm>
+              <a:off x="5159300" y="-9480"/>
+              <a:ext cx="630000" cy="15748000"/>
+            </a:xfrm>
+            <a:prstGeom prst="rect">
+              <a:avLst/>
+            </a:prstGeom>
+            <a:grpFill/>
+            <a:ln>
+              <a:noFill/>
+            </a:ln>
+          </p:spPr>
+          <p:style>
+            <a:lnRef idx="2">
+              <a:schemeClr val="accent1">
+                <a:shade val="50000"/>
+              </a:schemeClr>
+            </a:lnRef>
+            <a:fillRef idx="1">
+              <a:schemeClr val="accent1"/>
+            </a:fillRef>
+            <a:effectRef idx="0">
+              <a:schemeClr val="accent1"/>
+            </a:effectRef>
+            <a:fontRef idx="minor">
+              <a:schemeClr val="lt1"/>
+            </a:fontRef>
+          </p:style>
+          <p:txBody>
+            <a:bodyPr rtlCol="0" anchor="ctr"/>
+            <a:lstStyle/>
+            <a:p>
+              <a:pPr algn="ctr"/>
+              <a:endParaRPr lang="zh-TW" altLang="en-US">
+                <a:solidFill>
+                  <a:schemeClr val="tx2">
+                    <a:lumMod val="20000"/>
+                    <a:lumOff val="80000"/>
+                  </a:schemeClr>
+                </a:solidFill>
+              </a:endParaRPr>
+            </a:p>
+          </p:txBody>
+        </p:sp>
+        <p:sp>
+          <p:nvSpPr>
+            <p:cNvPr id="28" name="矩形 27"/>
+            <p:cNvSpPr/>
+            <p:nvPr/>
+          </p:nvSpPr>
+          <p:spPr>
+            <a:xfrm>
+              <a:off x="6125664" y="-9480"/>
+              <a:ext cx="630000" cy="15748000"/>
+            </a:xfrm>
+            <a:prstGeom prst="rect">
+              <a:avLst/>
+            </a:prstGeom>
+            <a:grpFill/>
+            <a:ln>
+              <a:noFill/>
+            </a:ln>
+          </p:spPr>
+          <p:style>
+            <a:lnRef idx="2">
+              <a:schemeClr val="accent1">
+                <a:shade val="50000"/>
+              </a:schemeClr>
+            </a:lnRef>
+            <a:fillRef idx="1">
+              <a:schemeClr val="accent1"/>
+            </a:fillRef>
+            <a:effectRef idx="0">
+              <a:schemeClr val="accent1"/>
+            </a:effectRef>
+            <a:fontRef idx="minor">
+              <a:schemeClr val="lt1"/>
+            </a:fontRef>
+          </p:style>
+          <p:txBody>
+            <a:bodyPr rtlCol="0" anchor="ctr"/>
+            <a:lstStyle/>
+            <a:p>
+              <a:pPr algn="ctr"/>
+              <a:endParaRPr lang="zh-TW" altLang="en-US">
+                <a:solidFill>
+                  <a:schemeClr val="tx2">
+                    <a:lumMod val="20000"/>
+                    <a:lumOff val="80000"/>
+                  </a:schemeClr>
+                </a:solidFill>
+              </a:endParaRPr>
+            </a:p>
+          </p:txBody>
+        </p:sp>
+        <p:sp>
+          <p:nvSpPr>
+            <p:cNvPr id="29" name="矩形 28"/>
+            <p:cNvSpPr/>
+            <p:nvPr/>
+          </p:nvSpPr>
+          <p:spPr>
+            <a:xfrm>
+              <a:off x="7092028" y="-9480"/>
+              <a:ext cx="630000" cy="15748000"/>
+            </a:xfrm>
+            <a:prstGeom prst="rect">
+              <a:avLst/>
+            </a:prstGeom>
+            <a:grpFill/>
+            <a:ln>
+              <a:noFill/>
+            </a:ln>
+          </p:spPr>
+          <p:style>
+            <a:lnRef idx="2">
+              <a:schemeClr val="accent1">
+                <a:shade val="50000"/>
+              </a:schemeClr>
+            </a:lnRef>
+            <a:fillRef idx="1">
+              <a:schemeClr val="accent1"/>
+            </a:fillRef>
+            <a:effectRef idx="0">
+              <a:schemeClr val="accent1"/>
+            </a:effectRef>
+            <a:fontRef idx="minor">
+              <a:schemeClr val="lt1"/>
+            </a:fontRef>
+          </p:style>
+          <p:txBody>
+            <a:bodyPr rtlCol="0" anchor="ctr"/>
+            <a:lstStyle/>
+            <a:p>
+              <a:pPr algn="ctr"/>
+              <a:endParaRPr lang="zh-TW" altLang="en-US">
+                <a:solidFill>
+                  <a:schemeClr val="tx2">
+                    <a:lumMod val="20000"/>
+                    <a:lumOff val="80000"/>
+                  </a:schemeClr>
+                </a:solidFill>
+              </a:endParaRPr>
+            </a:p>
+          </p:txBody>
+        </p:sp>
+      </p:grpSp>
+      <p:grpSp>
+        <p:nvGrpSpPr>
+          <p:cNvPr id="30" name="群組 29"/>
+          <p:cNvGrpSpPr/>
+          <p:nvPr/>
+        </p:nvGrpSpPr>
+        <p:grpSpPr>
+          <a:xfrm>
+            <a:off x="456232" y="-38254"/>
+            <a:ext cx="3529092" cy="1321272"/>
+            <a:chOff x="0" y="1321272"/>
+            <a:chExt cx="12195175" cy="4464496"/>
+          </a:xfrm>
+        </p:grpSpPr>
+        <p:sp>
+          <p:nvSpPr>
+            <p:cNvPr id="31" name="矩形 30"/>
+            <p:cNvSpPr/>
+            <p:nvPr/>
+          </p:nvSpPr>
+          <p:spPr>
+            <a:xfrm>
+              <a:off x="0" y="1321272"/>
+              <a:ext cx="12187998" cy="4464496"/>
+            </a:xfrm>
+            <a:prstGeom prst="rect">
+              <a:avLst/>
+            </a:prstGeom>
+            <a:noFill/>
+            <a:ln>
+              <a:solidFill>
+                <a:schemeClr val="tx1"/>
+              </a:solidFill>
+            </a:ln>
+          </p:spPr>
+          <p:style>
+            <a:lnRef idx="2">
+              <a:schemeClr val="accent1">
+                <a:shade val="50000"/>
+              </a:schemeClr>
+            </a:lnRef>
+            <a:fillRef idx="1">
+              <a:schemeClr val="accent1"/>
+            </a:fillRef>
+            <a:effectRef idx="0">
+              <a:schemeClr val="accent1"/>
+            </a:effectRef>
+            <a:fontRef idx="minor">
+              <a:schemeClr val="lt1"/>
+            </a:fontRef>
+          </p:style>
+          <p:txBody>
+            <a:bodyPr rtlCol="0" anchor="ctr"/>
+            <a:lstStyle/>
+            <a:p>
+              <a:pPr algn="ctr"/>
+              <a:endParaRPr lang="zh-TW" altLang="en-US"/>
+            </a:p>
+          </p:txBody>
+        </p:sp>
+        <p:cxnSp>
+          <p:nvCxnSpPr>
+            <p:cNvPr id="32" name="直線接點 31"/>
+            <p:cNvCxnSpPr/>
+            <p:nvPr/>
+          </p:nvCxnSpPr>
+          <p:spPr>
+            <a:xfrm>
+              <a:off x="0" y="1328094"/>
+              <a:ext cx="12187998" cy="4457674"/>
+            </a:xfrm>
+            <a:prstGeom prst="line">
+              <a:avLst/>
+            </a:prstGeom>
+            <a:ln>
+              <a:solidFill>
+                <a:schemeClr val="tx1"/>
+              </a:solidFill>
+            </a:ln>
+          </p:spPr>
+          <p:style>
+            <a:lnRef idx="1">
+              <a:schemeClr val="accent1"/>
+            </a:lnRef>
+            <a:fillRef idx="0">
+              <a:schemeClr val="accent1"/>
+            </a:fillRef>
+            <a:effectRef idx="0">
+              <a:schemeClr val="accent1"/>
+            </a:effectRef>
+            <a:fontRef idx="minor">
+              <a:schemeClr val="tx1"/>
+            </a:fontRef>
+          </p:style>
+        </p:cxnSp>
+        <p:cxnSp>
+          <p:nvCxnSpPr>
+            <p:cNvPr id="33" name="直線接點 32"/>
+            <p:cNvCxnSpPr/>
+            <p:nvPr/>
+          </p:nvCxnSpPr>
+          <p:spPr>
+            <a:xfrm flipH="1">
+              <a:off x="0" y="1321272"/>
+              <a:ext cx="12195175" cy="4464496"/>
+            </a:xfrm>
+            <a:prstGeom prst="line">
+              <a:avLst/>
+            </a:prstGeom>
+            <a:ln>
+              <a:solidFill>
+                <a:schemeClr val="tx1"/>
+              </a:solidFill>
+            </a:ln>
+          </p:spPr>
+          <p:style>
+            <a:lnRef idx="1">
+              <a:schemeClr val="accent1"/>
+            </a:lnRef>
+            <a:fillRef idx="0">
+              <a:schemeClr val="accent1"/>
+            </a:fillRef>
+            <a:effectRef idx="0">
+              <a:schemeClr val="accent1"/>
+            </a:effectRef>
+            <a:fontRef idx="minor">
+              <a:schemeClr val="tx1"/>
+            </a:fontRef>
+          </p:style>
+        </p:cxnSp>
+      </p:grpSp>
+      <p:cxnSp>
+        <p:nvCxnSpPr>
+          <p:cNvPr id="34" name="直線接點 33"/>
+          <p:cNvCxnSpPr/>
+          <p:nvPr/>
+        </p:nvCxnSpPr>
+        <p:spPr>
+          <a:xfrm>
+            <a:off x="-34176" y="1326113"/>
+            <a:ext cx="12195175" cy="0"/>
+          </a:xfrm>
+          <a:prstGeom prst="line">
+            <a:avLst/>
+          </a:prstGeom>
+          <a:ln>
+            <a:solidFill>
+              <a:schemeClr val="tx1"/>
+            </a:solidFill>
+          </a:ln>
+        </p:spPr>
+        <p:style>
+          <a:lnRef idx="1">
+            <a:schemeClr val="accent1"/>
+          </a:lnRef>
+          <a:fillRef idx="0">
+            <a:schemeClr val="accent1"/>
+          </a:fillRef>
+          <a:effectRef idx="0">
+            <a:schemeClr val="accent1"/>
+          </a:effectRef>
+          <a:fontRef idx="minor">
+            <a:schemeClr val="tx1"/>
+          </a:fontRef>
+        </p:style>
+      </p:cxnSp>
+      <p:cxnSp>
+        <p:nvCxnSpPr>
+          <p:cNvPr id="35" name="直線接點 34"/>
+          <p:cNvCxnSpPr/>
+          <p:nvPr/>
+        </p:nvCxnSpPr>
+        <p:spPr>
+          <a:xfrm>
+            <a:off x="-23093" y="7937396"/>
+            <a:ext cx="12195175" cy="0"/>
+          </a:xfrm>
+          <a:prstGeom prst="line">
+            <a:avLst/>
+          </a:prstGeom>
+          <a:ln>
+            <a:solidFill>
+              <a:schemeClr val="tx1"/>
+            </a:solidFill>
+          </a:ln>
+        </p:spPr>
+        <p:style>
+          <a:lnRef idx="1">
+            <a:schemeClr val="accent1"/>
+          </a:lnRef>
+          <a:fillRef idx="0">
+            <a:schemeClr val="accent1"/>
+          </a:fillRef>
+          <a:effectRef idx="0">
+            <a:schemeClr val="accent1"/>
+          </a:effectRef>
+          <a:fontRef idx="minor">
+            <a:schemeClr val="tx1"/>
+          </a:fontRef>
+        </p:style>
+      </p:cxnSp>
+      <p:sp>
+        <p:nvSpPr>
+          <p:cNvPr id="36" name="矩形 35"/>
+          <p:cNvSpPr/>
+          <p:nvPr/>
+        </p:nvSpPr>
+        <p:spPr>
+          <a:xfrm>
+            <a:off x="5277757" y="1903391"/>
+            <a:ext cx="5461820" cy="655570"/>
+          </a:xfrm>
+          <a:prstGeom prst="rect">
+            <a:avLst/>
+          </a:prstGeom>
+          <a:noFill/>
+        </p:spPr>
+        <p:style>
+          <a:lnRef idx="2">
+            <a:schemeClr val="accent1">
+              <a:shade val="50000"/>
+            </a:schemeClr>
+          </a:lnRef>
+          <a:fillRef idx="1">
+            <a:schemeClr val="accent1"/>
+          </a:fillRef>
+          <a:effectRef idx="0">
+            <a:schemeClr val="accent1"/>
+          </a:effectRef>
+          <a:fontRef idx="minor">
+            <a:schemeClr val="lt1"/>
+          </a:fontRef>
+        </p:style>
+        <p:txBody>
+          <a:bodyPr rtlCol="0" anchor="ctr"/>
+          <a:lstStyle/>
+          <a:p>
+            <a:pPr algn="ctr"/>
+            <a:r>
+              <a:rPr lang="zh-TW" altLang="en-US" dirty="0" smtClean="0">
+                <a:solidFill>
+                  <a:schemeClr val="tx1"/>
+                </a:solidFill>
+              </a:rPr>
+              <a:t>搜尋結果</a:t>
+            </a:r>
+            <a:endParaRPr lang="zh-TW" altLang="en-US" dirty="0">
+              <a:solidFill>
+                <a:schemeClr val="tx1"/>
+              </a:solidFill>
+            </a:endParaRPr>
+          </a:p>
+        </p:txBody>
+      </p:sp>
+      <p:sp>
+        <p:nvSpPr>
+          <p:cNvPr id="37" name="矩形 36"/>
+          <p:cNvSpPr/>
+          <p:nvPr/>
+        </p:nvSpPr>
+        <p:spPr>
+          <a:xfrm>
+            <a:off x="-64825" y="1326113"/>
+            <a:ext cx="2432002" cy="6611283"/>
+          </a:xfrm>
+          <a:prstGeom prst="rect">
+            <a:avLst/>
+          </a:prstGeom>
+          <a:noFill/>
+        </p:spPr>
+        <p:style>
+          <a:lnRef idx="2">
+            <a:schemeClr val="accent1">
+              <a:shade val="50000"/>
+            </a:schemeClr>
+          </a:lnRef>
+          <a:fillRef idx="1">
+            <a:schemeClr val="accent1"/>
+          </a:fillRef>
+          <a:effectRef idx="0">
+            <a:schemeClr val="accent1"/>
+          </a:effectRef>
+          <a:fontRef idx="minor">
+            <a:schemeClr val="lt1"/>
+          </a:fontRef>
+        </p:style>
+        <p:txBody>
+          <a:bodyPr rtlCol="0" anchor="ctr"/>
+          <a:lstStyle/>
+          <a:p>
+            <a:pPr algn="ctr"/>
+            <a:endParaRPr lang="zh-TW" altLang="en-US"/>
+          </a:p>
+        </p:txBody>
+      </p:sp>
+      <p:grpSp>
+        <p:nvGrpSpPr>
+          <p:cNvPr id="38" name="群組 37"/>
+          <p:cNvGrpSpPr/>
+          <p:nvPr/>
+        </p:nvGrpSpPr>
+        <p:grpSpPr>
+          <a:xfrm>
+            <a:off x="-64826" y="1903391"/>
+            <a:ext cx="521366" cy="655571"/>
+            <a:chOff x="0" y="1321272"/>
+            <a:chExt cx="12195175" cy="4464496"/>
+          </a:xfrm>
+        </p:grpSpPr>
+        <p:sp>
+          <p:nvSpPr>
+            <p:cNvPr id="39" name="矩形 38"/>
+            <p:cNvSpPr/>
+            <p:nvPr/>
+          </p:nvSpPr>
+          <p:spPr>
+            <a:xfrm>
+              <a:off x="0" y="1321272"/>
+              <a:ext cx="12187998" cy="4464496"/>
+            </a:xfrm>
+            <a:prstGeom prst="rect">
+              <a:avLst/>
+            </a:prstGeom>
+            <a:noFill/>
+            <a:ln>
+              <a:solidFill>
+                <a:schemeClr val="tx1"/>
+              </a:solidFill>
+            </a:ln>
+          </p:spPr>
+          <p:style>
+            <a:lnRef idx="2">
+              <a:schemeClr val="accent1">
+                <a:shade val="50000"/>
+              </a:schemeClr>
+            </a:lnRef>
+            <a:fillRef idx="1">
+              <a:schemeClr val="accent1"/>
+            </a:fillRef>
+            <a:effectRef idx="0">
+              <a:schemeClr val="accent1"/>
+            </a:effectRef>
+            <a:fontRef idx="minor">
+              <a:schemeClr val="lt1"/>
+            </a:fontRef>
+          </p:style>
+          <p:txBody>
+            <a:bodyPr rtlCol="0" anchor="ctr"/>
+            <a:lstStyle/>
+            <a:p>
+              <a:pPr algn="ctr"/>
+              <a:endParaRPr lang="zh-TW" altLang="en-US"/>
+            </a:p>
+          </p:txBody>
+        </p:sp>
+        <p:cxnSp>
+          <p:nvCxnSpPr>
+            <p:cNvPr id="40" name="直線接點 39"/>
+            <p:cNvCxnSpPr/>
+            <p:nvPr/>
+          </p:nvCxnSpPr>
+          <p:spPr>
+            <a:xfrm>
+              <a:off x="0" y="1328094"/>
+              <a:ext cx="12187998" cy="4457674"/>
+            </a:xfrm>
+            <a:prstGeom prst="line">
+              <a:avLst/>
+            </a:prstGeom>
+            <a:ln>
+              <a:solidFill>
+                <a:schemeClr val="tx1"/>
+              </a:solidFill>
+            </a:ln>
+          </p:spPr>
+          <p:style>
+            <a:lnRef idx="1">
+              <a:schemeClr val="accent1"/>
+            </a:lnRef>
+            <a:fillRef idx="0">
+              <a:schemeClr val="accent1"/>
+            </a:fillRef>
+            <a:effectRef idx="0">
+              <a:schemeClr val="accent1"/>
+            </a:effectRef>
+            <a:fontRef idx="minor">
+              <a:schemeClr val="tx1"/>
+            </a:fontRef>
+          </p:style>
+        </p:cxnSp>
+        <p:cxnSp>
+          <p:nvCxnSpPr>
+            <p:cNvPr id="41" name="直線接點 40"/>
+            <p:cNvCxnSpPr/>
+            <p:nvPr/>
+          </p:nvCxnSpPr>
+          <p:spPr>
+            <a:xfrm flipH="1">
+              <a:off x="0" y="1321272"/>
+              <a:ext cx="12195175" cy="4464496"/>
+            </a:xfrm>
+            <a:prstGeom prst="line">
+              <a:avLst/>
+            </a:prstGeom>
+            <a:ln>
+              <a:solidFill>
+                <a:schemeClr val="tx1"/>
+              </a:solidFill>
+            </a:ln>
+          </p:spPr>
+          <p:style>
+            <a:lnRef idx="1">
+              <a:schemeClr val="accent1"/>
+            </a:lnRef>
+            <a:fillRef idx="0">
+              <a:schemeClr val="accent1"/>
+            </a:fillRef>
+            <a:effectRef idx="0">
+              <a:schemeClr val="accent1"/>
+            </a:effectRef>
+            <a:fontRef idx="minor">
+              <a:schemeClr val="tx1"/>
+            </a:fontRef>
+          </p:style>
+        </p:cxnSp>
+      </p:grpSp>
+      <p:sp>
+        <p:nvSpPr>
+          <p:cNvPr id="42" name="矩形 41"/>
+          <p:cNvSpPr/>
+          <p:nvPr/>
+        </p:nvSpPr>
+        <p:spPr>
+          <a:xfrm>
+            <a:off x="456540" y="1903391"/>
+            <a:ext cx="1910636" cy="655570"/>
+          </a:xfrm>
+          <a:prstGeom prst="rect">
+            <a:avLst/>
+          </a:prstGeom>
+          <a:noFill/>
+        </p:spPr>
+        <p:style>
+          <a:lnRef idx="2">
+            <a:schemeClr val="accent1">
+              <a:shade val="50000"/>
+            </a:schemeClr>
+          </a:lnRef>
+          <a:fillRef idx="1">
+            <a:schemeClr val="accent1"/>
+          </a:fillRef>
+          <a:effectRef idx="0">
+            <a:schemeClr val="accent1"/>
+          </a:effectRef>
+          <a:fontRef idx="minor">
+            <a:schemeClr val="lt1"/>
+          </a:fontRef>
+        </p:style>
+        <p:txBody>
+          <a:bodyPr rtlCol="0" anchor="ctr"/>
+          <a:lstStyle/>
+          <a:p>
+            <a:pPr algn="ctr"/>
+            <a:r>
+              <a:rPr lang="zh-TW" altLang="en-US" dirty="0" smtClean="0">
+                <a:solidFill>
+                  <a:schemeClr val="tx1"/>
+                </a:solidFill>
+              </a:rPr>
+              <a:t>議題搜尋</a:t>
+            </a:r>
+            <a:endParaRPr lang="zh-TW" altLang="en-US" dirty="0">
+              <a:solidFill>
+                <a:schemeClr val="tx1"/>
+              </a:solidFill>
+            </a:endParaRPr>
+          </a:p>
+        </p:txBody>
+      </p:sp>
+      <p:sp>
+        <p:nvSpPr>
+          <p:cNvPr id="43" name="矩形 42"/>
+          <p:cNvSpPr/>
+          <p:nvPr/>
+        </p:nvSpPr>
+        <p:spPr>
+          <a:xfrm>
+            <a:off x="456540" y="3320007"/>
+            <a:ext cx="1910635" cy="655570"/>
+          </a:xfrm>
+          <a:prstGeom prst="rect">
+            <a:avLst/>
+          </a:prstGeom>
+          <a:noFill/>
+        </p:spPr>
+        <p:style>
+          <a:lnRef idx="2">
+            <a:schemeClr val="accent1">
+              <a:shade val="50000"/>
+            </a:schemeClr>
+          </a:lnRef>
+          <a:fillRef idx="1">
+            <a:schemeClr val="accent1"/>
+          </a:fillRef>
+          <a:effectRef idx="0">
+            <a:schemeClr val="accent1"/>
+          </a:effectRef>
+          <a:fontRef idx="minor">
+            <a:schemeClr val="lt1"/>
+          </a:fontRef>
+        </p:style>
+        <p:txBody>
+          <a:bodyPr rtlCol="0" anchor="ctr"/>
+          <a:lstStyle/>
+          <a:p>
+            <a:pPr algn="ctr"/>
+            <a:r>
+              <a:rPr lang="zh-TW" altLang="en-US" dirty="0" smtClean="0">
+                <a:solidFill>
+                  <a:schemeClr val="tx1"/>
+                </a:solidFill>
+              </a:rPr>
+              <a:t>議題列表</a:t>
+            </a:r>
+            <a:endParaRPr lang="zh-TW" altLang="en-US" dirty="0">
+              <a:solidFill>
+                <a:schemeClr val="tx1"/>
+              </a:solidFill>
+            </a:endParaRPr>
+          </a:p>
+        </p:txBody>
+      </p:sp>
+      <p:sp>
+        <p:nvSpPr>
+          <p:cNvPr id="44" name="矩形 43"/>
+          <p:cNvSpPr/>
+          <p:nvPr/>
+        </p:nvSpPr>
+        <p:spPr>
+          <a:xfrm>
+            <a:off x="456540" y="4920392"/>
+            <a:ext cx="1910635" cy="655570"/>
+          </a:xfrm>
+          <a:prstGeom prst="rect">
+            <a:avLst/>
+          </a:prstGeom>
+          <a:noFill/>
+        </p:spPr>
+        <p:style>
+          <a:lnRef idx="2">
+            <a:schemeClr val="accent1">
+              <a:shade val="50000"/>
+            </a:schemeClr>
+          </a:lnRef>
+          <a:fillRef idx="1">
+            <a:schemeClr val="accent1"/>
+          </a:fillRef>
+          <a:effectRef idx="0">
+            <a:schemeClr val="accent1"/>
+          </a:effectRef>
+          <a:fontRef idx="minor">
+            <a:schemeClr val="lt1"/>
+          </a:fontRef>
+        </p:style>
+        <p:txBody>
+          <a:bodyPr rtlCol="0" anchor="ctr"/>
+          <a:lstStyle/>
+          <a:p>
+            <a:pPr algn="ctr"/>
+            <a:r>
+              <a:rPr lang="zh-TW" altLang="en-US" dirty="0" smtClean="0">
+                <a:solidFill>
+                  <a:schemeClr val="tx1"/>
+                </a:solidFill>
+              </a:rPr>
+              <a:t>議題建立</a:t>
+            </a:r>
+            <a:endParaRPr lang="zh-TW" altLang="en-US" dirty="0">
+              <a:solidFill>
+                <a:schemeClr val="tx1"/>
+              </a:solidFill>
+            </a:endParaRPr>
+          </a:p>
+        </p:txBody>
+      </p:sp>
+      <p:grpSp>
+        <p:nvGrpSpPr>
+          <p:cNvPr id="45" name="群組 44"/>
+          <p:cNvGrpSpPr/>
+          <p:nvPr/>
+        </p:nvGrpSpPr>
+        <p:grpSpPr>
+          <a:xfrm>
+            <a:off x="-64826" y="3320008"/>
+            <a:ext cx="521365" cy="655569"/>
+            <a:chOff x="0" y="1321272"/>
+            <a:chExt cx="12195175" cy="4464496"/>
+          </a:xfrm>
+        </p:grpSpPr>
+        <p:sp>
+          <p:nvSpPr>
+            <p:cNvPr id="46" name="矩形 45"/>
+            <p:cNvSpPr/>
+            <p:nvPr/>
+          </p:nvSpPr>
+          <p:spPr>
+            <a:xfrm>
+              <a:off x="0" y="1321272"/>
+              <a:ext cx="12187998" cy="4464496"/>
+            </a:xfrm>
+            <a:prstGeom prst="rect">
+              <a:avLst/>
+            </a:prstGeom>
+            <a:noFill/>
+            <a:ln>
+              <a:solidFill>
+                <a:schemeClr val="tx1"/>
+              </a:solidFill>
+            </a:ln>
+          </p:spPr>
+          <p:style>
+            <a:lnRef idx="2">
+              <a:schemeClr val="accent1">
+                <a:shade val="50000"/>
+              </a:schemeClr>
+            </a:lnRef>
+            <a:fillRef idx="1">
+              <a:schemeClr val="accent1"/>
+            </a:fillRef>
+            <a:effectRef idx="0">
+              <a:schemeClr val="accent1"/>
+            </a:effectRef>
+            <a:fontRef idx="minor">
+              <a:schemeClr val="lt1"/>
+            </a:fontRef>
+          </p:style>
+          <p:txBody>
+            <a:bodyPr rtlCol="0" anchor="ctr"/>
+            <a:lstStyle/>
+            <a:p>
+              <a:pPr algn="ctr"/>
+              <a:endParaRPr lang="zh-TW" altLang="en-US"/>
+            </a:p>
+          </p:txBody>
+        </p:sp>
+        <p:cxnSp>
+          <p:nvCxnSpPr>
+            <p:cNvPr id="47" name="直線接點 46"/>
+            <p:cNvCxnSpPr/>
+            <p:nvPr/>
+          </p:nvCxnSpPr>
+          <p:spPr>
+            <a:xfrm>
+              <a:off x="0" y="1328094"/>
+              <a:ext cx="12187998" cy="4457674"/>
+            </a:xfrm>
+            <a:prstGeom prst="line">
+              <a:avLst/>
+            </a:prstGeom>
+            <a:ln>
+              <a:solidFill>
+                <a:schemeClr val="tx1"/>
+              </a:solidFill>
+            </a:ln>
+          </p:spPr>
+          <p:style>
+            <a:lnRef idx="1">
+              <a:schemeClr val="accent1"/>
+            </a:lnRef>
+            <a:fillRef idx="0">
+              <a:schemeClr val="accent1"/>
+            </a:fillRef>
+            <a:effectRef idx="0">
+              <a:schemeClr val="accent1"/>
+            </a:effectRef>
+            <a:fontRef idx="minor">
+              <a:schemeClr val="tx1"/>
+            </a:fontRef>
+          </p:style>
+        </p:cxnSp>
+        <p:cxnSp>
+          <p:nvCxnSpPr>
+            <p:cNvPr id="48" name="直線接點 47"/>
+            <p:cNvCxnSpPr/>
+            <p:nvPr/>
+          </p:nvCxnSpPr>
+          <p:spPr>
+            <a:xfrm flipH="1">
+              <a:off x="0" y="1321272"/>
+              <a:ext cx="12195175" cy="4464496"/>
+            </a:xfrm>
+            <a:prstGeom prst="line">
+              <a:avLst/>
+            </a:prstGeom>
+            <a:ln>
+              <a:solidFill>
+                <a:schemeClr val="tx1"/>
+              </a:solidFill>
+            </a:ln>
+          </p:spPr>
+          <p:style>
+            <a:lnRef idx="1">
+              <a:schemeClr val="accent1"/>
+            </a:lnRef>
+            <a:fillRef idx="0">
+              <a:schemeClr val="accent1"/>
+            </a:fillRef>
+            <a:effectRef idx="0">
+              <a:schemeClr val="accent1"/>
+            </a:effectRef>
+            <a:fontRef idx="minor">
+              <a:schemeClr val="tx1"/>
+            </a:fontRef>
+          </p:style>
+        </p:cxnSp>
+      </p:grpSp>
+      <p:grpSp>
+        <p:nvGrpSpPr>
+          <p:cNvPr id="49" name="群組 48"/>
+          <p:cNvGrpSpPr/>
+          <p:nvPr/>
+        </p:nvGrpSpPr>
+        <p:grpSpPr>
+          <a:xfrm>
+            <a:off x="-64825" y="4914174"/>
+            <a:ext cx="521366" cy="661788"/>
+            <a:chOff x="0" y="1321272"/>
+            <a:chExt cx="12195175" cy="4464496"/>
+          </a:xfrm>
+        </p:grpSpPr>
+        <p:sp>
+          <p:nvSpPr>
+            <p:cNvPr id="50" name="矩形 49"/>
+            <p:cNvSpPr/>
+            <p:nvPr/>
+          </p:nvSpPr>
+          <p:spPr>
+            <a:xfrm>
+              <a:off x="0" y="1321272"/>
+              <a:ext cx="12187998" cy="4464496"/>
+            </a:xfrm>
+            <a:prstGeom prst="rect">
+              <a:avLst/>
+            </a:prstGeom>
+            <a:noFill/>
+            <a:ln>
+              <a:solidFill>
+                <a:schemeClr val="tx1"/>
+              </a:solidFill>
+            </a:ln>
+          </p:spPr>
+          <p:style>
+            <a:lnRef idx="2">
+              <a:schemeClr val="accent1">
+                <a:shade val="50000"/>
+              </a:schemeClr>
+            </a:lnRef>
+            <a:fillRef idx="1">
+              <a:schemeClr val="accent1"/>
+            </a:fillRef>
+            <a:effectRef idx="0">
+              <a:schemeClr val="accent1"/>
+            </a:effectRef>
+            <a:fontRef idx="minor">
+              <a:schemeClr val="lt1"/>
+            </a:fontRef>
+          </p:style>
+          <p:txBody>
+            <a:bodyPr rtlCol="0" anchor="ctr"/>
+            <a:lstStyle/>
+            <a:p>
+              <a:pPr algn="ctr"/>
+              <a:endParaRPr lang="zh-TW" altLang="en-US"/>
+            </a:p>
+          </p:txBody>
+        </p:sp>
+        <p:cxnSp>
+          <p:nvCxnSpPr>
+            <p:cNvPr id="51" name="直線接點 50"/>
+            <p:cNvCxnSpPr/>
+            <p:nvPr/>
+          </p:nvCxnSpPr>
+          <p:spPr>
+            <a:xfrm>
+              <a:off x="0" y="1328094"/>
+              <a:ext cx="12187998" cy="4457674"/>
+            </a:xfrm>
+            <a:prstGeom prst="line">
+              <a:avLst/>
+            </a:prstGeom>
+            <a:ln>
+              <a:solidFill>
+                <a:schemeClr val="tx1"/>
+              </a:solidFill>
+            </a:ln>
+          </p:spPr>
+          <p:style>
+            <a:lnRef idx="1">
+              <a:schemeClr val="accent1"/>
+            </a:lnRef>
+            <a:fillRef idx="0">
+              <a:schemeClr val="accent1"/>
+            </a:fillRef>
+            <a:effectRef idx="0">
+              <a:schemeClr val="accent1"/>
+            </a:effectRef>
+            <a:fontRef idx="minor">
+              <a:schemeClr val="tx1"/>
+            </a:fontRef>
+          </p:style>
+        </p:cxnSp>
+        <p:cxnSp>
+          <p:nvCxnSpPr>
+            <p:cNvPr id="52" name="直線接點 51"/>
+            <p:cNvCxnSpPr/>
+            <p:nvPr/>
+          </p:nvCxnSpPr>
+          <p:spPr>
+            <a:xfrm flipH="1">
+              <a:off x="0" y="1321272"/>
+              <a:ext cx="12195175" cy="4464496"/>
+            </a:xfrm>
+            <a:prstGeom prst="line">
+              <a:avLst/>
+            </a:prstGeom>
+            <a:ln>
+              <a:solidFill>
+                <a:schemeClr val="tx1"/>
+              </a:solidFill>
+            </a:ln>
+          </p:spPr>
+          <p:style>
+            <a:lnRef idx="1">
+              <a:schemeClr val="accent1"/>
+            </a:lnRef>
+            <a:fillRef idx="0">
+              <a:schemeClr val="accent1"/>
+            </a:fillRef>
+            <a:effectRef idx="0">
+              <a:schemeClr val="accent1"/>
+            </a:effectRef>
+            <a:fontRef idx="minor">
+              <a:schemeClr val="tx1"/>
+            </a:fontRef>
+          </p:style>
+        </p:cxnSp>
+      </p:grpSp>
+      <p:sp>
+        <p:nvSpPr>
+          <p:cNvPr id="53" name="矩形 52"/>
+          <p:cNvSpPr/>
+          <p:nvPr/>
+        </p:nvSpPr>
+        <p:spPr>
+          <a:xfrm>
+            <a:off x="4311393" y="3136239"/>
+            <a:ext cx="7394548" cy="1023107"/>
+          </a:xfrm>
+          <a:prstGeom prst="rect">
+            <a:avLst/>
+          </a:prstGeom>
+          <a:noFill/>
+        </p:spPr>
+        <p:style>
+          <a:lnRef idx="2">
+            <a:schemeClr val="accent1">
+              <a:shade val="50000"/>
+            </a:schemeClr>
+          </a:lnRef>
+          <a:fillRef idx="1">
+            <a:schemeClr val="accent1"/>
+          </a:fillRef>
+          <a:effectRef idx="0">
+            <a:schemeClr val="accent1"/>
+          </a:effectRef>
+          <a:fontRef idx="minor">
+            <a:schemeClr val="lt1"/>
+          </a:fontRef>
+        </p:style>
+        <p:txBody>
+          <a:bodyPr rtlCol="0" anchor="ctr"/>
+          <a:lstStyle/>
+          <a:p>
+            <a:r>
+              <a:rPr lang="en-US" altLang="zh-TW" dirty="0" smtClean="0">
+                <a:solidFill>
+                  <a:schemeClr val="tx1"/>
+                </a:solidFill>
+              </a:rPr>
+              <a:t>1.</a:t>
+            </a:r>
+            <a:endParaRPr lang="zh-TW" altLang="en-US" dirty="0">
+              <a:solidFill>
+                <a:schemeClr val="tx1"/>
+              </a:solidFill>
+            </a:endParaRPr>
+          </a:p>
+        </p:txBody>
+      </p:sp>
+      <p:sp>
+        <p:nvSpPr>
+          <p:cNvPr id="54" name="矩形 53"/>
+          <p:cNvSpPr/>
+          <p:nvPr/>
+        </p:nvSpPr>
+        <p:spPr>
+          <a:xfrm>
+            <a:off x="4321470" y="4736624"/>
+            <a:ext cx="7387830" cy="1023107"/>
+          </a:xfrm>
+          <a:prstGeom prst="rect">
+            <a:avLst/>
+          </a:prstGeom>
+          <a:noFill/>
+        </p:spPr>
+        <p:style>
+          <a:lnRef idx="2">
+            <a:schemeClr val="accent1">
+              <a:shade val="50000"/>
+            </a:schemeClr>
+          </a:lnRef>
+          <a:fillRef idx="1">
+            <a:schemeClr val="accent1"/>
+          </a:fillRef>
+          <a:effectRef idx="0">
+            <a:schemeClr val="accent1"/>
+          </a:effectRef>
+          <a:fontRef idx="minor">
+            <a:schemeClr val="lt1"/>
+          </a:fontRef>
+        </p:style>
+        <p:txBody>
+          <a:bodyPr rtlCol="0" anchor="ctr"/>
+          <a:lstStyle/>
+          <a:p>
+            <a:r>
+              <a:rPr lang="en-US" altLang="zh-TW" dirty="0">
+                <a:solidFill>
+                  <a:schemeClr val="tx1"/>
+                </a:solidFill>
+              </a:rPr>
+              <a:t>2</a:t>
+            </a:r>
+            <a:r>
+              <a:rPr lang="en-US" altLang="zh-TW" dirty="0" smtClean="0">
+                <a:solidFill>
+                  <a:schemeClr val="tx1"/>
+                </a:solidFill>
+              </a:rPr>
+              <a:t>.</a:t>
+            </a:r>
+            <a:endParaRPr lang="zh-TW" altLang="en-US" dirty="0">
+              <a:solidFill>
+                <a:schemeClr val="tx1"/>
+              </a:solidFill>
+            </a:endParaRPr>
+          </a:p>
+        </p:txBody>
+      </p:sp>
+      <p:sp>
+        <p:nvSpPr>
+          <p:cNvPr id="55" name="矩形 54"/>
+          <p:cNvSpPr/>
+          <p:nvPr/>
+        </p:nvSpPr>
+        <p:spPr>
+          <a:xfrm>
+            <a:off x="4297387" y="6337009"/>
+            <a:ext cx="7387830" cy="1023107"/>
+          </a:xfrm>
+          <a:prstGeom prst="rect">
+            <a:avLst/>
+          </a:prstGeom>
+          <a:noFill/>
+        </p:spPr>
+        <p:style>
+          <a:lnRef idx="2">
+            <a:schemeClr val="accent1">
+              <a:shade val="50000"/>
+            </a:schemeClr>
+          </a:lnRef>
+          <a:fillRef idx="1">
+            <a:schemeClr val="accent1"/>
+          </a:fillRef>
+          <a:effectRef idx="0">
+            <a:schemeClr val="accent1"/>
+          </a:effectRef>
+          <a:fontRef idx="minor">
+            <a:schemeClr val="lt1"/>
+          </a:fontRef>
+        </p:style>
+        <p:txBody>
+          <a:bodyPr rtlCol="0" anchor="ctr"/>
+          <a:lstStyle/>
+          <a:p>
+            <a:r>
+              <a:rPr lang="en-US" altLang="zh-TW" dirty="0" smtClean="0">
+                <a:solidFill>
+                  <a:schemeClr val="tx1"/>
+                </a:solidFill>
+              </a:rPr>
+              <a:t>3.</a:t>
+            </a:r>
+            <a:endParaRPr lang="zh-TW" altLang="en-US" dirty="0">
+              <a:solidFill>
+                <a:schemeClr val="tx1"/>
+              </a:solidFill>
+            </a:endParaRPr>
+          </a:p>
+        </p:txBody>
+      </p:sp>
+      <p:sp>
+        <p:nvSpPr>
+          <p:cNvPr id="59" name="矩形 58"/>
+          <p:cNvSpPr/>
+          <p:nvPr/>
+        </p:nvSpPr>
+        <p:spPr>
+          <a:xfrm>
+            <a:off x="10098089" y="358867"/>
+            <a:ext cx="1574274" cy="598066"/>
+          </a:xfrm>
+          <a:prstGeom prst="rect">
+            <a:avLst/>
+          </a:prstGeom>
+          <a:noFill/>
+        </p:spPr>
+        <p:style>
+          <a:lnRef idx="2">
+            <a:schemeClr val="accent1">
+              <a:shade val="50000"/>
+            </a:schemeClr>
+          </a:lnRef>
+          <a:fillRef idx="1">
+            <a:schemeClr val="accent1"/>
+          </a:fillRef>
+          <a:effectRef idx="0">
+            <a:schemeClr val="accent1"/>
+          </a:effectRef>
+          <a:fontRef idx="minor">
+            <a:schemeClr val="lt1"/>
+          </a:fontRef>
+        </p:style>
+        <p:txBody>
+          <a:bodyPr rtlCol="0" anchor="ctr"/>
+          <a:lstStyle/>
+          <a:p>
+            <a:pPr algn="ctr"/>
+            <a:r>
+              <a:rPr lang="en-US" altLang="zh-TW" dirty="0" smtClean="0">
+                <a:solidFill>
+                  <a:schemeClr val="tx1"/>
+                </a:solidFill>
+              </a:rPr>
+              <a:t>HI!XXX</a:t>
+            </a:r>
+            <a:endParaRPr lang="zh-TW" altLang="en-US" dirty="0">
+              <a:solidFill>
+                <a:schemeClr val="tx1"/>
+              </a:solidFill>
+            </a:endParaRPr>
+          </a:p>
+        </p:txBody>
+      </p:sp>
+      <p:sp>
+        <p:nvSpPr>
+          <p:cNvPr id="56" name="文字方塊 55"/>
+          <p:cNvSpPr txBox="1"/>
+          <p:nvPr/>
+        </p:nvSpPr>
+        <p:spPr>
+          <a:xfrm>
+            <a:off x="12866339" y="5569744"/>
+            <a:ext cx="3960440" cy="1046440"/>
+          </a:xfrm>
+          <a:prstGeom prst="rect">
+            <a:avLst/>
+          </a:prstGeom>
+          <a:noFill/>
+        </p:spPr>
+        <p:txBody>
+          <a:bodyPr wrap="square" rtlCol="0">
+            <a:spAutoFit/>
+          </a:bodyPr>
+          <a:lstStyle/>
+          <a:p>
+            <a:r>
+              <a:rPr lang="zh-TW" altLang="en-US" dirty="0" smtClean="0"/>
+              <a:t>把它切成一辦，最新根最熱門</a:t>
+            </a:r>
+            <a:endParaRPr lang="zh-TW" altLang="en-US" dirty="0"/>
+          </a:p>
+        </p:txBody>
+      </p:sp>
+    </p:spTree>
+    <p:extLst>
+      <p:ext uri="{BB962C8B-B14F-4D97-AF65-F5344CB8AC3E}">
+        <p14:creationId xmlns:p14="http://schemas.microsoft.com/office/powerpoint/2010/main" val="3140043899"/>
+      </p:ext>
+    </p:extLst>
+  </p:cSld>
+  <p:clrMapOvr>
+    <a:masterClrMapping/>
+  </p:clrMapOvr>
+</p:sld>
+</file>
+
+<file path=ppt/slides/slide7.xml><?xml version="1.0" encoding="utf-8"?>
+<p:sld xmlns:a="http://schemas.openxmlformats.org/drawingml/2006/main" xmlns:r="http://schemas.openxmlformats.org/officeDocument/2006/relationships" xmlns:p="http://schemas.openxmlformats.org/presentationml/2006/main">
+  <p:cSld>
+    <p:spTree>
+      <p:nvGrpSpPr>
+        <p:cNvPr id="1" name=""/>
+        <p:cNvGrpSpPr/>
+        <p:nvPr/>
+      </p:nvGrpSpPr>
+      <p:grpSpPr>
+        <a:xfrm>
+          <a:off x="0" y="0"/>
+          <a:ext cx="0" cy="0"/>
+          <a:chOff x="0" y="0"/>
+          <a:chExt cx="0" cy="0"/>
+        </a:xfrm>
+      </p:grpSpPr>
+      <p:sp>
+        <p:nvSpPr>
+          <p:cNvPr id="2" name="標題 1"/>
+          <p:cNvSpPr>
+            <a:spLocks noGrp="1"/>
+          </p:cNvSpPr>
+          <p:nvPr>
+            <p:ph type="title"/>
+          </p:nvPr>
+        </p:nvSpPr>
+        <p:spPr/>
+        <p:txBody>
+          <a:bodyPr/>
+          <a:lstStyle/>
+          <a:p>
+            <a:r>
+              <a:rPr lang="en-US" altLang="zh-TW" dirty="0" smtClean="0"/>
+              <a:t>MYPAGE</a:t>
+            </a:r>
+            <a:r>
+              <a:rPr lang="zh-TW" altLang="en-US" smtClean="0"/>
+              <a:t> </a:t>
+            </a:r>
+            <a:endParaRPr lang="zh-TW" altLang="en-US"/>
+          </a:p>
+        </p:txBody>
+      </p:sp>
+      <p:sp>
+        <p:nvSpPr>
+          <p:cNvPr id="3" name="內容版面配置區 2"/>
+          <p:cNvSpPr>
+            <a:spLocks noGrp="1"/>
+          </p:cNvSpPr>
+          <p:nvPr>
+            <p:ph idx="1"/>
+          </p:nvPr>
+        </p:nvSpPr>
+        <p:spPr/>
+        <p:txBody>
+          <a:bodyPr/>
+          <a:lstStyle/>
+          <a:p>
+            <a:endParaRPr lang="zh-TW" altLang="en-US"/>
+          </a:p>
+        </p:txBody>
+      </p:sp>
+    </p:spTree>
+    <p:extLst>
+      <p:ext uri="{BB962C8B-B14F-4D97-AF65-F5344CB8AC3E}">
+        <p14:creationId xmlns:p14="http://schemas.microsoft.com/office/powerpoint/2010/main" val="3386456583"/>
       </p:ext>
     </p:extLst>
   </p:cSld>
